--- a/du/RTK-Du.pptx
+++ b/du/RTK-Du.pptx
@@ -5,19 +5,20 @@
     <p:sldMasterId id="2147483648" r:id="rId1"/>
   </p:sldMasterIdLst>
   <p:notesMasterIdLst>
-    <p:notesMasterId r:id="rId12"/>
+    <p:notesMasterId r:id="rId13"/>
   </p:notesMasterIdLst>
   <p:sldIdLst>
     <p:sldId id="2123" r:id="rId2"/>
     <p:sldId id="2551" r:id="rId3"/>
-    <p:sldId id="2567" r:id="rId4"/>
-    <p:sldId id="2568" r:id="rId5"/>
-    <p:sldId id="2570" r:id="rId6"/>
-    <p:sldId id="2571" r:id="rId7"/>
-    <p:sldId id="2574" r:id="rId8"/>
-    <p:sldId id="2573" r:id="rId9"/>
-    <p:sldId id="2575" r:id="rId10"/>
-    <p:sldId id="2576" r:id="rId11"/>
+    <p:sldId id="2577" r:id="rId4"/>
+    <p:sldId id="2567" r:id="rId5"/>
+    <p:sldId id="2568" r:id="rId6"/>
+    <p:sldId id="2570" r:id="rId7"/>
+    <p:sldId id="2571" r:id="rId8"/>
+    <p:sldId id="2574" r:id="rId9"/>
+    <p:sldId id="2573" r:id="rId10"/>
+    <p:sldId id="2575" r:id="rId11"/>
+    <p:sldId id="2576" r:id="rId12"/>
   </p:sldIdLst>
   <p:sldSz cx="12192000" cy="6858000"/>
   <p:notesSz cx="6858000" cy="9144000"/>
@@ -206,7 +207,7 @@
           <a:p>
             <a:fld id="{8EF0086F-27C1-4125-BA21-E9E8DC726F55}" type="datetimeFigureOut">
               <a:rPr lang="zh-CN" altLang="en-US" smtClean="0"/>
-              <a:t>2023/11/3</a:t>
+              <a:t>2023/11/11</a:t>
             </a:fld>
             <a:endParaRPr lang="zh-CN" altLang="en-US"/>
           </a:p>
@@ -593,7 +594,7 @@
     </p:spTree>
     <p:extLst>
       <p:ext uri="{BB962C8B-B14F-4D97-AF65-F5344CB8AC3E}">
-        <p14:creationId xmlns:p14="http://schemas.microsoft.com/office/powerpoint/2010/main" val="3970629992"/>
+        <p14:creationId xmlns:p14="http://schemas.microsoft.com/office/powerpoint/2010/main" val="1259182893"/>
       </p:ext>
     </p:extLst>
   </p:cSld>
@@ -658,7 +659,7 @@
     </p:spTree>
     <p:extLst>
       <p:ext uri="{BB962C8B-B14F-4D97-AF65-F5344CB8AC3E}">
-        <p14:creationId xmlns:p14="http://schemas.microsoft.com/office/powerpoint/2010/main" val="1142929140"/>
+        <p14:creationId xmlns:p14="http://schemas.microsoft.com/office/powerpoint/2010/main" val="3970629992"/>
       </p:ext>
     </p:extLst>
   </p:cSld>
@@ -723,7 +724,7 @@
     </p:spTree>
     <p:extLst>
       <p:ext uri="{BB962C8B-B14F-4D97-AF65-F5344CB8AC3E}">
-        <p14:creationId xmlns:p14="http://schemas.microsoft.com/office/powerpoint/2010/main" val="1860349466"/>
+        <p14:creationId xmlns:p14="http://schemas.microsoft.com/office/powerpoint/2010/main" val="1142929140"/>
       </p:ext>
     </p:extLst>
   </p:cSld>
@@ -788,6 +789,71 @@
     </p:spTree>
     <p:extLst>
       <p:ext uri="{BB962C8B-B14F-4D97-AF65-F5344CB8AC3E}">
+        <p14:creationId xmlns:p14="http://schemas.microsoft.com/office/powerpoint/2010/main" val="1860349466"/>
+      </p:ext>
+    </p:extLst>
+  </p:cSld>
+  <p:clrMapOvr>
+    <a:masterClrMapping/>
+  </p:clrMapOvr>
+</p:notes>
+</file>
+
+<file path=ppt/notesSlides/notesSlide6.xml><?xml version="1.0" encoding="utf-8"?>
+<p:notes xmlns:a="http://schemas.openxmlformats.org/drawingml/2006/main" xmlns:r="http://schemas.openxmlformats.org/officeDocument/2006/relationships" xmlns:p="http://schemas.openxmlformats.org/presentationml/2006/main">
+  <p:cSld>
+    <p:spTree>
+      <p:nvGrpSpPr>
+        <p:cNvPr id="1" name=""/>
+        <p:cNvGrpSpPr/>
+        <p:nvPr/>
+      </p:nvGrpSpPr>
+      <p:grpSpPr>
+        <a:xfrm>
+          <a:off x="0" y="0"/>
+          <a:ext cx="0" cy="0"/>
+          <a:chOff x="0" y="0"/>
+          <a:chExt cx="0" cy="0"/>
+        </a:xfrm>
+      </p:grpSpPr>
+      <p:sp>
+        <p:nvSpPr>
+          <p:cNvPr id="2" name="幻灯片图像占位符 1"/>
+          <p:cNvSpPr>
+            <a:spLocks noGrp="1" noRot="1" noChangeAspect="1"/>
+          </p:cNvSpPr>
+          <p:nvPr>
+            <p:ph type="sldImg" idx="2"/>
+          </p:nvPr>
+        </p:nvSpPr>
+        <p:spPr/>
+      </p:sp>
+      <p:sp>
+        <p:nvSpPr>
+          <p:cNvPr id="3" name="文本占位符 2"/>
+          <p:cNvSpPr>
+            <a:spLocks noGrp="1"/>
+          </p:cNvSpPr>
+          <p:nvPr>
+            <p:ph type="body" idx="3"/>
+          </p:nvPr>
+        </p:nvSpPr>
+        <p:spPr/>
+        <p:txBody>
+          <a:bodyPr/>
+          <a:lstStyle/>
+          <a:p>
+            <a:pPr indent="0">
+              <a:buFont typeface="Wingdings" panose="05000000000000000000" charset="0"/>
+              <a:buNone/>
+            </a:pPr>
+            <a:endParaRPr lang="zh-CN" altLang="en-US"/>
+          </a:p>
+        </p:txBody>
+      </p:sp>
+    </p:spTree>
+    <p:extLst>
+      <p:ext uri="{BB962C8B-B14F-4D97-AF65-F5344CB8AC3E}">
         <p14:creationId xmlns:p14="http://schemas.microsoft.com/office/powerpoint/2010/main" val="4127293070"/>
       </p:ext>
     </p:extLst>
@@ -798,7 +864,7 @@
 </p:notes>
 </file>
 
-<file path=ppt/notesSlides/notesSlide6.xml><?xml version="1.0" encoding="utf-8"?>
+<file path=ppt/notesSlides/notesSlide7.xml><?xml version="1.0" encoding="utf-8"?>
 <p:notes xmlns:a="http://schemas.openxmlformats.org/drawingml/2006/main" xmlns:r="http://schemas.openxmlformats.org/officeDocument/2006/relationships" xmlns:p="http://schemas.openxmlformats.org/presentationml/2006/main">
   <p:cSld>
     <p:spTree>
@@ -1010,7 +1076,7 @@
           <a:p>
             <a:fld id="{6BA34DC9-532A-41EF-93F4-35A8B7D91987}" type="datetimeFigureOut">
               <a:rPr lang="zh-CN" altLang="en-US" smtClean="0"/>
-              <a:t>2023/11/3</a:t>
+              <a:t>2023/11/11</a:t>
             </a:fld>
             <a:endParaRPr lang="zh-CN" altLang="en-US"/>
           </a:p>
@@ -1208,7 +1274,7 @@
           <a:p>
             <a:fld id="{6BA34DC9-532A-41EF-93F4-35A8B7D91987}" type="datetimeFigureOut">
               <a:rPr lang="zh-CN" altLang="en-US" smtClean="0"/>
-              <a:t>2023/11/3</a:t>
+              <a:t>2023/11/11</a:t>
             </a:fld>
             <a:endParaRPr lang="zh-CN" altLang="en-US"/>
           </a:p>
@@ -1416,7 +1482,7 @@
           <a:p>
             <a:fld id="{6BA34DC9-532A-41EF-93F4-35A8B7D91987}" type="datetimeFigureOut">
               <a:rPr lang="zh-CN" altLang="en-US" smtClean="0"/>
-              <a:t>2023/11/3</a:t>
+              <a:t>2023/11/11</a:t>
             </a:fld>
             <a:endParaRPr lang="zh-CN" altLang="en-US"/>
           </a:p>
@@ -1614,7 +1680,7 @@
           <a:p>
             <a:fld id="{6BA34DC9-532A-41EF-93F4-35A8B7D91987}" type="datetimeFigureOut">
               <a:rPr lang="zh-CN" altLang="en-US" smtClean="0"/>
-              <a:t>2023/11/3</a:t>
+              <a:t>2023/11/11</a:t>
             </a:fld>
             <a:endParaRPr lang="zh-CN" altLang="en-US"/>
           </a:p>
@@ -1889,7 +1955,7 @@
           <a:p>
             <a:fld id="{6BA34DC9-532A-41EF-93F4-35A8B7D91987}" type="datetimeFigureOut">
               <a:rPr lang="zh-CN" altLang="en-US" smtClean="0"/>
-              <a:t>2023/11/3</a:t>
+              <a:t>2023/11/11</a:t>
             </a:fld>
             <a:endParaRPr lang="zh-CN" altLang="en-US"/>
           </a:p>
@@ -2154,7 +2220,7 @@
           <a:p>
             <a:fld id="{6BA34DC9-532A-41EF-93F4-35A8B7D91987}" type="datetimeFigureOut">
               <a:rPr lang="zh-CN" altLang="en-US" smtClean="0"/>
-              <a:t>2023/11/3</a:t>
+              <a:t>2023/11/11</a:t>
             </a:fld>
             <a:endParaRPr lang="zh-CN" altLang="en-US"/>
           </a:p>
@@ -2566,7 +2632,7 @@
           <a:p>
             <a:fld id="{6BA34DC9-532A-41EF-93F4-35A8B7D91987}" type="datetimeFigureOut">
               <a:rPr lang="zh-CN" altLang="en-US" smtClean="0"/>
-              <a:t>2023/11/3</a:t>
+              <a:t>2023/11/11</a:t>
             </a:fld>
             <a:endParaRPr lang="zh-CN" altLang="en-US"/>
           </a:p>
@@ -2707,7 +2773,7 @@
           <a:p>
             <a:fld id="{6BA34DC9-532A-41EF-93F4-35A8B7D91987}" type="datetimeFigureOut">
               <a:rPr lang="zh-CN" altLang="en-US" smtClean="0"/>
-              <a:t>2023/11/3</a:t>
+              <a:t>2023/11/11</a:t>
             </a:fld>
             <a:endParaRPr lang="zh-CN" altLang="en-US"/>
           </a:p>
@@ -2820,7 +2886,7 @@
           <a:p>
             <a:fld id="{6BA34DC9-532A-41EF-93F4-35A8B7D91987}" type="datetimeFigureOut">
               <a:rPr lang="zh-CN" altLang="en-US" smtClean="0"/>
-              <a:t>2023/11/3</a:t>
+              <a:t>2023/11/11</a:t>
             </a:fld>
             <a:endParaRPr lang="zh-CN" altLang="en-US"/>
           </a:p>
@@ -3131,7 +3197,7 @@
           <a:p>
             <a:fld id="{6BA34DC9-532A-41EF-93F4-35A8B7D91987}" type="datetimeFigureOut">
               <a:rPr lang="zh-CN" altLang="en-US" smtClean="0"/>
-              <a:t>2023/11/3</a:t>
+              <a:t>2023/11/11</a:t>
             </a:fld>
             <a:endParaRPr lang="zh-CN" altLang="en-US"/>
           </a:p>
@@ -3419,7 +3485,7 @@
           <a:p>
             <a:fld id="{6BA34DC9-532A-41EF-93F4-35A8B7D91987}" type="datetimeFigureOut">
               <a:rPr lang="zh-CN" altLang="en-US" smtClean="0"/>
-              <a:t>2023/11/3</a:t>
+              <a:t>2023/11/11</a:t>
             </a:fld>
             <a:endParaRPr lang="zh-CN" altLang="en-US"/>
           </a:p>
@@ -3660,7 +3726,7 @@
           <a:p>
             <a:fld id="{6BA34DC9-532A-41EF-93F4-35A8B7D91987}" type="datetimeFigureOut">
               <a:rPr lang="zh-CN" altLang="en-US" smtClean="0"/>
-              <a:t>2023/11/3</a:t>
+              <a:t>2023/11/11</a:t>
             </a:fld>
             <a:endParaRPr lang="zh-CN" altLang="en-US"/>
           </a:p>
@@ -4085,7 +4151,7 @@
         </p:nvSpPr>
         <p:spPr>
           <a:xfrm>
-            <a:off x="1786890" y="1289685"/>
+            <a:off x="1817110" y="1289685"/>
             <a:ext cx="10404475" cy="2311400"/>
           </a:xfrm>
           <a:prstGeom prst="rect">
@@ -4126,7 +4192,7 @@
                 <a:spcPct val="150000"/>
               </a:lnSpc>
             </a:pPr>
-            <a:endParaRPr lang="zh-CN" altLang="en-US">
+            <a:endParaRPr lang="zh-CN" altLang="en-US" dirty="0">
               <a:solidFill>
                 <a:schemeClr val="tx1"/>
               </a:solidFill>
@@ -4150,8 +4216,8 @@
         </p:nvSpPr>
         <p:spPr>
           <a:xfrm>
-            <a:off x="2439459" y="1831955"/>
-            <a:ext cx="8114241" cy="769441"/>
+            <a:off x="1886990" y="1831955"/>
+            <a:ext cx="10292946" cy="769441"/>
           </a:xfrm>
           <a:prstGeom prst="rect">
             <a:avLst/>
@@ -4165,6 +4231,15 @@
           <a:p>
             <a:pPr algn="ctr"/>
             <a:r>
+              <a:rPr lang="zh-CN" altLang="en-US" sz="4400" b="1" dirty="0">
+                <a:latin typeface="微软雅黑" panose="020B0503020204020204" pitchFamily="34" charset="-122"/>
+                <a:ea typeface="微软雅黑" panose="020B0503020204020204" pitchFamily="34" charset="-122"/>
+                <a:cs typeface="微软雅黑" panose="020B0503020204020204" pitchFamily="34" charset="-122"/>
+                <a:sym typeface="思源黑体" panose="020B0500000000000000" pitchFamily="34" charset="-122"/>
+              </a:rPr>
+              <a:t>基于</a:t>
+            </a:r>
+            <a:r>
               <a:rPr lang="en-US" altLang="zh-CN" sz="4400" b="1" dirty="0">
                 <a:latin typeface="微软雅黑" panose="020B0503020204020204" pitchFamily="34" charset="-122"/>
                 <a:ea typeface="微软雅黑" panose="020B0503020204020204" pitchFamily="34" charset="-122"/>
@@ -4180,7 +4255,15 @@
                 <a:cs typeface="微软雅黑" panose="020B0503020204020204" pitchFamily="34" charset="-122"/>
                 <a:sym typeface="思源黑体" panose="020B0500000000000000" pitchFamily="34" charset="-122"/>
               </a:rPr>
-              <a:t>算法在智能驾驶的应用</a:t>
+              <a:t>的</a:t>
+            </a:r>
+            <a:r>
+              <a:rPr lang="zh-CN" altLang="en-US" sz="4400" b="1" dirty="0">
+                <a:latin typeface="微软雅黑" panose="020B0503020204020204" pitchFamily="34" charset="-122"/>
+                <a:ea typeface="微软雅黑" panose="020B0503020204020204" pitchFamily="34" charset="-122"/>
+                <a:cs typeface="微软雅黑" panose="020B0503020204020204" pitchFamily="34" charset="-122"/>
+              </a:rPr>
+              <a:t>高精度车辆位置监控系统</a:t>
             </a:r>
             <a:endParaRPr lang="en-US" altLang="zh-CN" sz="4400" b="1" dirty="0">
               <a:latin typeface="微软雅黑" panose="020B0503020204020204" pitchFamily="34" charset="-122"/>
@@ -4259,7 +4342,7 @@
         </p:nvSpPr>
         <p:spPr>
           <a:xfrm>
-            <a:off x="12065" y="1289685"/>
+            <a:off x="0" y="1310640"/>
             <a:ext cx="1775460" cy="2289810"/>
           </a:xfrm>
           <a:prstGeom prst="rect">
@@ -4643,6 +4726,310 @@
 </file>
 
 <file path=ppt/slides/slide10.xml><?xml version="1.0" encoding="utf-8"?>
+<p:sld xmlns:a="http://schemas.openxmlformats.org/drawingml/2006/main" xmlns:r="http://schemas.openxmlformats.org/officeDocument/2006/relationships" xmlns:p="http://schemas.openxmlformats.org/presentationml/2006/main">
+  <p:cSld>
+    <p:spTree>
+      <p:nvGrpSpPr>
+        <p:cNvPr id="1" name=""/>
+        <p:cNvGrpSpPr/>
+        <p:nvPr/>
+      </p:nvGrpSpPr>
+      <p:grpSpPr>
+        <a:xfrm>
+          <a:off x="0" y="0"/>
+          <a:ext cx="0" cy="0"/>
+          <a:chOff x="0" y="0"/>
+          <a:chExt cx="0" cy="0"/>
+        </a:xfrm>
+      </p:grpSpPr>
+      <p:sp>
+        <p:nvSpPr>
+          <p:cNvPr id="6" name="Rectangle 4">
+            <a:extLst>
+              <a:ext uri="{FF2B5EF4-FFF2-40B4-BE49-F238E27FC236}">
+                <a16:creationId xmlns:a16="http://schemas.microsoft.com/office/drawing/2014/main" id="{15599F48-0252-4392-B7DE-B86F71024601}"/>
+              </a:ext>
+            </a:extLst>
+          </p:cNvPr>
+          <p:cNvSpPr/>
+          <p:nvPr/>
+        </p:nvSpPr>
+        <p:spPr>
+          <a:xfrm>
+            <a:off x="1225" y="9401"/>
+            <a:ext cx="1080000" cy="828000"/>
+          </a:xfrm>
+          <a:prstGeom prst="rect">
+            <a:avLst/>
+          </a:prstGeom>
+          <a:solidFill>
+            <a:schemeClr val="accent5">
+              <a:lumMod val="50000"/>
+            </a:schemeClr>
+          </a:solidFill>
+          <a:ln>
+            <a:noFill/>
+          </a:ln>
+        </p:spPr>
+        <p:style>
+          <a:lnRef idx="2">
+            <a:schemeClr val="accent1">
+              <a:shade val="50000"/>
+            </a:schemeClr>
+          </a:lnRef>
+          <a:fillRef idx="1">
+            <a:schemeClr val="accent1"/>
+          </a:fillRef>
+          <a:effectRef idx="0">
+            <a:schemeClr val="accent1"/>
+          </a:effectRef>
+          <a:fontRef idx="minor">
+            <a:schemeClr val="lt1"/>
+          </a:fontRef>
+        </p:style>
+        <p:txBody>
+          <a:bodyPr rtlCol="0" anchor="ctr"/>
+          <a:lstStyle/>
+          <a:p>
+            <a:pPr algn="ctr"/>
+            <a:r>
+              <a:rPr lang="en-US" altLang="zh-CN" sz="2800" b="1" dirty="0">
+                <a:latin typeface="微软雅黑" panose="020B0503020204020204" pitchFamily="34" charset="-122"/>
+                <a:ea typeface="微软雅黑" panose="020B0503020204020204" pitchFamily="34" charset="-122"/>
+              </a:rPr>
+              <a:t>7</a:t>
+            </a:r>
+          </a:p>
+        </p:txBody>
+      </p:sp>
+      <p:cxnSp>
+        <p:nvCxnSpPr>
+          <p:cNvPr id="7" name="直接连接符 6">
+            <a:extLst>
+              <a:ext uri="{FF2B5EF4-FFF2-40B4-BE49-F238E27FC236}">
+                <a16:creationId xmlns:a16="http://schemas.microsoft.com/office/drawing/2014/main" id="{4346EF14-3FC8-43C0-95BA-83FCCE1F58D2}"/>
+              </a:ext>
+            </a:extLst>
+          </p:cNvPr>
+          <p:cNvCxnSpPr/>
+          <p:nvPr/>
+        </p:nvCxnSpPr>
+        <p:spPr>
+          <a:xfrm flipV="1">
+            <a:off x="-21590" y="826770"/>
+            <a:ext cx="12240000" cy="20955"/>
+          </a:xfrm>
+          <a:prstGeom prst="line">
+            <a:avLst/>
+          </a:prstGeom>
+          <a:ln w="38100">
+            <a:solidFill>
+              <a:schemeClr val="bg2">
+                <a:lumMod val="75000"/>
+              </a:schemeClr>
+            </a:solidFill>
+          </a:ln>
+        </p:spPr>
+        <p:style>
+          <a:lnRef idx="1">
+            <a:schemeClr val="accent1"/>
+          </a:lnRef>
+          <a:fillRef idx="0">
+            <a:schemeClr val="accent1"/>
+          </a:fillRef>
+          <a:effectRef idx="0">
+            <a:schemeClr val="accent1"/>
+          </a:effectRef>
+          <a:fontRef idx="minor">
+            <a:schemeClr val="tx1"/>
+          </a:fontRef>
+        </p:style>
+      </p:cxnSp>
+      <p:sp>
+        <p:nvSpPr>
+          <p:cNvPr id="8" name="文本框 7">
+            <a:extLst>
+              <a:ext uri="{FF2B5EF4-FFF2-40B4-BE49-F238E27FC236}">
+                <a16:creationId xmlns:a16="http://schemas.microsoft.com/office/drawing/2014/main" id="{3E5A1EAC-8741-4543-AC49-5B32051AA819}"/>
+              </a:ext>
+            </a:extLst>
+          </p:cNvPr>
+          <p:cNvSpPr txBox="1"/>
+          <p:nvPr/>
+        </p:nvSpPr>
+        <p:spPr>
+          <a:xfrm>
+            <a:off x="1229322" y="136873"/>
+            <a:ext cx="8486178" cy="584775"/>
+          </a:xfrm>
+          <a:prstGeom prst="rect">
+            <a:avLst/>
+          </a:prstGeom>
+          <a:noFill/>
+        </p:spPr>
+        <p:txBody>
+          <a:bodyPr wrap="square" rtlCol="0">
+            <a:spAutoFit/>
+          </a:bodyPr>
+          <a:lstStyle/>
+          <a:p>
+            <a:r>
+              <a:rPr lang="en-US" altLang="zh-CN" sz="3200" b="1" dirty="0">
+                <a:latin typeface="微软雅黑" panose="020B0503020204020204" pitchFamily="34" charset="-122"/>
+                <a:ea typeface="微软雅黑" panose="020B0503020204020204" pitchFamily="34" charset="-122"/>
+              </a:rPr>
+              <a:t>RTK——</a:t>
+            </a:r>
+            <a:r>
+              <a:rPr lang="zh-CN" altLang="en-US" sz="3200" b="1" dirty="0">
+                <a:latin typeface="微软雅黑" panose="020B0503020204020204" pitchFamily="34" charset="-122"/>
+                <a:ea typeface="微软雅黑" panose="020B0503020204020204" pitchFamily="34" charset="-122"/>
+              </a:rPr>
+              <a:t>解算整周模糊度，基于</a:t>
+            </a:r>
+            <a:r>
+              <a:rPr lang="en-US" altLang="zh-CN" sz="3200" b="1" i="0" dirty="0">
+                <a:solidFill>
+                  <a:srgbClr val="121212"/>
+                </a:solidFill>
+                <a:effectLst/>
+                <a:latin typeface="-apple-system"/>
+              </a:rPr>
+              <a:t>LAMBDA</a:t>
+            </a:r>
+            <a:r>
+              <a:rPr lang="zh-CN" altLang="en-US" sz="3200" b="1" i="0" dirty="0">
+                <a:solidFill>
+                  <a:srgbClr val="121212"/>
+                </a:solidFill>
+                <a:effectLst/>
+                <a:latin typeface="-apple-system"/>
+              </a:rPr>
+              <a:t>算法</a:t>
+            </a:r>
+            <a:endParaRPr lang="zh-CN" altLang="en-US" sz="3200" b="1" dirty="0">
+              <a:latin typeface="微软雅黑" panose="020B0503020204020204" pitchFamily="34" charset="-122"/>
+              <a:ea typeface="微软雅黑" panose="020B0503020204020204" pitchFamily="34" charset="-122"/>
+            </a:endParaRPr>
+          </a:p>
+        </p:txBody>
+      </p:sp>
+      <p:sp>
+        <p:nvSpPr>
+          <p:cNvPr id="9" name="文本框 8">
+            <a:extLst>
+              <a:ext uri="{FF2B5EF4-FFF2-40B4-BE49-F238E27FC236}">
+                <a16:creationId xmlns:a16="http://schemas.microsoft.com/office/drawing/2014/main" id="{692E6B9B-BE5C-48F5-ADB7-DDC1EEC59107}"/>
+              </a:ext>
+            </a:extLst>
+          </p:cNvPr>
+          <p:cNvSpPr txBox="1"/>
+          <p:nvPr/>
+        </p:nvSpPr>
+        <p:spPr>
+          <a:xfrm>
+            <a:off x="0" y="1138907"/>
+            <a:ext cx="11827669" cy="400110"/>
+          </a:xfrm>
+          <a:prstGeom prst="rect">
+            <a:avLst/>
+          </a:prstGeom>
+          <a:noFill/>
+        </p:spPr>
+        <p:txBody>
+          <a:bodyPr wrap="square">
+            <a:spAutoFit/>
+          </a:bodyPr>
+          <a:lstStyle/>
+          <a:p>
+            <a:r>
+              <a:rPr lang="en-US" altLang="zh-CN" sz="2000" dirty="0">
+                <a:latin typeface="微软雅黑" panose="020B0503020204020204" pitchFamily="34" charset="-122"/>
+                <a:ea typeface="微软雅黑" panose="020B0503020204020204" pitchFamily="34" charset="-122"/>
+              </a:rPr>
+              <a:t>XXXXXXXXXXXXXXXXXXXXXXXXXXXXXXXXXX</a:t>
+            </a:r>
+            <a:endParaRPr lang="zh-CN" altLang="en-US" sz="2000" dirty="0">
+              <a:latin typeface="微软雅黑" panose="020B0503020204020204" pitchFamily="34" charset="-122"/>
+              <a:ea typeface="微软雅黑" panose="020B0503020204020204" pitchFamily="34" charset="-122"/>
+            </a:endParaRPr>
+          </a:p>
+        </p:txBody>
+      </p:sp>
+      <p:sp>
+        <p:nvSpPr>
+          <p:cNvPr id="10" name="椭圆 9">
+            <a:extLst>
+              <a:ext uri="{FF2B5EF4-FFF2-40B4-BE49-F238E27FC236}">
+                <a16:creationId xmlns:a16="http://schemas.microsoft.com/office/drawing/2014/main" id="{910FE6CF-B321-4365-A167-DE6EDFDC45CB}"/>
+              </a:ext>
+            </a:extLst>
+          </p:cNvPr>
+          <p:cNvSpPr/>
+          <p:nvPr/>
+        </p:nvSpPr>
+        <p:spPr>
+          <a:xfrm>
+            <a:off x="9404350" y="51629"/>
+            <a:ext cx="2489200" cy="670019"/>
+          </a:xfrm>
+          <a:prstGeom prst="ellipse">
+            <a:avLst/>
+          </a:prstGeom>
+          <a:solidFill>
+            <a:schemeClr val="accent5">
+              <a:lumMod val="50000"/>
+            </a:schemeClr>
+          </a:solidFill>
+          <a:ln>
+            <a:noFill/>
+          </a:ln>
+        </p:spPr>
+        <p:style>
+          <a:lnRef idx="2">
+            <a:schemeClr val="accent1">
+              <a:shade val="50000"/>
+            </a:schemeClr>
+          </a:lnRef>
+          <a:fillRef idx="1">
+            <a:schemeClr val="accent1"/>
+          </a:fillRef>
+          <a:effectRef idx="0">
+            <a:schemeClr val="accent1"/>
+          </a:effectRef>
+          <a:fontRef idx="minor">
+            <a:schemeClr val="lt1"/>
+          </a:fontRef>
+        </p:style>
+        <p:txBody>
+          <a:bodyPr rtlCol="0" anchor="ctr"/>
+          <a:lstStyle/>
+          <a:p>
+            <a:pPr algn="ctr"/>
+            <a:r>
+              <a:rPr lang="zh-CN" altLang="en-US" sz="2800" b="1" dirty="0">
+                <a:latin typeface="微软雅黑" panose="020B0503020204020204" pitchFamily="34" charset="-122"/>
+                <a:ea typeface="微软雅黑" panose="020B0503020204020204" pitchFamily="34" charset="-122"/>
+              </a:rPr>
+              <a:t>杜</a:t>
+            </a:r>
+          </a:p>
+        </p:txBody>
+      </p:sp>
+    </p:spTree>
+    <p:extLst>
+      <p:ext uri="{BB962C8B-B14F-4D97-AF65-F5344CB8AC3E}">
+        <p14:creationId xmlns:p14="http://schemas.microsoft.com/office/powerpoint/2010/main" val="1604803807"/>
+      </p:ext>
+    </p:extLst>
+  </p:cSld>
+  <p:clrMapOvr>
+    <a:masterClrMapping/>
+  </p:clrMapOvr>
+</p:sld>
+</file>
+
+<file path=ppt/slides/slide11.xml><?xml version="1.0" encoding="utf-8"?>
 <p:sld xmlns:a="http://schemas.openxmlformats.org/drawingml/2006/main" xmlns:r="http://schemas.openxmlformats.org/officeDocument/2006/relationships" xmlns:p="http://schemas.openxmlformats.org/presentationml/2006/main">
   <p:cSld>
     <p:spTree>
@@ -6599,6 +6986,66 @@
           </p:sp>
         </mc:Fallback>
       </mc:AlternateContent>
+      <p:sp>
+        <p:nvSpPr>
+          <p:cNvPr id="9" name="椭圆 8">
+            <a:extLst>
+              <a:ext uri="{FF2B5EF4-FFF2-40B4-BE49-F238E27FC236}">
+                <a16:creationId xmlns:a16="http://schemas.microsoft.com/office/drawing/2014/main" id="{6D5B5A22-38FE-47DA-BEB3-AE507B301AD5}"/>
+              </a:ext>
+            </a:extLst>
+          </p:cNvPr>
+          <p:cNvSpPr/>
+          <p:nvPr/>
+        </p:nvSpPr>
+        <p:spPr>
+          <a:xfrm>
+            <a:off x="9404350" y="51629"/>
+            <a:ext cx="2489200" cy="670019"/>
+          </a:xfrm>
+          <a:prstGeom prst="ellipse">
+            <a:avLst/>
+          </a:prstGeom>
+          <a:solidFill>
+            <a:schemeClr val="accent5">
+              <a:lumMod val="50000"/>
+            </a:schemeClr>
+          </a:solidFill>
+          <a:ln>
+            <a:noFill/>
+          </a:ln>
+        </p:spPr>
+        <p:style>
+          <a:lnRef idx="2">
+            <a:schemeClr val="accent1">
+              <a:shade val="50000"/>
+            </a:schemeClr>
+          </a:lnRef>
+          <a:fillRef idx="1">
+            <a:schemeClr val="accent1"/>
+          </a:fillRef>
+          <a:effectRef idx="0">
+            <a:schemeClr val="accent1"/>
+          </a:effectRef>
+          <a:fontRef idx="minor">
+            <a:schemeClr val="lt1"/>
+          </a:fontRef>
+        </p:style>
+        <p:txBody>
+          <a:bodyPr rtlCol="0" anchor="ctr"/>
+          <a:lstStyle/>
+          <a:p>
+            <a:pPr algn="ctr"/>
+            <a:r>
+              <a:rPr lang="zh-CN" altLang="en-US" sz="2800" b="1" dirty="0">
+                <a:latin typeface="微软雅黑" panose="020B0503020204020204" pitchFamily="34" charset="-122"/>
+                <a:ea typeface="微软雅黑" panose="020B0503020204020204" pitchFamily="34" charset="-122"/>
+              </a:rPr>
+              <a:t>杜</a:t>
+            </a:r>
+          </a:p>
+        </p:txBody>
+      </p:sp>
     </p:spTree>
     <p:extLst>
       <p:ext uri="{BB962C8B-B14F-4D97-AF65-F5344CB8AC3E}">
@@ -6997,17 +7444,17 @@
                 <a:latin typeface="微软雅黑" panose="020B0503020204020204" pitchFamily="34" charset="-122"/>
                 <a:ea typeface="微软雅黑" panose="020B0503020204020204" pitchFamily="34" charset="-122"/>
               </a:rPr>
-              <a:t>项目背景研究</a:t>
+              <a:t>研究背景和意义</a:t>
             </a:r>
           </a:p>
         </p:txBody>
       </p:sp>
       <p:sp>
         <p:nvSpPr>
-          <p:cNvPr id="8" name="文本框 7">
+          <p:cNvPr id="14" name="文本框 13">
             <a:extLst>
               <a:ext uri="{FF2B5EF4-FFF2-40B4-BE49-F238E27FC236}">
-                <a16:creationId xmlns:a16="http://schemas.microsoft.com/office/drawing/2014/main" id="{AD741024-043C-414C-82E2-7C80E4B235C1}"/>
+                <a16:creationId xmlns:a16="http://schemas.microsoft.com/office/drawing/2014/main" id="{A99C6EC6-5991-4892-8717-83FC160E04B2}"/>
               </a:ext>
             </a:extLst>
           </p:cNvPr>
@@ -7016,8 +7463,8 @@
         </p:nvSpPr>
         <p:spPr>
           <a:xfrm>
-            <a:off x="0" y="1046397"/>
-            <a:ext cx="6138862" cy="355482"/>
+            <a:off x="-42862" y="1005934"/>
+            <a:ext cx="6138862" cy="443198"/>
           </a:xfrm>
           <a:prstGeom prst="rect">
             <a:avLst/>
@@ -7044,13 +7491,13 @@
               </a:tabLst>
             </a:pPr>
             <a:r>
-              <a:rPr lang="zh-CN" altLang="en-US" sz="1800" b="1" spc="-5" dirty="0">
+              <a:rPr lang="zh-CN" altLang="en-US" sz="2400" b="1" spc="-5" dirty="0">
                 <a:latin typeface="微软雅黑" panose="020B0503020204020204" pitchFamily="34" charset="-122"/>
                 <a:ea typeface="微软雅黑" panose="020B0503020204020204" pitchFamily="34" charset="-122"/>
               </a:rPr>
               <a:t>背景</a:t>
             </a:r>
-            <a:endParaRPr lang="en-US" altLang="zh-CN" sz="1800" b="1" spc="-5" dirty="0">
+            <a:endParaRPr lang="en-US" altLang="zh-CN" sz="2400" b="1" spc="-5" dirty="0">
               <a:latin typeface="微软雅黑" panose="020B0503020204020204" pitchFamily="34" charset="-122"/>
               <a:ea typeface="微软雅黑" panose="020B0503020204020204" pitchFamily="34" charset="-122"/>
             </a:endParaRPr>
@@ -7059,10 +7506,70 @@
       </p:sp>
       <p:sp>
         <p:nvSpPr>
-          <p:cNvPr id="10" name="文本框 9">
+          <p:cNvPr id="16" name="椭圆 15">
             <a:extLst>
               <a:ext uri="{FF2B5EF4-FFF2-40B4-BE49-F238E27FC236}">
-                <a16:creationId xmlns:a16="http://schemas.microsoft.com/office/drawing/2014/main" id="{D96FB07F-F362-42D3-B76B-07F7BAAC423E}"/>
+                <a16:creationId xmlns:a16="http://schemas.microsoft.com/office/drawing/2014/main" id="{03E861F4-3BA1-4858-ADC4-26661F0E05B7}"/>
+              </a:ext>
+            </a:extLst>
+          </p:cNvPr>
+          <p:cNvSpPr/>
+          <p:nvPr/>
+        </p:nvSpPr>
+        <p:spPr>
+          <a:xfrm>
+            <a:off x="9404350" y="51629"/>
+            <a:ext cx="2489200" cy="670019"/>
+          </a:xfrm>
+          <a:prstGeom prst="ellipse">
+            <a:avLst/>
+          </a:prstGeom>
+          <a:solidFill>
+            <a:schemeClr val="accent5">
+              <a:lumMod val="50000"/>
+            </a:schemeClr>
+          </a:solidFill>
+          <a:ln>
+            <a:noFill/>
+          </a:ln>
+        </p:spPr>
+        <p:style>
+          <a:lnRef idx="2">
+            <a:schemeClr val="accent1">
+              <a:shade val="50000"/>
+            </a:schemeClr>
+          </a:lnRef>
+          <a:fillRef idx="1">
+            <a:schemeClr val="accent1"/>
+          </a:fillRef>
+          <a:effectRef idx="0">
+            <a:schemeClr val="accent1"/>
+          </a:effectRef>
+          <a:fontRef idx="minor">
+            <a:schemeClr val="lt1"/>
+          </a:fontRef>
+        </p:style>
+        <p:txBody>
+          <a:bodyPr rtlCol="0" anchor="ctr"/>
+          <a:lstStyle/>
+          <a:p>
+            <a:pPr algn="ctr"/>
+            <a:r>
+              <a:rPr lang="zh-CN" altLang="en-US" sz="2800" b="1" dirty="0">
+                <a:latin typeface="微软雅黑" panose="020B0503020204020204" pitchFamily="34" charset="-122"/>
+                <a:ea typeface="微软雅黑" panose="020B0503020204020204" pitchFamily="34" charset="-122"/>
+              </a:rPr>
+              <a:t>杜</a:t>
+            </a:r>
+          </a:p>
+        </p:txBody>
+      </p:sp>
+      <p:sp>
+        <p:nvSpPr>
+          <p:cNvPr id="18" name="文本框 17">
+            <a:extLst>
+              <a:ext uri="{FF2B5EF4-FFF2-40B4-BE49-F238E27FC236}">
+                <a16:creationId xmlns:a16="http://schemas.microsoft.com/office/drawing/2014/main" id="{03CCE676-F43D-4FD4-A794-FCA9F7812344}"/>
               </a:ext>
             </a:extLst>
           </p:cNvPr>
@@ -7071,8 +7578,8 @@
         </p:nvSpPr>
         <p:spPr>
           <a:xfrm>
-            <a:off x="123824" y="1491671"/>
-            <a:ext cx="11877675" cy="1015663"/>
+            <a:off x="-67833" y="1584313"/>
+            <a:ext cx="11753245" cy="1200329"/>
           </a:xfrm>
           <a:prstGeom prst="rect">
             <a:avLst/>
@@ -7086,36 +7593,14 @@
           <a:lstStyle/>
           <a:p>
             <a:r>
-              <a:rPr lang="zh-CN" altLang="en-US" sz="2000" dirty="0">
-                <a:solidFill>
-                  <a:srgbClr val="374151"/>
-                </a:solidFill>
+              <a:rPr lang="zh-CN" altLang="en-US" sz="2400" b="0" i="0" dirty="0">
+                <a:effectLst/>
                 <a:latin typeface="微软雅黑" panose="020B0503020204020204" pitchFamily="34" charset="-122"/>
                 <a:ea typeface="微软雅黑" panose="020B0503020204020204" pitchFamily="34" charset="-122"/>
               </a:rPr>
-              <a:t>智能驾驶是未来交通领域的关键趋势之一，其核心要求之一是实时、高精度的车辆定位。这种高精度的车辆定位对于自主导航、车辆间通信、自动驾驶决策以及道路安全至关重要。而实时运动定位（</a:t>
-            </a:r>
-            <a:r>
-              <a:rPr lang="en-US" altLang="zh-CN" sz="2000" dirty="0">
-                <a:solidFill>
-                  <a:srgbClr val="374151"/>
-                </a:solidFill>
-                <a:latin typeface="微软雅黑" panose="020B0503020204020204" pitchFamily="34" charset="-122"/>
-                <a:ea typeface="微软雅黑" panose="020B0503020204020204" pitchFamily="34" charset="-122"/>
-              </a:rPr>
-              <a:t>RTK</a:t>
-            </a:r>
-            <a:r>
-              <a:rPr lang="zh-CN" altLang="en-US" sz="2000" dirty="0">
-                <a:solidFill>
-                  <a:srgbClr val="374151"/>
-                </a:solidFill>
-                <a:latin typeface="微软雅黑" panose="020B0503020204020204" pitchFamily="34" charset="-122"/>
-                <a:ea typeface="微软雅黑" panose="020B0503020204020204" pitchFamily="34" charset="-122"/>
-              </a:rPr>
-              <a:t>）技术在这一领域中具有革命性的潜力。</a:t>
-            </a:r>
-            <a:endParaRPr lang="zh-CN" altLang="en-US" sz="2000" dirty="0">
+              <a:t>随着社会经济的发展和技术的进步，车辆已经成为生产生活的必备工具。对于有高精度定位需求的特种车辆，比如需要使用武装进行押运的运钞车而言，车辆的位置信息也成为车辆监控管理中的必要信息。</a:t>
+            </a:r>
+            <a:endParaRPr lang="en-US" altLang="zh-CN" sz="2400" dirty="0">
               <a:latin typeface="微软雅黑" panose="020B0503020204020204" pitchFamily="34" charset="-122"/>
               <a:ea typeface="微软雅黑" panose="020B0503020204020204" pitchFamily="34" charset="-122"/>
             </a:endParaRPr>
@@ -7124,10 +7609,10 @@
       </p:sp>
       <p:sp>
         <p:nvSpPr>
-          <p:cNvPr id="11" name="文本框 10">
+          <p:cNvPr id="19" name="文本框 18">
             <a:extLst>
               <a:ext uri="{FF2B5EF4-FFF2-40B4-BE49-F238E27FC236}">
-                <a16:creationId xmlns:a16="http://schemas.microsoft.com/office/drawing/2014/main" id="{BE6232F1-C08F-436E-A0BA-ECA406D9B76C}"/>
+                <a16:creationId xmlns:a16="http://schemas.microsoft.com/office/drawing/2014/main" id="{2D1EB0DC-6BB6-4AB7-AD07-1CB2A44AEE19}"/>
               </a:ext>
             </a:extLst>
           </p:cNvPr>
@@ -7136,134 +7621,8 @@
         </p:nvSpPr>
         <p:spPr>
           <a:xfrm>
-            <a:off x="-21590" y="5540940"/>
-            <a:ext cx="10813415" cy="400110"/>
-          </a:xfrm>
-          <a:prstGeom prst="rect">
-            <a:avLst/>
-          </a:prstGeom>
-          <a:noFill/>
-        </p:spPr>
-        <p:txBody>
-          <a:bodyPr wrap="square" rtlCol="0">
-            <a:spAutoFit/>
-          </a:bodyPr>
-          <a:lstStyle/>
-          <a:p>
-            <a:pPr marL="285750" indent="-285750">
-              <a:buFont typeface="Wingdings" panose="05000000000000000000" pitchFamily="2" charset="2"/>
-              <a:buChar char="Ø"/>
-            </a:pPr>
-            <a:r>
-              <a:rPr lang="zh-CN" altLang="en-US" sz="2000" dirty="0">
-                <a:solidFill>
-                  <a:srgbClr val="374151"/>
-                </a:solidFill>
-                <a:latin typeface="微软雅黑" panose="020B0503020204020204" pitchFamily="34" charset="-122"/>
-                <a:ea typeface="微软雅黑" panose="020B0503020204020204" pitchFamily="34" charset="-122"/>
-              </a:rPr>
-              <a:t>将</a:t>
-            </a:r>
-            <a:r>
-              <a:rPr lang="en-US" altLang="zh-CN" sz="2000" dirty="0">
-                <a:solidFill>
-                  <a:srgbClr val="374151"/>
-                </a:solidFill>
-                <a:latin typeface="微软雅黑" panose="020B0503020204020204" pitchFamily="34" charset="-122"/>
-                <a:ea typeface="微软雅黑" panose="020B0503020204020204" pitchFamily="34" charset="-122"/>
-              </a:rPr>
-              <a:t>RTK</a:t>
-            </a:r>
-            <a:r>
-              <a:rPr lang="zh-CN" altLang="en-US" sz="2000" dirty="0">
-                <a:solidFill>
-                  <a:srgbClr val="374151"/>
-                </a:solidFill>
-                <a:latin typeface="微软雅黑" panose="020B0503020204020204" pitchFamily="34" charset="-122"/>
-                <a:ea typeface="微软雅黑" panose="020B0503020204020204" pitchFamily="34" charset="-122"/>
-              </a:rPr>
-              <a:t>算法应用到</a:t>
-            </a:r>
-            <a:r>
-              <a:rPr lang="en-US" altLang="zh-CN" sz="2000" dirty="0" err="1">
-                <a:solidFill>
-                  <a:srgbClr val="374151"/>
-                </a:solidFill>
-                <a:latin typeface="微软雅黑" panose="020B0503020204020204" pitchFamily="34" charset="-122"/>
-                <a:ea typeface="微软雅黑" panose="020B0503020204020204" pitchFamily="34" charset="-122"/>
-              </a:rPr>
-              <a:t>openharmony</a:t>
-            </a:r>
-            <a:r>
-              <a:rPr lang="zh-CN" altLang="en-US" sz="2000" dirty="0">
-                <a:solidFill>
-                  <a:srgbClr val="374151"/>
-                </a:solidFill>
-                <a:latin typeface="微软雅黑" panose="020B0503020204020204" pitchFamily="34" charset="-122"/>
-                <a:ea typeface="微软雅黑" panose="020B0503020204020204" pitchFamily="34" charset="-122"/>
-              </a:rPr>
-              <a:t>系统，实现实时定位和精确定位</a:t>
-            </a:r>
-            <a:r>
-              <a:rPr lang="en-US" altLang="zh-CN" sz="2000" dirty="0">
-                <a:solidFill>
-                  <a:srgbClr val="374151"/>
-                </a:solidFill>
-                <a:latin typeface="微软雅黑" panose="020B0503020204020204" pitchFamily="34" charset="-122"/>
-                <a:ea typeface="微软雅黑" panose="020B0503020204020204" pitchFamily="34" charset="-122"/>
-              </a:rPr>
-              <a:t>(</a:t>
-            </a:r>
-            <a:r>
-              <a:rPr lang="zh-CN" altLang="en-US" sz="2000" dirty="0">
-                <a:solidFill>
-                  <a:srgbClr val="374151"/>
-                </a:solidFill>
-                <a:latin typeface="微软雅黑" panose="020B0503020204020204" pitchFamily="34" charset="-122"/>
-                <a:ea typeface="微软雅黑" panose="020B0503020204020204" pitchFamily="34" charset="-122"/>
-              </a:rPr>
-              <a:t>从</a:t>
-            </a:r>
-            <a:r>
-              <a:rPr lang="en-US" altLang="zh-CN" sz="2000" dirty="0">
-                <a:solidFill>
-                  <a:srgbClr val="374151"/>
-                </a:solidFill>
-                <a:latin typeface="微软雅黑" panose="020B0503020204020204" pitchFamily="34" charset="-122"/>
-                <a:ea typeface="微软雅黑" panose="020B0503020204020204" pitchFamily="34" charset="-122"/>
-              </a:rPr>
-              <a:t>m-&gt;cm)</a:t>
-            </a:r>
-            <a:r>
-              <a:rPr lang="zh-CN" altLang="en-US" sz="2000" dirty="0">
-                <a:latin typeface="微软雅黑" panose="020B0503020204020204" pitchFamily="34" charset="-122"/>
-                <a:ea typeface="微软雅黑" panose="020B0503020204020204" pitchFamily="34" charset="-122"/>
-              </a:rPr>
-              <a:t>。</a:t>
-            </a:r>
-            <a:endParaRPr lang="en-US" altLang="zh-CN" sz="2000" dirty="0">
-              <a:latin typeface="微软雅黑" panose="020B0503020204020204" pitchFamily="34" charset="-122"/>
-              <a:ea typeface="微软雅黑" panose="020B0503020204020204" pitchFamily="34" charset="-122"/>
-            </a:endParaRPr>
-          </a:p>
-        </p:txBody>
-      </p:sp>
-      <p:sp>
-        <p:nvSpPr>
-          <p:cNvPr id="13" name="文本框 12">
-            <a:extLst>
-              <a:ext uri="{FF2B5EF4-FFF2-40B4-BE49-F238E27FC236}">
-                <a16:creationId xmlns:a16="http://schemas.microsoft.com/office/drawing/2014/main" id="{98CDD665-6BFA-45AB-BF70-6C17E8506B84}"/>
-              </a:ext>
-            </a:extLst>
-          </p:cNvPr>
-          <p:cNvSpPr txBox="1"/>
-          <p:nvPr/>
-        </p:nvSpPr>
-        <p:spPr>
-          <a:xfrm>
-            <a:off x="-21590" y="4986786"/>
-            <a:ext cx="6143624" cy="355482"/>
+            <a:off x="-67833" y="3627932"/>
+            <a:ext cx="6138862" cy="443198"/>
           </a:xfrm>
           <a:prstGeom prst="rect">
             <a:avLst/>
@@ -7290,13 +7649,13 @@
               </a:tabLst>
             </a:pPr>
             <a:r>
-              <a:rPr lang="zh-CN" altLang="en-US" sz="1800" b="1" spc="-5" dirty="0">
+              <a:rPr lang="zh-CN" altLang="en-US" sz="2400" b="1" spc="-5" dirty="0">
                 <a:latin typeface="微软雅黑" panose="020B0503020204020204" pitchFamily="34" charset="-122"/>
                 <a:ea typeface="微软雅黑" panose="020B0503020204020204" pitchFamily="34" charset="-122"/>
               </a:rPr>
-              <a:t>目标</a:t>
-            </a:r>
-            <a:endParaRPr lang="en-US" altLang="zh-CN" sz="1800" b="1" spc="-5" dirty="0">
+              <a:t>传统定位手段存在的问题</a:t>
+            </a:r>
+            <a:endParaRPr lang="en-US" altLang="zh-CN" sz="2400" b="1" spc="-5" dirty="0">
               <a:latin typeface="微软雅黑" panose="020B0503020204020204" pitchFamily="34" charset="-122"/>
               <a:ea typeface="微软雅黑" panose="020B0503020204020204" pitchFamily="34" charset="-122"/>
             </a:endParaRPr>
@@ -7305,10 +7664,10 @@
       </p:sp>
       <p:sp>
         <p:nvSpPr>
-          <p:cNvPr id="12" name="文本框 11">
+          <p:cNvPr id="21" name="文本框 20">
             <a:extLst>
               <a:ext uri="{FF2B5EF4-FFF2-40B4-BE49-F238E27FC236}">
-                <a16:creationId xmlns:a16="http://schemas.microsoft.com/office/drawing/2014/main" id="{B1103778-E7F8-40A5-8ABB-7F0E96B0D757}"/>
+                <a16:creationId xmlns:a16="http://schemas.microsoft.com/office/drawing/2014/main" id="{7DEE3372-67EF-4803-AD3E-9567D2363B0D}"/>
               </a:ext>
             </a:extLst>
           </p:cNvPr>
@@ -7317,8 +7676,8 @@
         </p:nvSpPr>
         <p:spPr>
           <a:xfrm>
-            <a:off x="-66674" y="2826568"/>
-            <a:ext cx="6162674" cy="355482"/>
+            <a:off x="-21590" y="4173241"/>
+            <a:ext cx="12021836" cy="1569660"/>
           </a:xfrm>
           <a:prstGeom prst="rect">
             <a:avLst/>
@@ -7331,115 +7690,79 @@
           </a:bodyPr>
           <a:lstStyle/>
           <a:p>
-            <a:pPr marL="285750" indent="-285750" algn="just">
-              <a:lnSpc>
-                <a:spcPct val="95000"/>
-              </a:lnSpc>
-              <a:spcAft>
-                <a:spcPts val="600"/>
-              </a:spcAft>
-              <a:buFont typeface="Wingdings" panose="05000000000000000000" pitchFamily="2" charset="2"/>
-              <a:buChar char="n"/>
-              <a:tabLst>
-                <a:tab pos="182880" algn="l"/>
-              </a:tabLst>
-            </a:pPr>
-            <a:r>
-              <a:rPr lang="zh-CN" altLang="en-US" sz="1800" b="1" spc="-5" dirty="0">
+            <a:r>
+              <a:rPr lang="zh-CN" altLang="en-US" sz="2400" dirty="0">
                 <a:latin typeface="微软雅黑" panose="020B0503020204020204" pitchFamily="34" charset="-122"/>
                 <a:ea typeface="微软雅黑" panose="020B0503020204020204" pitchFamily="34" charset="-122"/>
               </a:rPr>
-              <a:t>意义</a:t>
-            </a:r>
-            <a:endParaRPr lang="en-US" altLang="zh-CN" sz="1800" b="1" spc="-5" dirty="0">
-              <a:latin typeface="微软雅黑" panose="020B0503020204020204" pitchFamily="34" charset="-122"/>
-              <a:ea typeface="微软雅黑" panose="020B0503020204020204" pitchFamily="34" charset="-122"/>
-            </a:endParaRPr>
-          </a:p>
-        </p:txBody>
-      </p:sp>
-      <p:sp>
-        <p:nvSpPr>
-          <p:cNvPr id="15" name="文本框 14">
-            <a:extLst>
-              <a:ext uri="{FF2B5EF4-FFF2-40B4-BE49-F238E27FC236}">
-                <a16:creationId xmlns:a16="http://schemas.microsoft.com/office/drawing/2014/main" id="{0553DBCF-9D1D-43BC-8EF6-03562AFB129A}"/>
-              </a:ext>
-            </a:extLst>
-          </p:cNvPr>
-          <p:cNvSpPr txBox="1"/>
-          <p:nvPr/>
-        </p:nvSpPr>
-        <p:spPr>
-          <a:xfrm>
-            <a:off x="15874" y="3219611"/>
-            <a:ext cx="9965691" cy="1323439"/>
-          </a:xfrm>
-          <a:prstGeom prst="rect">
-            <a:avLst/>
-          </a:prstGeom>
-          <a:noFill/>
-        </p:spPr>
-        <p:txBody>
-          <a:bodyPr wrap="square" rtlCol="0">
-            <a:spAutoFit/>
-          </a:bodyPr>
-          <a:lstStyle/>
-          <a:p>
-            <a:r>
-              <a:rPr lang="zh-CN" altLang="en-US" sz="2000" dirty="0">
-                <a:solidFill>
-                  <a:srgbClr val="374151"/>
-                </a:solidFill>
+              <a:t>在信号良好、无遮挡的空旷环境下，仅依赖</a:t>
+            </a:r>
+            <a:r>
+              <a:rPr lang="en-US" altLang="zh-CN" sz="2400" dirty="0">
                 <a:latin typeface="微软雅黑" panose="020B0503020204020204" pitchFamily="34" charset="-122"/>
                 <a:ea typeface="微软雅黑" panose="020B0503020204020204" pitchFamily="34" charset="-122"/>
               </a:rPr>
-              <a:t>对于车辆的智能驾驶而已，最重要的不是车辆的速度与炫酷，而是安全性与可靠性，这两个重要的性质，必须建立在系统能够随时随地监控车辆的运行状态之上，</a:t>
-            </a:r>
-            <a:r>
-              <a:rPr lang="en-US" altLang="zh-CN" sz="2000" dirty="0">
-                <a:solidFill>
-                  <a:srgbClr val="374151"/>
-                </a:solidFill>
+              <a:t>GNSS</a:t>
+            </a:r>
+            <a:r>
+              <a:rPr lang="zh-CN" altLang="en-US" sz="2400" dirty="0">
                 <a:latin typeface="微软雅黑" panose="020B0503020204020204" pitchFamily="34" charset="-122"/>
                 <a:ea typeface="微软雅黑" panose="020B0503020204020204" pitchFamily="34" charset="-122"/>
               </a:rPr>
-              <a:t>RTK</a:t>
-            </a:r>
-            <a:r>
-              <a:rPr lang="zh-CN" altLang="en-US" sz="2000" dirty="0">
-                <a:solidFill>
-                  <a:srgbClr val="374151"/>
+              <a:t>的伪距定位技术即可获得</a:t>
+            </a:r>
+            <a:r>
+              <a:rPr lang="en-US" altLang="zh-CN" sz="2400" dirty="0">
+                <a:solidFill>
+                  <a:srgbClr val="FF0000"/>
                 </a:solidFill>
                 <a:latin typeface="微软雅黑" panose="020B0503020204020204" pitchFamily="34" charset="-122"/>
                 <a:ea typeface="微软雅黑" panose="020B0503020204020204" pitchFamily="34" charset="-122"/>
               </a:rPr>
-              <a:t>算法能够使系统更好地掌握车辆的实时位置，提高车辆的定位精度，同时在学习</a:t>
-            </a:r>
-            <a:r>
-              <a:rPr lang="en-US" altLang="zh-CN" sz="2000" dirty="0">
-                <a:solidFill>
-                  <a:srgbClr val="374151"/>
-                </a:solidFill>
+              <a:t>10m</a:t>
+            </a:r>
+            <a:r>
+              <a:rPr lang="zh-CN" altLang="en-US" sz="2400" dirty="0">
                 <a:latin typeface="微软雅黑" panose="020B0503020204020204" pitchFamily="34" charset="-122"/>
                 <a:ea typeface="微软雅黑" panose="020B0503020204020204" pitchFamily="34" charset="-122"/>
               </a:rPr>
-              <a:t>RTK</a:t>
-            </a:r>
-            <a:r>
-              <a:rPr lang="zh-CN" altLang="en-US" sz="2000" dirty="0">
-                <a:solidFill>
-                  <a:srgbClr val="374151"/>
+              <a:t>左右的定位精度，但是其在复杂环境下如城市建筑、道路树荫等情况下的精度和可靠性都无法得到保障，因此需要一种更加精准、可靠的定位系统来满足有着</a:t>
+            </a:r>
+            <a:r>
+              <a:rPr lang="zh-CN" altLang="en-US" sz="2400" dirty="0">
+                <a:solidFill>
+                  <a:srgbClr val="FF0000"/>
                 </a:solidFill>
                 <a:latin typeface="微软雅黑" panose="020B0503020204020204" pitchFamily="34" charset="-122"/>
                 <a:ea typeface="微软雅黑" panose="020B0503020204020204" pitchFamily="34" charset="-122"/>
               </a:rPr>
-              <a:t>的过程中，自己的科研思维能力也能够提升。</a:t>
-            </a:r>
-            <a:endParaRPr lang="en-US" altLang="zh-CN" sz="2000" dirty="0">
-              <a:solidFill>
-                <a:srgbClr val="374151"/>
-              </a:solidFill>
+              <a:t>高精度</a:t>
+            </a:r>
+            <a:r>
+              <a:rPr lang="zh-CN" altLang="en-US" sz="2400" dirty="0">
+                <a:latin typeface="微软雅黑" panose="020B0503020204020204" pitchFamily="34" charset="-122"/>
+                <a:ea typeface="微软雅黑" panose="020B0503020204020204" pitchFamily="34" charset="-122"/>
+              </a:rPr>
+              <a:t>，</a:t>
+            </a:r>
+            <a:r>
+              <a:rPr lang="zh-CN" altLang="en-US" sz="2400" dirty="0">
+                <a:solidFill>
+                  <a:srgbClr val="FF0000"/>
+                </a:solidFill>
+                <a:latin typeface="微软雅黑" panose="020B0503020204020204" pitchFamily="34" charset="-122"/>
+                <a:ea typeface="微软雅黑" panose="020B0503020204020204" pitchFamily="34" charset="-122"/>
+              </a:rPr>
+              <a:t>高实时性</a:t>
+            </a:r>
+            <a:r>
+              <a:rPr lang="zh-CN" altLang="en-US" sz="2400" dirty="0">
+                <a:latin typeface="微软雅黑" panose="020B0503020204020204" pitchFamily="34" charset="-122"/>
+                <a:ea typeface="微软雅黑" panose="020B0503020204020204" pitchFamily="34" charset="-122"/>
+              </a:rPr>
+              <a:t>定位要求的武装押运。</a:t>
+            </a:r>
+            <a:endParaRPr lang="en-US" altLang="zh-CN" sz="2400" dirty="0">
               <a:latin typeface="微软雅黑" panose="020B0503020204020204" pitchFamily="34" charset="-122"/>
               <a:ea typeface="微软雅黑" panose="020B0503020204020204" pitchFamily="34" charset="-122"/>
             </a:endParaRPr>
@@ -7558,7 +7881,7 @@
                 <a:latin typeface="微软雅黑" panose="020B0503020204020204" pitchFamily="34" charset="-122"/>
                 <a:ea typeface="微软雅黑" panose="020B0503020204020204" pitchFamily="34" charset="-122"/>
               </a:rPr>
-              <a:t>1</a:t>
+              <a:t>0</a:t>
             </a:r>
           </a:p>
         </p:txBody>
@@ -7826,6 +8149,1071 @@
         <p:spPr>
           <a:xfrm>
             <a:off x="1229322" y="136873"/>
+            <a:ext cx="3095028" cy="584775"/>
+          </a:xfrm>
+          <a:prstGeom prst="rect">
+            <a:avLst/>
+          </a:prstGeom>
+          <a:noFill/>
+        </p:spPr>
+        <p:txBody>
+          <a:bodyPr wrap="square" rtlCol="0">
+            <a:spAutoFit/>
+          </a:bodyPr>
+          <a:lstStyle/>
+          <a:p>
+            <a:r>
+              <a:rPr lang="zh-CN" altLang="en-US" sz="3200" b="1" dirty="0">
+                <a:latin typeface="微软雅黑" panose="020B0503020204020204" pitchFamily="34" charset="-122"/>
+                <a:ea typeface="微软雅黑" panose="020B0503020204020204" pitchFamily="34" charset="-122"/>
+              </a:rPr>
+              <a:t>研究方法与目标</a:t>
+            </a:r>
+          </a:p>
+        </p:txBody>
+      </p:sp>
+      <p:sp>
+        <p:nvSpPr>
+          <p:cNvPr id="16" name="椭圆 15">
+            <a:extLst>
+              <a:ext uri="{FF2B5EF4-FFF2-40B4-BE49-F238E27FC236}">
+                <a16:creationId xmlns:a16="http://schemas.microsoft.com/office/drawing/2014/main" id="{03E861F4-3BA1-4858-ADC4-26661F0E05B7}"/>
+              </a:ext>
+            </a:extLst>
+          </p:cNvPr>
+          <p:cNvSpPr/>
+          <p:nvPr/>
+        </p:nvSpPr>
+        <p:spPr>
+          <a:xfrm>
+            <a:off x="9404350" y="51629"/>
+            <a:ext cx="2489200" cy="670019"/>
+          </a:xfrm>
+          <a:prstGeom prst="ellipse">
+            <a:avLst/>
+          </a:prstGeom>
+          <a:solidFill>
+            <a:schemeClr val="accent5">
+              <a:lumMod val="50000"/>
+            </a:schemeClr>
+          </a:solidFill>
+          <a:ln>
+            <a:noFill/>
+          </a:ln>
+        </p:spPr>
+        <p:style>
+          <a:lnRef idx="2">
+            <a:schemeClr val="accent1">
+              <a:shade val="50000"/>
+            </a:schemeClr>
+          </a:lnRef>
+          <a:fillRef idx="1">
+            <a:schemeClr val="accent1"/>
+          </a:fillRef>
+          <a:effectRef idx="0">
+            <a:schemeClr val="accent1"/>
+          </a:effectRef>
+          <a:fontRef idx="minor">
+            <a:schemeClr val="lt1"/>
+          </a:fontRef>
+        </p:style>
+        <p:txBody>
+          <a:bodyPr rtlCol="0" anchor="ctr"/>
+          <a:lstStyle/>
+          <a:p>
+            <a:pPr algn="ctr"/>
+            <a:r>
+              <a:rPr lang="zh-CN" altLang="en-US" sz="2800" b="1" dirty="0">
+                <a:latin typeface="微软雅黑" panose="020B0503020204020204" pitchFamily="34" charset="-122"/>
+                <a:ea typeface="微软雅黑" panose="020B0503020204020204" pitchFamily="34" charset="-122"/>
+              </a:rPr>
+              <a:t>杜</a:t>
+            </a:r>
+          </a:p>
+        </p:txBody>
+      </p:sp>
+      <p:sp>
+        <p:nvSpPr>
+          <p:cNvPr id="22" name="文本框 21">
+            <a:extLst>
+              <a:ext uri="{FF2B5EF4-FFF2-40B4-BE49-F238E27FC236}">
+                <a16:creationId xmlns:a16="http://schemas.microsoft.com/office/drawing/2014/main" id="{7E0D3A31-4E04-4B6E-9D99-E15E6ED28C71}"/>
+              </a:ext>
+            </a:extLst>
+          </p:cNvPr>
+          <p:cNvSpPr txBox="1"/>
+          <p:nvPr/>
+        </p:nvSpPr>
+        <p:spPr>
+          <a:xfrm>
+            <a:off x="0" y="896457"/>
+            <a:ext cx="6138862" cy="443198"/>
+          </a:xfrm>
+          <a:prstGeom prst="rect">
+            <a:avLst/>
+          </a:prstGeom>
+          <a:noFill/>
+        </p:spPr>
+        <p:txBody>
+          <a:bodyPr wrap="square">
+            <a:spAutoFit/>
+          </a:bodyPr>
+          <a:lstStyle/>
+          <a:p>
+            <a:pPr marL="285750" indent="-285750" algn="just">
+              <a:lnSpc>
+                <a:spcPct val="95000"/>
+              </a:lnSpc>
+              <a:spcAft>
+                <a:spcPts val="600"/>
+              </a:spcAft>
+              <a:buFont typeface="Wingdings" panose="05000000000000000000" pitchFamily="2" charset="2"/>
+              <a:buChar char="n"/>
+              <a:tabLst>
+                <a:tab pos="182880" algn="l"/>
+              </a:tabLst>
+            </a:pPr>
+            <a:r>
+              <a:rPr lang="zh-CN" altLang="en-US" sz="2400" b="1" spc="-5" dirty="0">
+                <a:latin typeface="微软雅黑" panose="020B0503020204020204" pitchFamily="34" charset="-122"/>
+                <a:ea typeface="微软雅黑" panose="020B0503020204020204" pitchFamily="34" charset="-122"/>
+              </a:rPr>
+              <a:t>方法与思路</a:t>
+            </a:r>
+            <a:endParaRPr lang="en-US" altLang="zh-CN" sz="2400" b="1" spc="-5" dirty="0">
+              <a:latin typeface="微软雅黑" panose="020B0503020204020204" pitchFamily="34" charset="-122"/>
+              <a:ea typeface="微软雅黑" panose="020B0503020204020204" pitchFamily="34" charset="-122"/>
+            </a:endParaRPr>
+          </a:p>
+        </p:txBody>
+      </p:sp>
+      <p:sp>
+        <p:nvSpPr>
+          <p:cNvPr id="24" name="文本框 23">
+            <a:extLst>
+              <a:ext uri="{FF2B5EF4-FFF2-40B4-BE49-F238E27FC236}">
+                <a16:creationId xmlns:a16="http://schemas.microsoft.com/office/drawing/2014/main" id="{308898DC-C4D8-48AA-A003-FE111FBB79EA}"/>
+              </a:ext>
+            </a:extLst>
+          </p:cNvPr>
+          <p:cNvSpPr txBox="1"/>
+          <p:nvPr/>
+        </p:nvSpPr>
+        <p:spPr>
+          <a:xfrm>
+            <a:off x="-21590" y="1339655"/>
+            <a:ext cx="11753245" cy="1938992"/>
+          </a:xfrm>
+          <a:prstGeom prst="rect">
+            <a:avLst/>
+          </a:prstGeom>
+          <a:noFill/>
+        </p:spPr>
+        <p:txBody>
+          <a:bodyPr wrap="square">
+            <a:spAutoFit/>
+          </a:bodyPr>
+          <a:lstStyle/>
+          <a:p>
+            <a:r>
+              <a:rPr lang="zh-CN" altLang="en-US" sz="2400" dirty="0">
+                <a:latin typeface="微软雅黑" panose="020B0503020204020204" pitchFamily="34" charset="-122"/>
+                <a:ea typeface="微软雅黑" panose="020B0503020204020204" pitchFamily="34" charset="-122"/>
+              </a:rPr>
+              <a:t>为了解决传统定位系统在复杂环境下的定位缺陷，利用双模定位系统</a:t>
+            </a:r>
+            <a:r>
+              <a:rPr lang="en-US" altLang="zh-CN" sz="2400" dirty="0">
+                <a:latin typeface="微软雅黑" panose="020B0503020204020204" pitchFamily="34" charset="-122"/>
+                <a:ea typeface="微软雅黑" panose="020B0503020204020204" pitchFamily="34" charset="-122"/>
+              </a:rPr>
+              <a:t>+RTK</a:t>
+            </a:r>
+            <a:r>
+              <a:rPr lang="zh-CN" altLang="en-US" sz="2400" dirty="0">
+                <a:latin typeface="微软雅黑" panose="020B0503020204020204" pitchFamily="34" charset="-122"/>
+                <a:ea typeface="微软雅黑" panose="020B0503020204020204" pitchFamily="34" charset="-122"/>
+              </a:rPr>
+              <a:t>算法能够在复杂环境下，仍然提供准确且可靠的位置信息。如</a:t>
+            </a:r>
+            <a:r>
+              <a:rPr lang="en-US" altLang="zh-CN" sz="2400" dirty="0">
+                <a:latin typeface="微软雅黑" panose="020B0503020204020204" pitchFamily="34" charset="-122"/>
+                <a:ea typeface="微软雅黑" panose="020B0503020204020204" pitchFamily="34" charset="-122"/>
+              </a:rPr>
+              <a:t>GNSS+RTK</a:t>
+            </a:r>
+            <a:r>
+              <a:rPr lang="zh-CN" altLang="en-US" sz="2400" dirty="0">
+                <a:latin typeface="微软雅黑" panose="020B0503020204020204" pitchFamily="34" charset="-122"/>
+                <a:ea typeface="微软雅黑" panose="020B0503020204020204" pitchFamily="34" charset="-122"/>
+              </a:rPr>
+              <a:t>定位模式能够在开阔且无遮挡的情况下提供</a:t>
+            </a:r>
+            <a:r>
+              <a:rPr lang="zh-CN" altLang="en-US" sz="2400" dirty="0">
+                <a:solidFill>
+                  <a:srgbClr val="FF0000"/>
+                </a:solidFill>
+                <a:latin typeface="微软雅黑" panose="020B0503020204020204" pitchFamily="34" charset="-122"/>
+                <a:ea typeface="微软雅黑" panose="020B0503020204020204" pitchFamily="34" charset="-122"/>
+              </a:rPr>
+              <a:t>高精度</a:t>
+            </a:r>
+            <a:r>
+              <a:rPr lang="zh-CN" altLang="en-US" sz="2400" dirty="0">
+                <a:latin typeface="微软雅黑" panose="020B0503020204020204" pitchFamily="34" charset="-122"/>
+                <a:ea typeface="微软雅黑" panose="020B0503020204020204" pitchFamily="34" charset="-122"/>
+              </a:rPr>
+              <a:t>的位置信息，在</a:t>
+            </a:r>
+            <a:r>
+              <a:rPr lang="en-US" altLang="zh-CN" sz="2400" dirty="0">
+                <a:latin typeface="微软雅黑" panose="020B0503020204020204" pitchFamily="34" charset="-122"/>
+                <a:ea typeface="微软雅黑" panose="020B0503020204020204" pitchFamily="34" charset="-122"/>
+              </a:rPr>
+              <a:t>GNSS</a:t>
+            </a:r>
+            <a:r>
+              <a:rPr lang="zh-CN" altLang="en-US" sz="2400" dirty="0">
+                <a:latin typeface="微软雅黑" panose="020B0503020204020204" pitchFamily="34" charset="-122"/>
+                <a:ea typeface="微软雅黑" panose="020B0503020204020204" pitchFamily="34" charset="-122"/>
+              </a:rPr>
+              <a:t>信号无法到达，或者严重衰减的环境下，能无缝切换到</a:t>
+            </a:r>
+            <a:r>
+              <a:rPr lang="en-US" altLang="zh-CN" sz="2400" dirty="0">
+                <a:latin typeface="微软雅黑" panose="020B0503020204020204" pitchFamily="34" charset="-122"/>
+                <a:ea typeface="微软雅黑" panose="020B0503020204020204" pitchFamily="34" charset="-122"/>
+              </a:rPr>
+              <a:t>LBS</a:t>
+            </a:r>
+            <a:r>
+              <a:rPr lang="zh-CN" altLang="en-US" sz="2400" dirty="0">
+                <a:latin typeface="微软雅黑" panose="020B0503020204020204" pitchFamily="34" charset="-122"/>
+                <a:ea typeface="微软雅黑" panose="020B0503020204020204" pitchFamily="34" charset="-122"/>
+              </a:rPr>
+              <a:t>定位模式</a:t>
+            </a:r>
+            <a:r>
+              <a:rPr lang="en-US" altLang="zh-CN" sz="2400" dirty="0">
+                <a:latin typeface="微软雅黑" panose="020B0503020204020204" pitchFamily="34" charset="-122"/>
+                <a:ea typeface="微软雅黑" panose="020B0503020204020204" pitchFamily="34" charset="-122"/>
+              </a:rPr>
+              <a:t>(Location Based Service)</a:t>
+            </a:r>
+            <a:r>
+              <a:rPr lang="zh-CN" altLang="en-US" sz="2400" dirty="0">
+                <a:latin typeface="微软雅黑" panose="020B0503020204020204" pitchFamily="34" charset="-122"/>
+                <a:ea typeface="微软雅黑" panose="020B0503020204020204" pitchFamily="34" charset="-122"/>
+              </a:rPr>
+              <a:t>下，实现</a:t>
+            </a:r>
+            <a:r>
+              <a:rPr lang="zh-CN" altLang="en-US" sz="2400" dirty="0">
+                <a:solidFill>
+                  <a:srgbClr val="FF0000"/>
+                </a:solidFill>
+                <a:latin typeface="微软雅黑" panose="020B0503020204020204" pitchFamily="34" charset="-122"/>
+                <a:ea typeface="微软雅黑" panose="020B0503020204020204" pitchFamily="34" charset="-122"/>
+              </a:rPr>
+              <a:t>实时，不间断</a:t>
+            </a:r>
+            <a:r>
+              <a:rPr lang="zh-CN" altLang="en-US" sz="2400" dirty="0">
+                <a:latin typeface="微软雅黑" panose="020B0503020204020204" pitchFamily="34" charset="-122"/>
+                <a:ea typeface="微软雅黑" panose="020B0503020204020204" pitchFamily="34" charset="-122"/>
+              </a:rPr>
+              <a:t>地提供位置信息</a:t>
+            </a:r>
+            <a:endParaRPr lang="en-US" altLang="zh-CN" sz="2400" dirty="0">
+              <a:latin typeface="微软雅黑" panose="020B0503020204020204" pitchFamily="34" charset="-122"/>
+              <a:ea typeface="微软雅黑" panose="020B0503020204020204" pitchFamily="34" charset="-122"/>
+            </a:endParaRPr>
+          </a:p>
+        </p:txBody>
+      </p:sp>
+      <p:sp>
+        <p:nvSpPr>
+          <p:cNvPr id="26" name="文本框 25">
+            <a:extLst>
+              <a:ext uri="{FF2B5EF4-FFF2-40B4-BE49-F238E27FC236}">
+                <a16:creationId xmlns:a16="http://schemas.microsoft.com/office/drawing/2014/main" id="{784E2393-9703-466C-BE3D-5BD524FF5E2B}"/>
+              </a:ext>
+            </a:extLst>
+          </p:cNvPr>
+          <p:cNvSpPr txBox="1"/>
+          <p:nvPr/>
+        </p:nvSpPr>
+        <p:spPr>
+          <a:xfrm>
+            <a:off x="0" y="3627133"/>
+            <a:ext cx="6138862" cy="443198"/>
+          </a:xfrm>
+          <a:prstGeom prst="rect">
+            <a:avLst/>
+          </a:prstGeom>
+          <a:noFill/>
+        </p:spPr>
+        <p:txBody>
+          <a:bodyPr wrap="square">
+            <a:spAutoFit/>
+          </a:bodyPr>
+          <a:lstStyle/>
+          <a:p>
+            <a:pPr marL="285750" indent="-285750" algn="just">
+              <a:lnSpc>
+                <a:spcPct val="95000"/>
+              </a:lnSpc>
+              <a:spcAft>
+                <a:spcPts val="600"/>
+              </a:spcAft>
+              <a:buFont typeface="Wingdings" panose="05000000000000000000" pitchFamily="2" charset="2"/>
+              <a:buChar char="n"/>
+              <a:tabLst>
+                <a:tab pos="182880" algn="l"/>
+              </a:tabLst>
+            </a:pPr>
+            <a:r>
+              <a:rPr lang="zh-CN" altLang="en-US" sz="2400" b="1" spc="-5" dirty="0">
+                <a:latin typeface="微软雅黑" panose="020B0503020204020204" pitchFamily="34" charset="-122"/>
+                <a:ea typeface="微软雅黑" panose="020B0503020204020204" pitchFamily="34" charset="-122"/>
+              </a:rPr>
+              <a:t>研究目标</a:t>
+            </a:r>
+            <a:endParaRPr lang="en-US" altLang="zh-CN" sz="2400" b="1" spc="-5" dirty="0">
+              <a:latin typeface="微软雅黑" panose="020B0503020204020204" pitchFamily="34" charset="-122"/>
+              <a:ea typeface="微软雅黑" panose="020B0503020204020204" pitchFamily="34" charset="-122"/>
+            </a:endParaRPr>
+          </a:p>
+        </p:txBody>
+      </p:sp>
+      <p:sp>
+        <p:nvSpPr>
+          <p:cNvPr id="15" name="文本框 14">
+            <a:extLst>
+              <a:ext uri="{FF2B5EF4-FFF2-40B4-BE49-F238E27FC236}">
+                <a16:creationId xmlns:a16="http://schemas.microsoft.com/office/drawing/2014/main" id="{4FF27A57-1CB6-4AA6-A629-B0D7B4EDECCD}"/>
+              </a:ext>
+            </a:extLst>
+          </p:cNvPr>
+          <p:cNvSpPr txBox="1"/>
+          <p:nvPr/>
+        </p:nvSpPr>
+        <p:spPr>
+          <a:xfrm>
+            <a:off x="0" y="4132040"/>
+            <a:ext cx="11753245" cy="1200329"/>
+          </a:xfrm>
+          <a:prstGeom prst="rect">
+            <a:avLst/>
+          </a:prstGeom>
+          <a:noFill/>
+        </p:spPr>
+        <p:txBody>
+          <a:bodyPr wrap="square">
+            <a:spAutoFit/>
+          </a:bodyPr>
+          <a:lstStyle/>
+          <a:p>
+            <a:r>
+              <a:rPr lang="en-US" altLang="zh-CN" sz="2400" b="0" i="0" dirty="0">
+                <a:effectLst/>
+                <a:latin typeface="微软雅黑" panose="020B0503020204020204" pitchFamily="34" charset="-122"/>
+                <a:ea typeface="微软雅黑" panose="020B0503020204020204" pitchFamily="34" charset="-122"/>
+              </a:rPr>
+              <a:t>1.</a:t>
+            </a:r>
+            <a:r>
+              <a:rPr lang="zh-CN" altLang="en-US" sz="2400" dirty="0">
+                <a:latin typeface="微软雅黑" panose="020B0503020204020204" pitchFamily="34" charset="-122"/>
+                <a:ea typeface="微软雅黑" panose="020B0503020204020204" pitchFamily="34" charset="-122"/>
+              </a:rPr>
+              <a:t>高</a:t>
+            </a:r>
+            <a:r>
+              <a:rPr lang="zh-CN" altLang="en-US" sz="2400" b="0" i="0" dirty="0">
+                <a:effectLst/>
+                <a:latin typeface="微软雅黑" panose="020B0503020204020204" pitchFamily="34" charset="-122"/>
+                <a:ea typeface="微软雅黑" panose="020B0503020204020204" pitchFamily="34" charset="-122"/>
+              </a:rPr>
+              <a:t>精度</a:t>
+            </a:r>
+            <a:r>
+              <a:rPr lang="en-US" altLang="zh-CN" sz="2400" b="0" i="0" dirty="0">
+                <a:effectLst/>
+                <a:latin typeface="微软雅黑" panose="020B0503020204020204" pitchFamily="34" charset="-122"/>
+                <a:ea typeface="微软雅黑" panose="020B0503020204020204" pitchFamily="34" charset="-122"/>
+              </a:rPr>
+              <a:t>:10m</a:t>
+            </a:r>
+            <a:r>
+              <a:rPr lang="en-US" altLang="zh-CN" sz="2400" dirty="0">
+                <a:latin typeface="微软雅黑" panose="020B0503020204020204" pitchFamily="34" charset="-122"/>
+                <a:ea typeface="微软雅黑" panose="020B0503020204020204" pitchFamily="34" charset="-122"/>
+              </a:rPr>
+              <a:t>(</a:t>
+            </a:r>
+            <a:r>
+              <a:rPr lang="zh-CN" altLang="en-US" sz="2400" dirty="0">
+                <a:latin typeface="微软雅黑" panose="020B0503020204020204" pitchFamily="34" charset="-122"/>
+                <a:ea typeface="微软雅黑" panose="020B0503020204020204" pitchFamily="34" charset="-122"/>
+              </a:rPr>
+              <a:t>单</a:t>
+            </a:r>
+            <a:r>
+              <a:rPr lang="en-US" altLang="zh-CN" sz="2400" dirty="0">
+                <a:latin typeface="微软雅黑" panose="020B0503020204020204" pitchFamily="34" charset="-122"/>
+                <a:ea typeface="微软雅黑" panose="020B0503020204020204" pitchFamily="34" charset="-122"/>
+              </a:rPr>
+              <a:t>GNSS)</a:t>
+            </a:r>
+            <a:r>
+              <a:rPr lang="en-US" altLang="zh-CN" sz="2400" dirty="0">
+                <a:latin typeface="微软雅黑" panose="020B0503020204020204" pitchFamily="34" charset="-122"/>
+                <a:ea typeface="微软雅黑" panose="020B0503020204020204" pitchFamily="34" charset="-122"/>
+                <a:sym typeface="Wingdings" panose="05000000000000000000" pitchFamily="2" charset="2"/>
+              </a:rPr>
+              <a:t> </a:t>
+            </a:r>
+            <a:r>
+              <a:rPr lang="zh-CN" altLang="en-US" sz="2400" dirty="0">
+                <a:latin typeface="微软雅黑" panose="020B0503020204020204" pitchFamily="34" charset="-122"/>
+                <a:ea typeface="微软雅黑" panose="020B0503020204020204" pitchFamily="34" charset="-122"/>
+                <a:sym typeface="Wingdings" panose="05000000000000000000" pitchFamily="2" charset="2"/>
+              </a:rPr>
+              <a:t>平面精度</a:t>
+            </a:r>
+            <a:r>
+              <a:rPr lang="en-US" altLang="zh-CN" sz="2400" dirty="0">
+                <a:latin typeface="微软雅黑" panose="020B0503020204020204" pitchFamily="34" charset="-122"/>
+                <a:ea typeface="微软雅黑" panose="020B0503020204020204" pitchFamily="34" charset="-122"/>
+                <a:sym typeface="Wingdings" panose="05000000000000000000" pitchFamily="2" charset="2"/>
+              </a:rPr>
+              <a:t>1cm+D*1ppm</a:t>
+            </a:r>
+            <a:r>
+              <a:rPr lang="zh-CN" altLang="en-US" sz="2400" dirty="0">
+                <a:latin typeface="微软雅黑" panose="020B0503020204020204" pitchFamily="34" charset="-122"/>
+                <a:ea typeface="微软雅黑" panose="020B0503020204020204" pitchFamily="34" charset="-122"/>
+                <a:sym typeface="Wingdings" panose="05000000000000000000" pitchFamily="2" charset="2"/>
+              </a:rPr>
+              <a:t>，高程精度</a:t>
+            </a:r>
+            <a:r>
+              <a:rPr lang="en-US" altLang="zh-CN" sz="2400" dirty="0">
+                <a:latin typeface="微软雅黑" panose="020B0503020204020204" pitchFamily="34" charset="-122"/>
+                <a:ea typeface="微软雅黑" panose="020B0503020204020204" pitchFamily="34" charset="-122"/>
+                <a:sym typeface="Wingdings" panose="05000000000000000000" pitchFamily="2" charset="2"/>
+              </a:rPr>
+              <a:t>2cm+D*1ppm(</a:t>
+            </a:r>
+            <a:r>
+              <a:rPr lang="zh-CN" altLang="en-US" sz="2400" dirty="0">
+                <a:latin typeface="微软雅黑" panose="020B0503020204020204" pitchFamily="34" charset="-122"/>
+                <a:ea typeface="微软雅黑" panose="020B0503020204020204" pitchFamily="34" charset="-122"/>
+                <a:sym typeface="Wingdings" panose="05000000000000000000" pitchFamily="2" charset="2"/>
+              </a:rPr>
+              <a:t>双模</a:t>
+            </a:r>
+            <a:r>
+              <a:rPr lang="en-US" altLang="zh-CN" sz="2400" dirty="0">
+                <a:latin typeface="微软雅黑" panose="020B0503020204020204" pitchFamily="34" charset="-122"/>
+                <a:ea typeface="微软雅黑" panose="020B0503020204020204" pitchFamily="34" charset="-122"/>
+                <a:sym typeface="Wingdings" panose="05000000000000000000" pitchFamily="2" charset="2"/>
+              </a:rPr>
+              <a:t>)</a:t>
+            </a:r>
+            <a:endParaRPr lang="en-US" altLang="zh-CN" sz="2400" b="0" i="0" dirty="0">
+              <a:effectLst/>
+              <a:latin typeface="微软雅黑" panose="020B0503020204020204" pitchFamily="34" charset="-122"/>
+              <a:ea typeface="微软雅黑" panose="020B0503020204020204" pitchFamily="34" charset="-122"/>
+            </a:endParaRPr>
+          </a:p>
+          <a:p>
+            <a:r>
+              <a:rPr lang="en-US" altLang="zh-CN" sz="2400" dirty="0">
+                <a:latin typeface="微软雅黑" panose="020B0503020204020204" pitchFamily="34" charset="-122"/>
+                <a:ea typeface="微软雅黑" panose="020B0503020204020204" pitchFamily="34" charset="-122"/>
+              </a:rPr>
+              <a:t>2.</a:t>
+            </a:r>
+            <a:r>
+              <a:rPr lang="zh-CN" altLang="en-US" sz="2400" dirty="0">
+                <a:latin typeface="微软雅黑" panose="020B0503020204020204" pitchFamily="34" charset="-122"/>
+                <a:ea typeface="微软雅黑" panose="020B0503020204020204" pitchFamily="34" charset="-122"/>
+              </a:rPr>
+              <a:t>实时与持续</a:t>
+            </a:r>
+            <a:r>
+              <a:rPr lang="en-US" altLang="zh-CN" sz="2400" dirty="0">
+                <a:latin typeface="微软雅黑" panose="020B0503020204020204" pitchFamily="34" charset="-122"/>
+                <a:ea typeface="微软雅黑" panose="020B0503020204020204" pitchFamily="34" charset="-122"/>
+              </a:rPr>
+              <a:t>:</a:t>
+            </a:r>
+            <a:r>
+              <a:rPr lang="zh-CN" altLang="en-US" sz="2400" dirty="0">
+                <a:latin typeface="微软雅黑" panose="020B0503020204020204" pitchFamily="34" charset="-122"/>
+                <a:ea typeface="微软雅黑" panose="020B0503020204020204" pitchFamily="34" charset="-122"/>
+              </a:rPr>
+              <a:t>时断时续</a:t>
+            </a:r>
+            <a:r>
+              <a:rPr lang="en-US" altLang="zh-CN" sz="2400" dirty="0">
+                <a:latin typeface="微软雅黑" panose="020B0503020204020204" pitchFamily="34" charset="-122"/>
+                <a:ea typeface="微软雅黑" panose="020B0503020204020204" pitchFamily="34" charset="-122"/>
+              </a:rPr>
+              <a:t>(</a:t>
+            </a:r>
+            <a:r>
+              <a:rPr lang="zh-CN" altLang="en-US" sz="2400" dirty="0">
+                <a:latin typeface="微软雅黑" panose="020B0503020204020204" pitchFamily="34" charset="-122"/>
+                <a:ea typeface="微软雅黑" panose="020B0503020204020204" pitchFamily="34" charset="-122"/>
+              </a:rPr>
+              <a:t>单</a:t>
+            </a:r>
+            <a:r>
+              <a:rPr lang="en-US" altLang="zh-CN" sz="2400" dirty="0">
+                <a:latin typeface="微软雅黑" panose="020B0503020204020204" pitchFamily="34" charset="-122"/>
+                <a:ea typeface="微软雅黑" panose="020B0503020204020204" pitchFamily="34" charset="-122"/>
+              </a:rPr>
+              <a:t>GNSS</a:t>
+            </a:r>
+            <a:r>
+              <a:rPr lang="zh-CN" altLang="en-US" sz="2400" dirty="0">
+                <a:latin typeface="微软雅黑" panose="020B0503020204020204" pitchFamily="34" charset="-122"/>
+                <a:ea typeface="微软雅黑" panose="020B0503020204020204" pitchFamily="34" charset="-122"/>
+              </a:rPr>
+              <a:t>在复杂环境下</a:t>
+            </a:r>
+            <a:r>
+              <a:rPr lang="en-US" altLang="zh-CN" sz="2400" dirty="0">
+                <a:latin typeface="微软雅黑" panose="020B0503020204020204" pitchFamily="34" charset="-122"/>
+                <a:ea typeface="微软雅黑" panose="020B0503020204020204" pitchFamily="34" charset="-122"/>
+              </a:rPr>
+              <a:t>)</a:t>
+            </a:r>
+            <a:r>
+              <a:rPr lang="en-US" altLang="zh-CN" sz="2400" dirty="0">
+                <a:latin typeface="微软雅黑" panose="020B0503020204020204" pitchFamily="34" charset="-122"/>
+                <a:ea typeface="微软雅黑" panose="020B0503020204020204" pitchFamily="34" charset="-122"/>
+                <a:sym typeface="Wingdings" panose="05000000000000000000" pitchFamily="2" charset="2"/>
+              </a:rPr>
+              <a:t> </a:t>
+            </a:r>
+            <a:r>
+              <a:rPr lang="zh-CN" altLang="en-US" sz="2400" dirty="0">
+                <a:latin typeface="微软雅黑" panose="020B0503020204020204" pitchFamily="34" charset="-122"/>
+                <a:ea typeface="微软雅黑" panose="020B0503020204020204" pitchFamily="34" charset="-122"/>
+                <a:sym typeface="Wingdings" panose="05000000000000000000" pitchFamily="2" charset="2"/>
+              </a:rPr>
+              <a:t>持续不断</a:t>
+            </a:r>
+            <a:r>
+              <a:rPr lang="en-US" altLang="zh-CN" sz="2400" dirty="0">
+                <a:latin typeface="微软雅黑" panose="020B0503020204020204" pitchFamily="34" charset="-122"/>
+                <a:ea typeface="微软雅黑" panose="020B0503020204020204" pitchFamily="34" charset="-122"/>
+                <a:sym typeface="Wingdings" panose="05000000000000000000" pitchFamily="2" charset="2"/>
+              </a:rPr>
+              <a:t>(</a:t>
+            </a:r>
+            <a:r>
+              <a:rPr lang="zh-CN" altLang="en-US" sz="2400" dirty="0">
+                <a:latin typeface="微软雅黑" panose="020B0503020204020204" pitchFamily="34" charset="-122"/>
+                <a:ea typeface="微软雅黑" panose="020B0503020204020204" pitchFamily="34" charset="-122"/>
+                <a:sym typeface="Wingdings" panose="05000000000000000000" pitchFamily="2" charset="2"/>
+              </a:rPr>
+              <a:t>双模</a:t>
+            </a:r>
+            <a:r>
+              <a:rPr lang="en-US" altLang="zh-CN" sz="2400" dirty="0">
+                <a:latin typeface="微软雅黑" panose="020B0503020204020204" pitchFamily="34" charset="-122"/>
+                <a:ea typeface="微软雅黑" panose="020B0503020204020204" pitchFamily="34" charset="-122"/>
+                <a:sym typeface="Wingdings" panose="05000000000000000000" pitchFamily="2" charset="2"/>
+              </a:rPr>
+              <a:t>)</a:t>
+            </a:r>
+            <a:endParaRPr lang="en-US" altLang="zh-CN" sz="2400" dirty="0">
+              <a:latin typeface="微软雅黑" panose="020B0503020204020204" pitchFamily="34" charset="-122"/>
+              <a:ea typeface="微软雅黑" panose="020B0503020204020204" pitchFamily="34" charset="-122"/>
+            </a:endParaRPr>
+          </a:p>
+          <a:p>
+            <a:r>
+              <a:rPr lang="en-US" altLang="zh-CN" sz="2400" dirty="0">
+                <a:latin typeface="微软雅黑" panose="020B0503020204020204" pitchFamily="34" charset="-122"/>
+                <a:ea typeface="微软雅黑" panose="020B0503020204020204" pitchFamily="34" charset="-122"/>
+              </a:rPr>
+              <a:t>3.</a:t>
+            </a:r>
+            <a:r>
+              <a:rPr lang="zh-CN" altLang="en-US" sz="2400" dirty="0">
+                <a:latin typeface="微软雅黑" panose="020B0503020204020204" pitchFamily="34" charset="-122"/>
+                <a:ea typeface="微软雅黑" panose="020B0503020204020204" pitchFamily="34" charset="-122"/>
+              </a:rPr>
+              <a:t>观测时间 </a:t>
+            </a:r>
+            <a:r>
+              <a:rPr lang="en-US" altLang="zh-CN" sz="2400" dirty="0">
+                <a:latin typeface="微软雅黑" panose="020B0503020204020204" pitchFamily="34" charset="-122"/>
+                <a:ea typeface="微软雅黑" panose="020B0503020204020204" pitchFamily="34" charset="-122"/>
+              </a:rPr>
+              <a:t>:T&lt;1s</a:t>
+            </a:r>
+          </a:p>
+        </p:txBody>
+      </p:sp>
+      <p:sp>
+        <p:nvSpPr>
+          <p:cNvPr id="20" name="文本框 19">
+            <a:extLst>
+              <a:ext uri="{FF2B5EF4-FFF2-40B4-BE49-F238E27FC236}">
+                <a16:creationId xmlns:a16="http://schemas.microsoft.com/office/drawing/2014/main" id="{BE959B11-84B8-45B2-ACF2-60259F1C4421}"/>
+              </a:ext>
+            </a:extLst>
+          </p:cNvPr>
+          <p:cNvSpPr txBox="1"/>
+          <p:nvPr/>
+        </p:nvSpPr>
+        <p:spPr>
+          <a:xfrm>
+            <a:off x="-21592" y="5961543"/>
+            <a:ext cx="11753245" cy="461665"/>
+          </a:xfrm>
+          <a:prstGeom prst="rect">
+            <a:avLst/>
+          </a:prstGeom>
+          <a:noFill/>
+        </p:spPr>
+        <p:txBody>
+          <a:bodyPr wrap="square">
+            <a:spAutoFit/>
+          </a:bodyPr>
+          <a:lstStyle/>
+          <a:p>
+            <a:r>
+              <a:rPr lang="zh-CN" altLang="en-US" sz="2400" dirty="0">
+                <a:latin typeface="微软雅黑" panose="020B0503020204020204" pitchFamily="34" charset="-122"/>
+                <a:ea typeface="微软雅黑" panose="020B0503020204020204" pitchFamily="34" charset="-122"/>
+              </a:rPr>
+              <a:t>注</a:t>
+            </a:r>
+            <a:r>
+              <a:rPr lang="en-US" altLang="zh-CN" sz="2400" dirty="0">
+                <a:latin typeface="微软雅黑" panose="020B0503020204020204" pitchFamily="34" charset="-122"/>
+                <a:ea typeface="微软雅黑" panose="020B0503020204020204" pitchFamily="34" charset="-122"/>
+              </a:rPr>
+              <a:t>:D</a:t>
+            </a:r>
+            <a:r>
+              <a:rPr lang="zh-CN" altLang="en-US" sz="2400" dirty="0">
+                <a:latin typeface="微软雅黑" panose="020B0503020204020204" pitchFamily="34" charset="-122"/>
+                <a:ea typeface="微软雅黑" panose="020B0503020204020204" pitchFamily="34" charset="-122"/>
+              </a:rPr>
+              <a:t>指流动站到基准站的距离，</a:t>
+            </a:r>
+            <a:r>
+              <a:rPr lang="en-US" altLang="zh-CN" sz="2400" dirty="0">
+                <a:latin typeface="微软雅黑" panose="020B0503020204020204" pitchFamily="34" charset="-122"/>
+                <a:ea typeface="微软雅黑" panose="020B0503020204020204" pitchFamily="34" charset="-122"/>
+              </a:rPr>
+              <a:t>ppm</a:t>
+            </a:r>
+            <a:r>
+              <a:rPr lang="zh-CN" altLang="en-US" sz="2400" dirty="0">
+                <a:latin typeface="微软雅黑" panose="020B0503020204020204" pitchFamily="34" charset="-122"/>
+                <a:ea typeface="微软雅黑" panose="020B0503020204020204" pitchFamily="34" charset="-122"/>
+              </a:rPr>
+              <a:t>指百万分之一</a:t>
+            </a:r>
+            <a:endParaRPr lang="en-US" altLang="zh-CN" sz="2400" dirty="0">
+              <a:latin typeface="微软雅黑" panose="020B0503020204020204" pitchFamily="34" charset="-122"/>
+              <a:ea typeface="微软雅黑" panose="020B0503020204020204" pitchFamily="34" charset="-122"/>
+            </a:endParaRPr>
+          </a:p>
+        </p:txBody>
+      </p:sp>
+    </p:spTree>
+    <p:extLst>
+      <p:ext uri="{BB962C8B-B14F-4D97-AF65-F5344CB8AC3E}">
+        <p14:creationId xmlns:p14="http://schemas.microsoft.com/office/powerpoint/2010/main" val="1726201857"/>
+      </p:ext>
+    </p:extLst>
+  </p:cSld>
+  <p:clrMapOvr>
+    <a:masterClrMapping/>
+  </p:clrMapOvr>
+</p:sld>
+</file>
+
+<file path=ppt/slides/slide4.xml><?xml version="1.0" encoding="utf-8"?>
+<p:sld xmlns:a="http://schemas.openxmlformats.org/drawingml/2006/main" xmlns:r="http://schemas.openxmlformats.org/officeDocument/2006/relationships" xmlns:p="http://schemas.openxmlformats.org/presentationml/2006/main">
+  <p:cSld>
+    <p:spTree>
+      <p:nvGrpSpPr>
+        <p:cNvPr id="1" name=""/>
+        <p:cNvGrpSpPr/>
+        <p:nvPr/>
+      </p:nvGrpSpPr>
+      <p:grpSpPr>
+        <a:xfrm>
+          <a:off x="0" y="0"/>
+          <a:ext cx="0" cy="0"/>
+          <a:chOff x="0" y="0"/>
+          <a:chExt cx="0" cy="0"/>
+        </a:xfrm>
+      </p:grpSpPr>
+      <p:sp>
+        <p:nvSpPr>
+          <p:cNvPr id="23" name="Rectangle 10"/>
+          <p:cNvSpPr/>
+          <p:nvPr/>
+        </p:nvSpPr>
+        <p:spPr>
+          <a:xfrm>
+            <a:off x="1254760" y="31750"/>
+            <a:ext cx="3743960" cy="900000"/>
+          </a:xfrm>
+          <a:prstGeom prst="rect">
+            <a:avLst/>
+          </a:prstGeom>
+        </p:spPr>
+        <p:txBody>
+          <a:bodyPr wrap="none" anchor="ctr" anchorCtr="0">
+            <a:noAutofit/>
+          </a:bodyPr>
+          <a:lstStyle/>
+          <a:p>
+            <a:pPr algn="l"/>
+            <a:endParaRPr lang="en-US" altLang="zh-CN" sz="3200" b="1" spc="600" dirty="0">
+              <a:solidFill>
+                <a:schemeClr val="tx1"/>
+              </a:solidFill>
+              <a:latin typeface="微软雅黑" panose="020B0503020204020204" pitchFamily="34" charset="-122"/>
+              <a:ea typeface="微软雅黑" panose="020B0503020204020204" pitchFamily="34" charset="-122"/>
+              <a:sym typeface="+mn-ea"/>
+            </a:endParaRPr>
+          </a:p>
+        </p:txBody>
+      </p:sp>
+      <p:sp>
+        <p:nvSpPr>
+          <p:cNvPr id="25" name="Rectangle 4"/>
+          <p:cNvSpPr/>
+          <p:nvPr/>
+        </p:nvSpPr>
+        <p:spPr>
+          <a:xfrm>
+            <a:off x="1225" y="9401"/>
+            <a:ext cx="1080000" cy="828000"/>
+          </a:xfrm>
+          <a:prstGeom prst="rect">
+            <a:avLst/>
+          </a:prstGeom>
+          <a:solidFill>
+            <a:schemeClr val="accent5">
+              <a:lumMod val="50000"/>
+            </a:schemeClr>
+          </a:solidFill>
+          <a:ln>
+            <a:noFill/>
+          </a:ln>
+        </p:spPr>
+        <p:style>
+          <a:lnRef idx="2">
+            <a:schemeClr val="accent1">
+              <a:shade val="50000"/>
+            </a:schemeClr>
+          </a:lnRef>
+          <a:fillRef idx="1">
+            <a:schemeClr val="accent1"/>
+          </a:fillRef>
+          <a:effectRef idx="0">
+            <a:schemeClr val="accent1"/>
+          </a:effectRef>
+          <a:fontRef idx="minor">
+            <a:schemeClr val="lt1"/>
+          </a:fontRef>
+        </p:style>
+        <p:txBody>
+          <a:bodyPr rtlCol="0" anchor="ctr"/>
+          <a:lstStyle/>
+          <a:p>
+            <a:pPr algn="ctr"/>
+            <a:r>
+              <a:rPr lang="en-US" altLang="zh-CN" sz="2800" b="1" dirty="0">
+                <a:latin typeface="微软雅黑" panose="020B0503020204020204" pitchFamily="34" charset="-122"/>
+                <a:ea typeface="微软雅黑" panose="020B0503020204020204" pitchFamily="34" charset="-122"/>
+              </a:rPr>
+              <a:t>1</a:t>
+            </a:r>
+          </a:p>
+        </p:txBody>
+      </p:sp>
+      <p:cxnSp>
+        <p:nvCxnSpPr>
+          <p:cNvPr id="2" name="直接连接符 1"/>
+          <p:cNvCxnSpPr/>
+          <p:nvPr/>
+        </p:nvCxnSpPr>
+        <p:spPr>
+          <a:xfrm flipV="1">
+            <a:off x="-21590" y="826770"/>
+            <a:ext cx="12240000" cy="20955"/>
+          </a:xfrm>
+          <a:prstGeom prst="line">
+            <a:avLst/>
+          </a:prstGeom>
+          <a:ln w="38100">
+            <a:solidFill>
+              <a:schemeClr val="bg2">
+                <a:lumMod val="75000"/>
+              </a:schemeClr>
+            </a:solidFill>
+          </a:ln>
+        </p:spPr>
+        <p:style>
+          <a:lnRef idx="1">
+            <a:schemeClr val="accent1"/>
+          </a:lnRef>
+          <a:fillRef idx="0">
+            <a:schemeClr val="accent1"/>
+          </a:fillRef>
+          <a:effectRef idx="0">
+            <a:schemeClr val="accent1"/>
+          </a:effectRef>
+          <a:fontRef idx="minor">
+            <a:schemeClr val="tx1"/>
+          </a:fontRef>
+        </p:style>
+      </p:cxnSp>
+      <p:sp>
+        <p:nvSpPr>
+          <p:cNvPr id="330" name="Text Box 31">
+            <a:extLst>
+              <a:ext uri="{FF2B5EF4-FFF2-40B4-BE49-F238E27FC236}">
+                <a16:creationId xmlns:a16="http://schemas.microsoft.com/office/drawing/2014/main" id="{035773F2-7F24-4225-B2E0-2BC77494CA38}"/>
+              </a:ext>
+            </a:extLst>
+          </p:cNvPr>
+          <p:cNvSpPr txBox="1">
+            <a:spLocks noChangeArrowheads="1"/>
+          </p:cNvSpPr>
+          <p:nvPr/>
+        </p:nvSpPr>
+        <p:spPr bwMode="auto">
+          <a:xfrm>
+            <a:off x="654099" y="6122709"/>
+            <a:ext cx="1150447" cy="707886"/>
+          </a:xfrm>
+          <a:prstGeom prst="rect">
+            <a:avLst/>
+          </a:prstGeom>
+          <a:noFill/>
+          <a:ln>
+            <a:noFill/>
+          </a:ln>
+          <a:effectLst/>
+          <a:extLst>
+            <a:ext uri="{909E8E84-426E-40DD-AFC4-6F175D3DCCD1}">
+              <a14:hiddenFill xmlns:a14="http://schemas.microsoft.com/office/drawing/2010/main">
+                <a:solidFill>
+                  <a:srgbClr val="FFFFFF"/>
+                </a:solidFill>
+              </a14:hiddenFill>
+            </a:ext>
+            <a:ext uri="{91240B29-F687-4F45-9708-019B960494DF}">
+              <a14:hiddenLine xmlns:a14="http://schemas.microsoft.com/office/drawing/2010/main" w="9525">
+                <a:solidFill>
+                  <a:srgbClr val="000000"/>
+                </a:solidFill>
+                <a:miter lim="800000"/>
+                <a:headEnd/>
+                <a:tailEnd/>
+              </a14:hiddenLine>
+            </a:ext>
+            <a:ext uri="{AF507438-7753-43E0-B8FC-AC1667EBCBE1}">
+              <a14:hiddenEffects xmlns:a14="http://schemas.microsoft.com/office/drawing/2010/main">
+                <a:effectLst>
+                  <a:outerShdw dist="35921" dir="2700000" algn="ctr" rotWithShape="0">
+                    <a:srgbClr val="808080">
+                      <a:alpha val="59999"/>
+                    </a:srgbClr>
+                  </a:outerShdw>
+                </a:effectLst>
+              </a14:hiddenEffects>
+            </a:ext>
+          </a:extLst>
+        </p:spPr>
+        <p:txBody>
+          <a:bodyPr>
+            <a:spAutoFit/>
+          </a:bodyPr>
+          <a:lstStyle>
+            <a:lvl1pPr>
+              <a:spcBef>
+                <a:spcPct val="20000"/>
+              </a:spcBef>
+              <a:buChar char="•"/>
+              <a:defRPr sz="3200">
+                <a:solidFill>
+                  <a:srgbClr val="F8F8F8"/>
+                </a:solidFill>
+                <a:latin typeface="Arial" panose="020B0604020202020204" pitchFamily="34" charset="0"/>
+                <a:ea typeface="微软雅黑" panose="020B0503020204020204" pitchFamily="34" charset="-122"/>
+              </a:defRPr>
+            </a:lvl1pPr>
+            <a:lvl2pPr marL="742950" indent="-285750">
+              <a:spcBef>
+                <a:spcPct val="20000"/>
+              </a:spcBef>
+              <a:buChar char="–"/>
+              <a:defRPr sz="2800">
+                <a:solidFill>
+                  <a:srgbClr val="F8F8F8"/>
+                </a:solidFill>
+                <a:latin typeface="Arial" panose="020B0604020202020204" pitchFamily="34" charset="0"/>
+                <a:ea typeface="微软雅黑" panose="020B0503020204020204" pitchFamily="34" charset="-122"/>
+              </a:defRPr>
+            </a:lvl2pPr>
+            <a:lvl3pPr marL="1143000" indent="-228600">
+              <a:spcBef>
+                <a:spcPct val="20000"/>
+              </a:spcBef>
+              <a:buChar char="•"/>
+              <a:defRPr sz="2400">
+                <a:solidFill>
+                  <a:srgbClr val="F8F8F8"/>
+                </a:solidFill>
+                <a:latin typeface="Arial" panose="020B0604020202020204" pitchFamily="34" charset="0"/>
+                <a:ea typeface="微软雅黑" panose="020B0503020204020204" pitchFamily="34" charset="-122"/>
+              </a:defRPr>
+            </a:lvl3pPr>
+            <a:lvl4pPr marL="1600200" indent="-228600">
+              <a:spcBef>
+                <a:spcPct val="20000"/>
+              </a:spcBef>
+              <a:buChar char="–"/>
+              <a:defRPr sz="2000">
+                <a:solidFill>
+                  <a:srgbClr val="F8F8F8"/>
+                </a:solidFill>
+                <a:latin typeface="Arial" panose="020B0604020202020204" pitchFamily="34" charset="0"/>
+                <a:ea typeface="微软雅黑" panose="020B0503020204020204" pitchFamily="34" charset="-122"/>
+              </a:defRPr>
+            </a:lvl4pPr>
+            <a:lvl5pPr marL="2057400" indent="-228600">
+              <a:spcBef>
+                <a:spcPct val="20000"/>
+              </a:spcBef>
+              <a:buChar char="»"/>
+              <a:defRPr sz="2000">
+                <a:solidFill>
+                  <a:srgbClr val="F8F8F8"/>
+                </a:solidFill>
+                <a:latin typeface="Arial" panose="020B0604020202020204" pitchFamily="34" charset="0"/>
+                <a:ea typeface="微软雅黑" panose="020B0503020204020204" pitchFamily="34" charset="-122"/>
+              </a:defRPr>
+            </a:lvl5pPr>
+            <a:lvl6pPr marL="2514600" indent="-228600" eaLnBrk="0" fontAlgn="base" hangingPunct="0">
+              <a:spcBef>
+                <a:spcPct val="20000"/>
+              </a:spcBef>
+              <a:spcAft>
+                <a:spcPct val="0"/>
+              </a:spcAft>
+              <a:buChar char="»"/>
+              <a:defRPr sz="2000">
+                <a:solidFill>
+                  <a:srgbClr val="F8F8F8"/>
+                </a:solidFill>
+                <a:latin typeface="Arial" panose="020B0604020202020204" pitchFamily="34" charset="0"/>
+                <a:ea typeface="微软雅黑" panose="020B0503020204020204" pitchFamily="34" charset="-122"/>
+              </a:defRPr>
+            </a:lvl6pPr>
+            <a:lvl7pPr marL="2971800" indent="-228600" eaLnBrk="0" fontAlgn="base" hangingPunct="0">
+              <a:spcBef>
+                <a:spcPct val="20000"/>
+              </a:spcBef>
+              <a:spcAft>
+                <a:spcPct val="0"/>
+              </a:spcAft>
+              <a:buChar char="»"/>
+              <a:defRPr sz="2000">
+                <a:solidFill>
+                  <a:srgbClr val="F8F8F8"/>
+                </a:solidFill>
+                <a:latin typeface="Arial" panose="020B0604020202020204" pitchFamily="34" charset="0"/>
+                <a:ea typeface="微软雅黑" panose="020B0503020204020204" pitchFamily="34" charset="-122"/>
+              </a:defRPr>
+            </a:lvl7pPr>
+            <a:lvl8pPr marL="3429000" indent="-228600" eaLnBrk="0" fontAlgn="base" hangingPunct="0">
+              <a:spcBef>
+                <a:spcPct val="20000"/>
+              </a:spcBef>
+              <a:spcAft>
+                <a:spcPct val="0"/>
+              </a:spcAft>
+              <a:buChar char="»"/>
+              <a:defRPr sz="2000">
+                <a:solidFill>
+                  <a:srgbClr val="F8F8F8"/>
+                </a:solidFill>
+                <a:latin typeface="Arial" panose="020B0604020202020204" pitchFamily="34" charset="0"/>
+                <a:ea typeface="微软雅黑" panose="020B0503020204020204" pitchFamily="34" charset="-122"/>
+              </a:defRPr>
+            </a:lvl8pPr>
+            <a:lvl9pPr marL="3886200" indent="-228600" eaLnBrk="0" fontAlgn="base" hangingPunct="0">
+              <a:spcBef>
+                <a:spcPct val="20000"/>
+              </a:spcBef>
+              <a:spcAft>
+                <a:spcPct val="0"/>
+              </a:spcAft>
+              <a:buChar char="»"/>
+              <a:defRPr sz="2000">
+                <a:solidFill>
+                  <a:srgbClr val="F8F8F8"/>
+                </a:solidFill>
+                <a:latin typeface="Arial" panose="020B0604020202020204" pitchFamily="34" charset="0"/>
+                <a:ea typeface="微软雅黑" panose="020B0503020204020204" pitchFamily="34" charset="-122"/>
+              </a:defRPr>
+            </a:lvl9pPr>
+          </a:lstStyle>
+          <a:p>
+            <a:pPr>
+              <a:buFontTx/>
+              <a:buNone/>
+            </a:pPr>
+            <a:r>
+              <a:rPr lang="zh-CN" altLang="zh-CN" sz="2000" b="1">
+                <a:solidFill>
+                  <a:schemeClr val="bg1"/>
+                </a:solidFill>
+                <a:latin typeface="微软雅黑" panose="020B0503020204020204" pitchFamily="34" charset="-122"/>
+                <a:sym typeface="Arial" panose="020B0604020202020204" pitchFamily="34" charset="0"/>
+              </a:rPr>
+              <a:t>技术基础</a:t>
+            </a:r>
+          </a:p>
+        </p:txBody>
+      </p:sp>
+      <p:sp>
+        <p:nvSpPr>
+          <p:cNvPr id="3" name="文本框 2">
+            <a:extLst>
+              <a:ext uri="{FF2B5EF4-FFF2-40B4-BE49-F238E27FC236}">
+                <a16:creationId xmlns:a16="http://schemas.microsoft.com/office/drawing/2014/main" id="{CEE03A12-1A0B-10F2-033F-E44DD5151ACD}"/>
+              </a:ext>
+            </a:extLst>
+          </p:cNvPr>
+          <p:cNvSpPr txBox="1"/>
+          <p:nvPr/>
+        </p:nvSpPr>
+        <p:spPr>
+          <a:xfrm>
+            <a:off x="1229322" y="136873"/>
             <a:ext cx="6668505" cy="584775"/>
           </a:xfrm>
           <a:prstGeom prst="rect">
@@ -7844,7 +9232,7 @@
                 <a:latin typeface="微软雅黑" panose="020B0503020204020204" pitchFamily="34" charset="-122"/>
                 <a:ea typeface="微软雅黑" panose="020B0503020204020204" pitchFamily="34" charset="-122"/>
               </a:rPr>
-              <a:t>项目整体路线图</a:t>
+              <a:t>实施路线</a:t>
             </a:r>
           </a:p>
         </p:txBody>
@@ -7858,13 +9246,15 @@
               </a:ext>
             </a:extLst>
           </p:cNvPr>
-          <p:cNvCxnSpPr/>
+          <p:cNvCxnSpPr>
+            <a:cxnSpLocks/>
+          </p:cNvCxnSpPr>
           <p:nvPr/>
         </p:nvCxnSpPr>
         <p:spPr>
           <a:xfrm>
-            <a:off x="563783" y="3913788"/>
-            <a:ext cx="10036175" cy="0"/>
+            <a:off x="72928" y="3919398"/>
+            <a:ext cx="11270120" cy="0"/>
           </a:xfrm>
           <a:prstGeom prst="line">
             <a:avLst/>
@@ -8060,7 +9450,7 @@
         </p:nvSpPr>
         <p:spPr>
           <a:xfrm>
-            <a:off x="4148358" y="3850288"/>
+            <a:off x="5313188" y="3865254"/>
             <a:ext cx="127000" cy="127000"/>
           </a:xfrm>
           <a:prstGeom prst="ellipse">
@@ -8212,7 +9602,7 @@
         </p:nvSpPr>
         <p:spPr>
           <a:xfrm>
-            <a:off x="6893145" y="3850288"/>
+            <a:off x="9221218" y="3850288"/>
             <a:ext cx="127000" cy="127000"/>
           </a:xfrm>
           <a:prstGeom prst="ellipse">
@@ -8352,158 +9742,6 @@
       </p:sp>
       <p:sp>
         <p:nvSpPr>
-          <p:cNvPr id="11" name="Oval 29">
-            <a:extLst>
-              <a:ext uri="{FF2B5EF4-FFF2-40B4-BE49-F238E27FC236}">
-                <a16:creationId xmlns:a16="http://schemas.microsoft.com/office/drawing/2014/main" id="{41283A33-A61A-4BE4-BA43-8E7BFDA0BB88}"/>
-              </a:ext>
-            </a:extLst>
-          </p:cNvPr>
-          <p:cNvSpPr/>
-          <p:nvPr/>
-        </p:nvSpPr>
-        <p:spPr>
-          <a:xfrm>
-            <a:off x="9645870" y="3850288"/>
-            <a:ext cx="127000" cy="127000"/>
-          </a:xfrm>
-          <a:prstGeom prst="ellipse">
-            <a:avLst/>
-          </a:prstGeom>
-          <a:solidFill>
-            <a:schemeClr val="accent5">
-              <a:lumMod val="50000"/>
-            </a:schemeClr>
-          </a:solidFill>
-          <a:ln>
-            <a:noFill/>
-          </a:ln>
-        </p:spPr>
-        <p:style>
-          <a:lnRef idx="2">
-            <a:schemeClr val="accent1">
-              <a:shade val="50000"/>
-            </a:schemeClr>
-          </a:lnRef>
-          <a:fillRef idx="1">
-            <a:schemeClr val="accent1"/>
-          </a:fillRef>
-          <a:effectRef idx="0">
-            <a:schemeClr val="accent1"/>
-          </a:effectRef>
-          <a:fontRef idx="minor">
-            <a:schemeClr val="lt1"/>
-          </a:fontRef>
-        </p:style>
-        <p:txBody>
-          <a:bodyPr rtlCol="0" anchor="ctr"/>
-          <a:lstStyle>
-            <a:defPPr>
-              <a:defRPr lang="en-US"/>
-            </a:defPPr>
-            <a:lvl1pPr marL="0" algn="l" defTabSz="914400" rtl="0" eaLnBrk="1" latinLnBrk="0" hangingPunct="1">
-              <a:defRPr sz="1800" kern="1200">
-                <a:solidFill>
-                  <a:srgbClr val="FFFFFF"/>
-                </a:solidFill>
-                <a:latin typeface="Franklin Gothic Book"/>
-                <a:ea typeface="+mn-ea"/>
-                <a:cs typeface="+mn-cs"/>
-              </a:defRPr>
-            </a:lvl1pPr>
-            <a:lvl2pPr marL="457200" algn="l" defTabSz="914400" rtl="0" eaLnBrk="1" latinLnBrk="0" hangingPunct="1">
-              <a:defRPr sz="1800" kern="1200">
-                <a:solidFill>
-                  <a:srgbClr val="FFFFFF"/>
-                </a:solidFill>
-                <a:latin typeface="Franklin Gothic Book"/>
-                <a:ea typeface="+mn-ea"/>
-                <a:cs typeface="+mn-cs"/>
-              </a:defRPr>
-            </a:lvl2pPr>
-            <a:lvl3pPr marL="914400" algn="l" defTabSz="914400" rtl="0" eaLnBrk="1" latinLnBrk="0" hangingPunct="1">
-              <a:defRPr sz="1800" kern="1200">
-                <a:solidFill>
-                  <a:srgbClr val="FFFFFF"/>
-                </a:solidFill>
-                <a:latin typeface="Franklin Gothic Book"/>
-                <a:ea typeface="+mn-ea"/>
-                <a:cs typeface="+mn-cs"/>
-              </a:defRPr>
-            </a:lvl3pPr>
-            <a:lvl4pPr marL="1371600" algn="l" defTabSz="914400" rtl="0" eaLnBrk="1" latinLnBrk="0" hangingPunct="1">
-              <a:defRPr sz="1800" kern="1200">
-                <a:solidFill>
-                  <a:srgbClr val="FFFFFF"/>
-                </a:solidFill>
-                <a:latin typeface="Franklin Gothic Book"/>
-                <a:ea typeface="+mn-ea"/>
-                <a:cs typeface="+mn-cs"/>
-              </a:defRPr>
-            </a:lvl4pPr>
-            <a:lvl5pPr marL="1828800" algn="l" defTabSz="914400" rtl="0" eaLnBrk="1" latinLnBrk="0" hangingPunct="1">
-              <a:defRPr sz="1800" kern="1200">
-                <a:solidFill>
-                  <a:srgbClr val="FFFFFF"/>
-                </a:solidFill>
-                <a:latin typeface="Franklin Gothic Book"/>
-                <a:ea typeface="+mn-ea"/>
-                <a:cs typeface="+mn-cs"/>
-              </a:defRPr>
-            </a:lvl5pPr>
-            <a:lvl6pPr marL="2286000" algn="l" defTabSz="914400" rtl="0" eaLnBrk="1" latinLnBrk="0" hangingPunct="1">
-              <a:defRPr sz="1800" kern="1200">
-                <a:solidFill>
-                  <a:srgbClr val="FFFFFF"/>
-                </a:solidFill>
-                <a:latin typeface="Franklin Gothic Book"/>
-                <a:ea typeface="+mn-ea"/>
-                <a:cs typeface="+mn-cs"/>
-              </a:defRPr>
-            </a:lvl6pPr>
-            <a:lvl7pPr marL="2743200" algn="l" defTabSz="914400" rtl="0" eaLnBrk="1" latinLnBrk="0" hangingPunct="1">
-              <a:defRPr sz="1800" kern="1200">
-                <a:solidFill>
-                  <a:srgbClr val="FFFFFF"/>
-                </a:solidFill>
-                <a:latin typeface="Franklin Gothic Book"/>
-                <a:ea typeface="+mn-ea"/>
-                <a:cs typeface="+mn-cs"/>
-              </a:defRPr>
-            </a:lvl7pPr>
-            <a:lvl8pPr marL="3200400" algn="l" defTabSz="914400" rtl="0" eaLnBrk="1" latinLnBrk="0" hangingPunct="1">
-              <a:defRPr sz="1800" kern="1200">
-                <a:solidFill>
-                  <a:srgbClr val="FFFFFF"/>
-                </a:solidFill>
-                <a:latin typeface="Franklin Gothic Book"/>
-                <a:ea typeface="+mn-ea"/>
-                <a:cs typeface="+mn-cs"/>
-              </a:defRPr>
-            </a:lvl8pPr>
-            <a:lvl9pPr marL="3657600" algn="l" defTabSz="914400" rtl="0" eaLnBrk="1" latinLnBrk="0" hangingPunct="1">
-              <a:defRPr sz="1800" kern="1200">
-                <a:solidFill>
-                  <a:srgbClr val="FFFFFF"/>
-                </a:solidFill>
-                <a:latin typeface="Franklin Gothic Book"/>
-                <a:ea typeface="+mn-ea"/>
-                <a:cs typeface="+mn-cs"/>
-              </a:defRPr>
-            </a:lvl9pPr>
-          </a:lstStyle>
-          <a:p>
-            <a:pPr algn="ctr"/>
-            <a:endParaRPr lang="en-US" sz="2800" b="1">
-              <a:latin typeface="微软雅黑" panose="020B0503020204020204" pitchFamily="34" charset="-122"/>
-              <a:ea typeface="微软雅黑" panose="020B0503020204020204" pitchFamily="34" charset="-122"/>
-              <a:sym typeface="Arial" pitchFamily="34" charset="0"/>
-            </a:endParaRPr>
-          </a:p>
-        </p:txBody>
-      </p:sp>
-      <p:sp>
-        <p:nvSpPr>
           <p:cNvPr id="12" name="Text1">
             <a:extLst>
               <a:ext uri="{FF2B5EF4-FFF2-40B4-BE49-F238E27FC236}">
@@ -8516,8 +9754,8 @@
         </p:nvSpPr>
         <p:spPr>
           <a:xfrm>
-            <a:off x="840008" y="2305650"/>
-            <a:ext cx="1249362" cy="1250950"/>
+            <a:off x="678366" y="1963912"/>
+            <a:ext cx="1526305" cy="1516053"/>
           </a:xfrm>
           <a:prstGeom prst="rect">
             <a:avLst/>
@@ -8671,8 +9909,8 @@
         </p:nvSpPr>
         <p:spPr>
           <a:xfrm>
-            <a:off x="6317676" y="2279457"/>
-            <a:ext cx="1277937" cy="1250950"/>
+            <a:off x="8523205" y="2037523"/>
+            <a:ext cx="1523026" cy="1442442"/>
           </a:xfrm>
           <a:prstGeom prst="rect">
             <a:avLst/>
@@ -8826,8 +10064,8 @@
         </p:nvSpPr>
         <p:spPr>
           <a:xfrm>
-            <a:off x="3570508" y="4270977"/>
-            <a:ext cx="1282700" cy="1252538"/>
+            <a:off x="4503382" y="4104340"/>
+            <a:ext cx="1619612" cy="1685246"/>
           </a:xfrm>
           <a:prstGeom prst="rect">
             <a:avLst/>
@@ -8969,161 +10207,6 @@
       </p:sp>
       <p:sp>
         <p:nvSpPr>
-          <p:cNvPr id="15" name="Text4">
-            <a:extLst>
-              <a:ext uri="{FF2B5EF4-FFF2-40B4-BE49-F238E27FC236}">
-                <a16:creationId xmlns:a16="http://schemas.microsoft.com/office/drawing/2014/main" id="{AC5C7F08-78C7-46DC-820A-F1686B38866B}"/>
-              </a:ext>
-            </a:extLst>
-          </p:cNvPr>
-          <p:cNvSpPr/>
-          <p:nvPr/>
-        </p:nvSpPr>
-        <p:spPr>
-          <a:xfrm>
-            <a:off x="9071195" y="4272565"/>
-            <a:ext cx="1281113" cy="1250950"/>
-          </a:xfrm>
-          <a:prstGeom prst="rect">
-            <a:avLst/>
-          </a:prstGeom>
-          <a:solidFill>
-            <a:schemeClr val="accent5">
-              <a:lumMod val="50000"/>
-            </a:schemeClr>
-          </a:solidFill>
-          <a:ln>
-            <a:noFill/>
-          </a:ln>
-        </p:spPr>
-        <p:style>
-          <a:lnRef idx="2">
-            <a:schemeClr val="accent1">
-              <a:shade val="50000"/>
-            </a:schemeClr>
-          </a:lnRef>
-          <a:fillRef idx="1">
-            <a:schemeClr val="accent1"/>
-          </a:fillRef>
-          <a:effectRef idx="0">
-            <a:schemeClr val="accent1"/>
-          </a:effectRef>
-          <a:fontRef idx="minor">
-            <a:schemeClr val="lt1"/>
-          </a:fontRef>
-        </p:style>
-        <p:txBody>
-          <a:bodyPr rtlCol="0" anchor="ctr"/>
-          <a:lstStyle>
-            <a:defPPr>
-              <a:defRPr lang="en-US"/>
-            </a:defPPr>
-            <a:lvl1pPr marL="0" algn="l" defTabSz="914400" rtl="0" eaLnBrk="1" latinLnBrk="0" hangingPunct="1">
-              <a:defRPr sz="1800" kern="1200">
-                <a:solidFill>
-                  <a:srgbClr val="FFFFFF"/>
-                </a:solidFill>
-                <a:latin typeface="Franklin Gothic Book"/>
-                <a:ea typeface="+mn-ea"/>
-                <a:cs typeface="+mn-cs"/>
-              </a:defRPr>
-            </a:lvl1pPr>
-            <a:lvl2pPr marL="457200" algn="l" defTabSz="914400" rtl="0" eaLnBrk="1" latinLnBrk="0" hangingPunct="1">
-              <a:defRPr sz="1800" kern="1200">
-                <a:solidFill>
-                  <a:srgbClr val="FFFFFF"/>
-                </a:solidFill>
-                <a:latin typeface="Franklin Gothic Book"/>
-                <a:ea typeface="+mn-ea"/>
-                <a:cs typeface="+mn-cs"/>
-              </a:defRPr>
-            </a:lvl2pPr>
-            <a:lvl3pPr marL="914400" algn="l" defTabSz="914400" rtl="0" eaLnBrk="1" latinLnBrk="0" hangingPunct="1">
-              <a:defRPr sz="1800" kern="1200">
-                <a:solidFill>
-                  <a:srgbClr val="FFFFFF"/>
-                </a:solidFill>
-                <a:latin typeface="Franklin Gothic Book"/>
-                <a:ea typeface="+mn-ea"/>
-                <a:cs typeface="+mn-cs"/>
-              </a:defRPr>
-            </a:lvl3pPr>
-            <a:lvl4pPr marL="1371600" algn="l" defTabSz="914400" rtl="0" eaLnBrk="1" latinLnBrk="0" hangingPunct="1">
-              <a:defRPr sz="1800" kern="1200">
-                <a:solidFill>
-                  <a:srgbClr val="FFFFFF"/>
-                </a:solidFill>
-                <a:latin typeface="Franklin Gothic Book"/>
-                <a:ea typeface="+mn-ea"/>
-                <a:cs typeface="+mn-cs"/>
-              </a:defRPr>
-            </a:lvl4pPr>
-            <a:lvl5pPr marL="1828800" algn="l" defTabSz="914400" rtl="0" eaLnBrk="1" latinLnBrk="0" hangingPunct="1">
-              <a:defRPr sz="1800" kern="1200">
-                <a:solidFill>
-                  <a:srgbClr val="FFFFFF"/>
-                </a:solidFill>
-                <a:latin typeface="Franklin Gothic Book"/>
-                <a:ea typeface="+mn-ea"/>
-                <a:cs typeface="+mn-cs"/>
-              </a:defRPr>
-            </a:lvl5pPr>
-            <a:lvl6pPr marL="2286000" algn="l" defTabSz="914400" rtl="0" eaLnBrk="1" latinLnBrk="0" hangingPunct="1">
-              <a:defRPr sz="1800" kern="1200">
-                <a:solidFill>
-                  <a:srgbClr val="FFFFFF"/>
-                </a:solidFill>
-                <a:latin typeface="Franklin Gothic Book"/>
-                <a:ea typeface="+mn-ea"/>
-                <a:cs typeface="+mn-cs"/>
-              </a:defRPr>
-            </a:lvl6pPr>
-            <a:lvl7pPr marL="2743200" algn="l" defTabSz="914400" rtl="0" eaLnBrk="1" latinLnBrk="0" hangingPunct="1">
-              <a:defRPr sz="1800" kern="1200">
-                <a:solidFill>
-                  <a:srgbClr val="FFFFFF"/>
-                </a:solidFill>
-                <a:latin typeface="Franklin Gothic Book"/>
-                <a:ea typeface="+mn-ea"/>
-                <a:cs typeface="+mn-cs"/>
-              </a:defRPr>
-            </a:lvl7pPr>
-            <a:lvl8pPr marL="3200400" algn="l" defTabSz="914400" rtl="0" eaLnBrk="1" latinLnBrk="0" hangingPunct="1">
-              <a:defRPr sz="1800" kern="1200">
-                <a:solidFill>
-                  <a:srgbClr val="FFFFFF"/>
-                </a:solidFill>
-                <a:latin typeface="Franklin Gothic Book"/>
-                <a:ea typeface="+mn-ea"/>
-                <a:cs typeface="+mn-cs"/>
-              </a:defRPr>
-            </a:lvl8pPr>
-            <a:lvl9pPr marL="3657600" algn="l" defTabSz="914400" rtl="0" eaLnBrk="1" latinLnBrk="0" hangingPunct="1">
-              <a:defRPr sz="1800" kern="1200">
-                <a:solidFill>
-                  <a:srgbClr val="FFFFFF"/>
-                </a:solidFill>
-                <a:latin typeface="Franklin Gothic Book"/>
-                <a:ea typeface="+mn-ea"/>
-                <a:cs typeface="+mn-cs"/>
-              </a:defRPr>
-            </a:lvl9pPr>
-          </a:lstStyle>
-          <a:p>
-            <a:pPr algn="ctr"/>
-            <a:r>
-              <a:rPr lang="en-US" sz="4400" b="1" dirty="0">
-                <a:latin typeface="微软雅黑" panose="020B0503020204020204" pitchFamily="34" charset="-122"/>
-                <a:ea typeface="微软雅黑" panose="020B0503020204020204" pitchFamily="34" charset="-122"/>
-                <a:sym typeface="Arial" pitchFamily="34" charset="0"/>
-              </a:rPr>
-              <a:t>04</a:t>
-            </a:r>
-          </a:p>
-        </p:txBody>
-      </p:sp>
-      <p:sp>
-        <p:nvSpPr>
           <p:cNvPr id="16" name="Text5">
             <a:extLst>
               <a:ext uri="{FF2B5EF4-FFF2-40B4-BE49-F238E27FC236}">
@@ -9373,191 +10456,13 @@
             </a:lvl9pPr>
           </a:lstStyle>
           <a:p>
-            <a:r>
-              <a:rPr lang="en-US" altLang="zh-CN" sz="1600" dirty="0">
-                <a:solidFill>
-                  <a:srgbClr val="374151"/>
-                </a:solidFill>
-                <a:latin typeface="微软雅黑" panose="020B0503020204020204" pitchFamily="34" charset="-122"/>
-                <a:ea typeface="微软雅黑" panose="020B0503020204020204" pitchFamily="34" charset="-122"/>
-              </a:rPr>
-              <a:t>RTK</a:t>
-            </a:r>
-            <a:r>
-              <a:rPr lang="zh-CN" altLang="en-US" sz="1600" dirty="0">
-                <a:solidFill>
-                  <a:srgbClr val="374151"/>
-                </a:solidFill>
-                <a:latin typeface="微软雅黑" panose="020B0503020204020204" pitchFamily="34" charset="-122"/>
-                <a:ea typeface="微软雅黑" panose="020B0503020204020204" pitchFamily="34" charset="-122"/>
-              </a:rPr>
-              <a:t>算法的原理，根据对应物理量构建出的物理模型，用数学方法对其优化分析</a:t>
-            </a:r>
-          </a:p>
-        </p:txBody>
-      </p:sp>
-      <p:sp>
-        <p:nvSpPr>
-          <p:cNvPr id="18" name="Text7">
-            <a:extLst>
-              <a:ext uri="{FF2B5EF4-FFF2-40B4-BE49-F238E27FC236}">
-                <a16:creationId xmlns:a16="http://schemas.microsoft.com/office/drawing/2014/main" id="{32E8C34F-3E35-45F4-B1D0-6B277A1B38B0}"/>
-              </a:ext>
-            </a:extLst>
-          </p:cNvPr>
-          <p:cNvSpPr txBox="1"/>
-          <p:nvPr/>
-        </p:nvSpPr>
-        <p:spPr>
-          <a:xfrm>
-            <a:off x="5766076" y="4290711"/>
-            <a:ext cx="2828337" cy="1015311"/>
-          </a:xfrm>
-          <a:prstGeom prst="rect">
-            <a:avLst/>
-          </a:prstGeom>
-          <a:noFill/>
-        </p:spPr>
-        <p:txBody>
-          <a:bodyPr wrap="square" rtlCol="0">
-            <a:noAutofit/>
-          </a:bodyPr>
-          <a:lstStyle>
-            <a:defPPr>
-              <a:defRPr lang="en-US"/>
-            </a:defPPr>
-            <a:lvl1pPr marL="0" algn="l" defTabSz="914400" rtl="0" eaLnBrk="1" latinLnBrk="0" hangingPunct="1">
-              <a:defRPr sz="1800" kern="1200">
-                <a:solidFill>
-                  <a:schemeClr val="tx1"/>
-                </a:solidFill>
-                <a:latin typeface="+mn-lt"/>
-                <a:ea typeface="+mn-ea"/>
-                <a:cs typeface="+mn-cs"/>
-              </a:defRPr>
-            </a:lvl1pPr>
-            <a:lvl2pPr marL="457200" algn="l" defTabSz="914400" rtl="0" eaLnBrk="1" latinLnBrk="0" hangingPunct="1">
-              <a:defRPr sz="1800" kern="1200">
-                <a:solidFill>
-                  <a:schemeClr val="tx1"/>
-                </a:solidFill>
-                <a:latin typeface="+mn-lt"/>
-                <a:ea typeface="+mn-ea"/>
-                <a:cs typeface="+mn-cs"/>
-              </a:defRPr>
-            </a:lvl2pPr>
-            <a:lvl3pPr marL="914400" algn="l" defTabSz="914400" rtl="0" eaLnBrk="1" latinLnBrk="0" hangingPunct="1">
-              <a:defRPr sz="1800" kern="1200">
-                <a:solidFill>
-                  <a:schemeClr val="tx1"/>
-                </a:solidFill>
-                <a:latin typeface="+mn-lt"/>
-                <a:ea typeface="+mn-ea"/>
-                <a:cs typeface="+mn-cs"/>
-              </a:defRPr>
-            </a:lvl3pPr>
-            <a:lvl4pPr marL="1371600" algn="l" defTabSz="914400" rtl="0" eaLnBrk="1" latinLnBrk="0" hangingPunct="1">
-              <a:defRPr sz="1800" kern="1200">
-                <a:solidFill>
-                  <a:schemeClr val="tx1"/>
-                </a:solidFill>
-                <a:latin typeface="+mn-lt"/>
-                <a:ea typeface="+mn-ea"/>
-                <a:cs typeface="+mn-cs"/>
-              </a:defRPr>
-            </a:lvl4pPr>
-            <a:lvl5pPr marL="1828800" algn="l" defTabSz="914400" rtl="0" eaLnBrk="1" latinLnBrk="0" hangingPunct="1">
-              <a:defRPr sz="1800" kern="1200">
-                <a:solidFill>
-                  <a:schemeClr val="tx1"/>
-                </a:solidFill>
-                <a:latin typeface="+mn-lt"/>
-                <a:ea typeface="+mn-ea"/>
-                <a:cs typeface="+mn-cs"/>
-              </a:defRPr>
-            </a:lvl5pPr>
-            <a:lvl6pPr marL="2286000" algn="l" defTabSz="914400" rtl="0" eaLnBrk="1" latinLnBrk="0" hangingPunct="1">
-              <a:defRPr sz="1800" kern="1200">
-                <a:solidFill>
-                  <a:schemeClr val="tx1"/>
-                </a:solidFill>
-                <a:latin typeface="+mn-lt"/>
-                <a:ea typeface="+mn-ea"/>
-                <a:cs typeface="+mn-cs"/>
-              </a:defRPr>
-            </a:lvl6pPr>
-            <a:lvl7pPr marL="2743200" algn="l" defTabSz="914400" rtl="0" eaLnBrk="1" latinLnBrk="0" hangingPunct="1">
-              <a:defRPr sz="1800" kern="1200">
-                <a:solidFill>
-                  <a:schemeClr val="tx1"/>
-                </a:solidFill>
-                <a:latin typeface="+mn-lt"/>
-                <a:ea typeface="+mn-ea"/>
-                <a:cs typeface="+mn-cs"/>
-              </a:defRPr>
-            </a:lvl7pPr>
-            <a:lvl8pPr marL="3200400" algn="l" defTabSz="914400" rtl="0" eaLnBrk="1" latinLnBrk="0" hangingPunct="1">
-              <a:defRPr sz="1800" kern="1200">
-                <a:solidFill>
-                  <a:schemeClr val="tx1"/>
-                </a:solidFill>
-                <a:latin typeface="+mn-lt"/>
-                <a:ea typeface="+mn-ea"/>
-                <a:cs typeface="+mn-cs"/>
-              </a:defRPr>
-            </a:lvl8pPr>
-            <a:lvl9pPr marL="3657600" algn="l" defTabSz="914400" rtl="0" eaLnBrk="1" latinLnBrk="0" hangingPunct="1">
-              <a:defRPr sz="1800" kern="1200">
-                <a:solidFill>
-                  <a:schemeClr val="tx1"/>
-                </a:solidFill>
-                <a:latin typeface="+mn-lt"/>
-                <a:ea typeface="+mn-ea"/>
-                <a:cs typeface="+mn-cs"/>
-              </a:defRPr>
-            </a:lvl9pPr>
-          </a:lstStyle>
-          <a:p>
-            <a:r>
-              <a:rPr lang="zh-CN" altLang="en-US" sz="1600" dirty="0">
-                <a:solidFill>
-                  <a:srgbClr val="374151"/>
-                </a:solidFill>
-                <a:latin typeface="微软雅黑" panose="020B0503020204020204" pitchFamily="34" charset="-122"/>
-                <a:ea typeface="微软雅黑" panose="020B0503020204020204" pitchFamily="34" charset="-122"/>
-              </a:rPr>
-              <a:t>开发工具学习：</a:t>
-            </a:r>
-            <a:r>
-              <a:rPr lang="en-US" altLang="zh-CN" sz="1600" dirty="0" err="1">
-                <a:solidFill>
-                  <a:srgbClr val="374151"/>
-                </a:solidFill>
-                <a:latin typeface="微软雅黑" panose="020B0503020204020204" pitchFamily="34" charset="-122"/>
-                <a:ea typeface="微软雅黑" panose="020B0503020204020204" pitchFamily="34" charset="-122"/>
-              </a:rPr>
-              <a:t>RTKlib,Git</a:t>
-            </a:r>
-            <a:r>
-              <a:rPr lang="en-US" altLang="zh-CN" sz="1600" dirty="0">
-                <a:solidFill>
-                  <a:srgbClr val="374151"/>
-                </a:solidFill>
-                <a:latin typeface="微软雅黑" panose="020B0503020204020204" pitchFamily="34" charset="-122"/>
-                <a:ea typeface="微软雅黑" panose="020B0503020204020204" pitchFamily="34" charset="-122"/>
-              </a:rPr>
-              <a:t>, Ceres-solver</a:t>
-            </a:r>
-            <a:r>
-              <a:rPr lang="zh-CN" altLang="en-US" sz="1600" dirty="0">
-                <a:solidFill>
-                  <a:srgbClr val="374151"/>
-                </a:solidFill>
-                <a:latin typeface="微软雅黑" panose="020B0503020204020204" pitchFamily="34" charset="-122"/>
-                <a:ea typeface="微软雅黑" panose="020B0503020204020204" pitchFamily="34" charset="-122"/>
-              </a:rPr>
-              <a:t>等</a:t>
-            </a:r>
+            <a:endParaRPr lang="zh-CN" altLang="en-US" sz="1600" dirty="0">
+              <a:solidFill>
+                <a:srgbClr val="374151"/>
+              </a:solidFill>
+              <a:latin typeface="微软雅黑" panose="020B0503020204020204" pitchFamily="34" charset="-122"/>
+              <a:ea typeface="微软雅黑" panose="020B0503020204020204" pitchFamily="34" charset="-122"/>
+            </a:endParaRPr>
           </a:p>
         </p:txBody>
       </p:sp>
@@ -9683,66 +10588,13 @@
             </a:lvl9pPr>
           </a:lstStyle>
           <a:p>
-            <a:r>
-              <a:rPr lang="en-US" altLang="zh-CN" sz="1600" dirty="0">
-                <a:solidFill>
-                  <a:srgbClr val="374151"/>
-                </a:solidFill>
-                <a:latin typeface="微软雅黑" panose="020B0503020204020204" pitchFamily="34" charset="-122"/>
-                <a:ea typeface="微软雅黑" panose="020B0503020204020204" pitchFamily="34" charset="-122"/>
-              </a:rPr>
-              <a:t>RTK+OH</a:t>
-            </a:r>
-            <a:r>
-              <a:rPr lang="zh-CN" altLang="en-US" sz="1600" dirty="0">
-                <a:solidFill>
-                  <a:srgbClr val="374151"/>
-                </a:solidFill>
-                <a:latin typeface="微软雅黑" panose="020B0503020204020204" pitchFamily="34" charset="-122"/>
-                <a:ea typeface="微软雅黑" panose="020B0503020204020204" pitchFamily="34" charset="-122"/>
-              </a:rPr>
-              <a:t>系统开发板（科学</a:t>
-            </a:r>
-            <a:r>
-              <a:rPr lang="en-US" altLang="zh-CN" sz="1600" dirty="0">
-                <a:solidFill>
-                  <a:srgbClr val="374151"/>
-                </a:solidFill>
-                <a:latin typeface="微软雅黑" panose="020B0503020204020204" pitchFamily="34" charset="-122"/>
-                <a:ea typeface="微软雅黑" panose="020B0503020204020204" pitchFamily="34" charset="-122"/>
-              </a:rPr>
-              <a:t>=</a:t>
-            </a:r>
-            <a:r>
-              <a:rPr lang="zh-CN" altLang="en-US" sz="1600" dirty="0">
-                <a:solidFill>
-                  <a:srgbClr val="374151"/>
-                </a:solidFill>
-                <a:latin typeface="微软雅黑" panose="020B0503020204020204" pitchFamily="34" charset="-122"/>
-                <a:ea typeface="微软雅黑" panose="020B0503020204020204" pitchFamily="34" charset="-122"/>
-              </a:rPr>
-              <a:t>物理</a:t>
-            </a:r>
-            <a:r>
-              <a:rPr lang="en-US" altLang="zh-CN" sz="1600" dirty="0">
-                <a:solidFill>
-                  <a:srgbClr val="374151"/>
-                </a:solidFill>
-                <a:latin typeface="微软雅黑" panose="020B0503020204020204" pitchFamily="34" charset="-122"/>
-                <a:ea typeface="微软雅黑" panose="020B0503020204020204" pitchFamily="34" charset="-122"/>
-              </a:rPr>
-              <a:t>+</a:t>
-            </a:r>
-            <a:r>
-              <a:rPr lang="zh-CN" altLang="en-US" sz="1600" dirty="0">
-                <a:solidFill>
-                  <a:srgbClr val="374151"/>
-                </a:solidFill>
-                <a:latin typeface="微软雅黑" panose="020B0503020204020204" pitchFamily="34" charset="-122"/>
-                <a:ea typeface="微软雅黑" panose="020B0503020204020204" pitchFamily="34" charset="-122"/>
-              </a:rPr>
-              <a:t>数学，软件层面，算法的加入）</a:t>
-            </a:r>
+            <a:endParaRPr lang="zh-CN" altLang="en-US" sz="1600" dirty="0">
+              <a:solidFill>
+                <a:srgbClr val="374151"/>
+              </a:solidFill>
+              <a:latin typeface="微软雅黑" panose="020B0503020204020204" pitchFamily="34" charset="-122"/>
+              <a:ea typeface="微软雅黑" panose="020B0503020204020204" pitchFamily="34" charset="-122"/>
+            </a:endParaRPr>
           </a:p>
         </p:txBody>
       </p:sp>
@@ -9890,159 +10742,6 @@
       </p:sp>
       <p:sp>
         <p:nvSpPr>
-          <p:cNvPr id="26" name="Text10">
-            <a:extLst>
-              <a:ext uri="{FF2B5EF4-FFF2-40B4-BE49-F238E27FC236}">
-                <a16:creationId xmlns:a16="http://schemas.microsoft.com/office/drawing/2014/main" id="{5D72013F-6258-4335-B324-53E42297159F}"/>
-              </a:ext>
-            </a:extLst>
-          </p:cNvPr>
-          <p:cNvSpPr txBox="1"/>
-          <p:nvPr/>
-        </p:nvSpPr>
-        <p:spPr>
-          <a:xfrm>
-            <a:off x="-21590" y="931750"/>
-            <a:ext cx="7562376" cy="460945"/>
-          </a:xfrm>
-          <a:prstGeom prst="rect">
-            <a:avLst/>
-          </a:prstGeom>
-          <a:noFill/>
-        </p:spPr>
-        <p:txBody>
-          <a:bodyPr wrap="square" lIns="72000" tIns="36000" rIns="72000" bIns="36000" rtlCol="0">
-            <a:normAutofit fontScale="95000"/>
-          </a:bodyPr>
-          <a:lstStyle>
-            <a:defPPr>
-              <a:defRPr lang="en-US"/>
-            </a:defPPr>
-            <a:lvl1pPr marL="0" algn="l" defTabSz="914400" rtl="0" eaLnBrk="1" latinLnBrk="0" hangingPunct="1">
-              <a:defRPr sz="1800" kern="1200">
-                <a:solidFill>
-                  <a:schemeClr val="tx1"/>
-                </a:solidFill>
-                <a:latin typeface="+mn-lt"/>
-                <a:ea typeface="+mn-ea"/>
-                <a:cs typeface="+mn-cs"/>
-              </a:defRPr>
-            </a:lvl1pPr>
-            <a:lvl2pPr marL="457200" algn="l" defTabSz="914400" rtl="0" eaLnBrk="1" latinLnBrk="0" hangingPunct="1">
-              <a:defRPr sz="1800" kern="1200">
-                <a:solidFill>
-                  <a:schemeClr val="tx1"/>
-                </a:solidFill>
-                <a:latin typeface="+mn-lt"/>
-                <a:ea typeface="+mn-ea"/>
-                <a:cs typeface="+mn-cs"/>
-              </a:defRPr>
-            </a:lvl2pPr>
-            <a:lvl3pPr marL="914400" algn="l" defTabSz="914400" rtl="0" eaLnBrk="1" latinLnBrk="0" hangingPunct="1">
-              <a:defRPr sz="1800" kern="1200">
-                <a:solidFill>
-                  <a:schemeClr val="tx1"/>
-                </a:solidFill>
-                <a:latin typeface="+mn-lt"/>
-                <a:ea typeface="+mn-ea"/>
-                <a:cs typeface="+mn-cs"/>
-              </a:defRPr>
-            </a:lvl3pPr>
-            <a:lvl4pPr marL="1371600" algn="l" defTabSz="914400" rtl="0" eaLnBrk="1" latinLnBrk="0" hangingPunct="1">
-              <a:defRPr sz="1800" kern="1200">
-                <a:solidFill>
-                  <a:schemeClr val="tx1"/>
-                </a:solidFill>
-                <a:latin typeface="+mn-lt"/>
-                <a:ea typeface="+mn-ea"/>
-                <a:cs typeface="+mn-cs"/>
-              </a:defRPr>
-            </a:lvl4pPr>
-            <a:lvl5pPr marL="1828800" algn="l" defTabSz="914400" rtl="0" eaLnBrk="1" latinLnBrk="0" hangingPunct="1">
-              <a:defRPr sz="1800" kern="1200">
-                <a:solidFill>
-                  <a:schemeClr val="tx1"/>
-                </a:solidFill>
-                <a:latin typeface="+mn-lt"/>
-                <a:ea typeface="+mn-ea"/>
-                <a:cs typeface="+mn-cs"/>
-              </a:defRPr>
-            </a:lvl5pPr>
-            <a:lvl6pPr marL="2286000" algn="l" defTabSz="914400" rtl="0" eaLnBrk="1" latinLnBrk="0" hangingPunct="1">
-              <a:defRPr sz="1800" kern="1200">
-                <a:solidFill>
-                  <a:schemeClr val="tx1"/>
-                </a:solidFill>
-                <a:latin typeface="+mn-lt"/>
-                <a:ea typeface="+mn-ea"/>
-                <a:cs typeface="+mn-cs"/>
-              </a:defRPr>
-            </a:lvl6pPr>
-            <a:lvl7pPr marL="2743200" algn="l" defTabSz="914400" rtl="0" eaLnBrk="1" latinLnBrk="0" hangingPunct="1">
-              <a:defRPr sz="1800" kern="1200">
-                <a:solidFill>
-                  <a:schemeClr val="tx1"/>
-                </a:solidFill>
-                <a:latin typeface="+mn-lt"/>
-                <a:ea typeface="+mn-ea"/>
-                <a:cs typeface="+mn-cs"/>
-              </a:defRPr>
-            </a:lvl7pPr>
-            <a:lvl8pPr marL="3200400" algn="l" defTabSz="914400" rtl="0" eaLnBrk="1" latinLnBrk="0" hangingPunct="1">
-              <a:defRPr sz="1800" kern="1200">
-                <a:solidFill>
-                  <a:schemeClr val="tx1"/>
-                </a:solidFill>
-                <a:latin typeface="+mn-lt"/>
-                <a:ea typeface="+mn-ea"/>
-                <a:cs typeface="+mn-cs"/>
-              </a:defRPr>
-            </a:lvl8pPr>
-            <a:lvl9pPr marL="3657600" algn="l" defTabSz="914400" rtl="0" eaLnBrk="1" latinLnBrk="0" hangingPunct="1">
-              <a:defRPr sz="1800" kern="1200">
-                <a:solidFill>
-                  <a:schemeClr val="tx1"/>
-                </a:solidFill>
-                <a:latin typeface="+mn-lt"/>
-                <a:ea typeface="+mn-ea"/>
-                <a:cs typeface="+mn-cs"/>
-              </a:defRPr>
-            </a:lvl9pPr>
-          </a:lstStyle>
-          <a:p>
-            <a:pPr>
-              <a:lnSpc>
-                <a:spcPct val="130000"/>
-              </a:lnSpc>
-              <a:spcBef>
-                <a:spcPts val="300"/>
-              </a:spcBef>
-              <a:spcAft>
-                <a:spcPts val="300"/>
-              </a:spcAft>
-            </a:pPr>
-            <a:r>
-              <a:rPr lang="zh-CN" altLang="en-US" sz="2000" dirty="0">
-                <a:solidFill>
-                  <a:srgbClr val="374151"/>
-                </a:solidFill>
-                <a:latin typeface="微软雅黑" panose="020B0503020204020204" pitchFamily="34" charset="-122"/>
-                <a:ea typeface="微软雅黑" panose="020B0503020204020204" pitchFamily="34" charset="-122"/>
-              </a:rPr>
-              <a:t>项目主要分四部分：</a:t>
-            </a:r>
-            <a:endParaRPr lang="en-US" altLang="zh-CN" sz="2000" dirty="0">
-              <a:solidFill>
-                <a:srgbClr val="374151"/>
-              </a:solidFill>
-              <a:latin typeface="微软雅黑" panose="020B0503020204020204" pitchFamily="34" charset="-122"/>
-              <a:ea typeface="微软雅黑" panose="020B0503020204020204" pitchFamily="34" charset="-122"/>
-            </a:endParaRPr>
-          </a:p>
-        </p:txBody>
-      </p:sp>
-      <p:sp>
-        <p:nvSpPr>
           <p:cNvPr id="44" name="Text6">
             <a:extLst>
               <a:ext uri="{FF2B5EF4-FFF2-40B4-BE49-F238E27FC236}">
@@ -10056,7 +10755,7 @@
         <p:spPr>
           <a:xfrm>
             <a:off x="185944" y="4315880"/>
-            <a:ext cx="2357231" cy="2068851"/>
+            <a:ext cx="2746313" cy="1095145"/>
           </a:xfrm>
           <a:prstGeom prst="rect">
             <a:avLst/>
@@ -10164,45 +10863,698 @@
           </a:lstStyle>
           <a:p>
             <a:r>
-              <a:rPr lang="en-US" altLang="zh-CN" sz="1600" dirty="0">
+              <a:rPr lang="zh-CN" altLang="en-US" sz="2000" dirty="0">
                 <a:solidFill>
                   <a:srgbClr val="374151"/>
                 </a:solidFill>
                 <a:latin typeface="微软雅黑" panose="020B0503020204020204" pitchFamily="34" charset="-122"/>
                 <a:ea typeface="微软雅黑" panose="020B0503020204020204" pitchFamily="34" charset="-122"/>
               </a:rPr>
-              <a:t>OH</a:t>
-            </a:r>
-            <a:r>
-              <a:rPr lang="zh-CN" altLang="en-US" sz="1600" dirty="0">
+              <a:t>搭建双模定位系统，将</a:t>
+            </a:r>
+            <a:r>
+              <a:rPr lang="en-US" altLang="zh-CN" sz="2000" dirty="0">
                 <a:solidFill>
                   <a:srgbClr val="374151"/>
                 </a:solidFill>
                 <a:latin typeface="微软雅黑" panose="020B0503020204020204" pitchFamily="34" charset="-122"/>
                 <a:ea typeface="微软雅黑" panose="020B0503020204020204" pitchFamily="34" charset="-122"/>
               </a:rPr>
-              <a:t>系统的环境搭建，掌握</a:t>
-            </a:r>
-            <a:r>
-              <a:rPr lang="en-US" altLang="zh-CN" sz="1600" dirty="0">
+              <a:t>RTK</a:t>
+            </a:r>
+            <a:r>
+              <a:rPr lang="zh-CN" altLang="en-US" sz="2000" dirty="0">
                 <a:solidFill>
                   <a:srgbClr val="374151"/>
                 </a:solidFill>
                 <a:latin typeface="微软雅黑" panose="020B0503020204020204" pitchFamily="34" charset="-122"/>
                 <a:ea typeface="微软雅黑" panose="020B0503020204020204" pitchFamily="34" charset="-122"/>
               </a:rPr>
-              <a:t>Hi3861</a:t>
-            </a:r>
-            <a:r>
-              <a:rPr lang="zh-CN" altLang="en-US" sz="1600" dirty="0">
+              <a:t>算法加到系统上进行优化</a:t>
+            </a:r>
+          </a:p>
+        </p:txBody>
+      </p:sp>
+      <p:sp>
+        <p:nvSpPr>
+          <p:cNvPr id="24" name="椭圆 23">
+            <a:extLst>
+              <a:ext uri="{FF2B5EF4-FFF2-40B4-BE49-F238E27FC236}">
+                <a16:creationId xmlns:a16="http://schemas.microsoft.com/office/drawing/2014/main" id="{0A988440-7210-4E04-B47D-8096EA912C26}"/>
+              </a:ext>
+            </a:extLst>
+          </p:cNvPr>
+          <p:cNvSpPr/>
+          <p:nvPr/>
+        </p:nvSpPr>
+        <p:spPr>
+          <a:xfrm>
+            <a:off x="9404350" y="51629"/>
+            <a:ext cx="2489200" cy="670019"/>
+          </a:xfrm>
+          <a:prstGeom prst="ellipse">
+            <a:avLst/>
+          </a:prstGeom>
+          <a:solidFill>
+            <a:schemeClr val="accent5">
+              <a:lumMod val="50000"/>
+            </a:schemeClr>
+          </a:solidFill>
+          <a:ln>
+            <a:noFill/>
+          </a:ln>
+        </p:spPr>
+        <p:style>
+          <a:lnRef idx="2">
+            <a:schemeClr val="accent1">
+              <a:shade val="50000"/>
+            </a:schemeClr>
+          </a:lnRef>
+          <a:fillRef idx="1">
+            <a:schemeClr val="accent1"/>
+          </a:fillRef>
+          <a:effectRef idx="0">
+            <a:schemeClr val="accent1"/>
+          </a:effectRef>
+          <a:fontRef idx="minor">
+            <a:schemeClr val="lt1"/>
+          </a:fontRef>
+        </p:style>
+        <p:txBody>
+          <a:bodyPr rtlCol="0" anchor="ctr"/>
+          <a:lstStyle/>
+          <a:p>
+            <a:pPr algn="ctr"/>
+            <a:r>
+              <a:rPr lang="zh-CN" altLang="en-US" sz="2800" b="1" dirty="0">
+                <a:latin typeface="微软雅黑" panose="020B0503020204020204" pitchFamily="34" charset="-122"/>
+                <a:ea typeface="微软雅黑" panose="020B0503020204020204" pitchFamily="34" charset="-122"/>
+              </a:rPr>
+              <a:t>杜</a:t>
+            </a:r>
+          </a:p>
+        </p:txBody>
+      </p:sp>
+      <mc:AlternateContent xmlns:mc="http://schemas.openxmlformats.org/markup-compatibility/2006" xmlns:a14="http://schemas.microsoft.com/office/drawing/2010/main">
+        <mc:Choice Requires="a14">
+          <p:sp>
+            <p:nvSpPr>
+              <p:cNvPr id="30" name="Text6">
+                <a:extLst>
+                  <a:ext uri="{FF2B5EF4-FFF2-40B4-BE49-F238E27FC236}">
+                    <a16:creationId xmlns:a16="http://schemas.microsoft.com/office/drawing/2014/main" id="{CA614DA0-0D40-4C68-8E8A-15348C9622A0}"/>
+                  </a:ext>
+                </a:extLst>
+              </p:cNvPr>
+              <p:cNvSpPr txBox="1"/>
+              <p:nvPr/>
+            </p:nvSpPr>
+            <p:spPr>
+              <a:xfrm>
+                <a:off x="4184511" y="1963912"/>
+                <a:ext cx="2924790" cy="1621051"/>
+              </a:xfrm>
+              <a:prstGeom prst="rect">
+                <a:avLst/>
+              </a:prstGeom>
+              <a:noFill/>
+            </p:spPr>
+            <p:txBody>
+              <a:bodyPr wrap="square" rtlCol="0">
+                <a:noAutofit/>
+              </a:bodyPr>
+              <a:lstStyle>
+                <a:defPPr>
+                  <a:defRPr lang="en-US"/>
+                </a:defPPr>
+                <a:lvl1pPr marL="0" algn="l" defTabSz="914400" rtl="0" eaLnBrk="1" latinLnBrk="0" hangingPunct="1">
+                  <a:defRPr sz="1800" kern="1200">
+                    <a:solidFill>
+                      <a:schemeClr val="tx1"/>
+                    </a:solidFill>
+                    <a:latin typeface="+mn-lt"/>
+                    <a:ea typeface="+mn-ea"/>
+                    <a:cs typeface="+mn-cs"/>
+                  </a:defRPr>
+                </a:lvl1pPr>
+                <a:lvl2pPr marL="457200" algn="l" defTabSz="914400" rtl="0" eaLnBrk="1" latinLnBrk="0" hangingPunct="1">
+                  <a:defRPr sz="1800" kern="1200">
+                    <a:solidFill>
+                      <a:schemeClr val="tx1"/>
+                    </a:solidFill>
+                    <a:latin typeface="+mn-lt"/>
+                    <a:ea typeface="+mn-ea"/>
+                    <a:cs typeface="+mn-cs"/>
+                  </a:defRPr>
+                </a:lvl2pPr>
+                <a:lvl3pPr marL="914400" algn="l" defTabSz="914400" rtl="0" eaLnBrk="1" latinLnBrk="0" hangingPunct="1">
+                  <a:defRPr sz="1800" kern="1200">
+                    <a:solidFill>
+                      <a:schemeClr val="tx1"/>
+                    </a:solidFill>
+                    <a:latin typeface="+mn-lt"/>
+                    <a:ea typeface="+mn-ea"/>
+                    <a:cs typeface="+mn-cs"/>
+                  </a:defRPr>
+                </a:lvl3pPr>
+                <a:lvl4pPr marL="1371600" algn="l" defTabSz="914400" rtl="0" eaLnBrk="1" latinLnBrk="0" hangingPunct="1">
+                  <a:defRPr sz="1800" kern="1200">
+                    <a:solidFill>
+                      <a:schemeClr val="tx1"/>
+                    </a:solidFill>
+                    <a:latin typeface="+mn-lt"/>
+                    <a:ea typeface="+mn-ea"/>
+                    <a:cs typeface="+mn-cs"/>
+                  </a:defRPr>
+                </a:lvl4pPr>
+                <a:lvl5pPr marL="1828800" algn="l" defTabSz="914400" rtl="0" eaLnBrk="1" latinLnBrk="0" hangingPunct="1">
+                  <a:defRPr sz="1800" kern="1200">
+                    <a:solidFill>
+                      <a:schemeClr val="tx1"/>
+                    </a:solidFill>
+                    <a:latin typeface="+mn-lt"/>
+                    <a:ea typeface="+mn-ea"/>
+                    <a:cs typeface="+mn-cs"/>
+                  </a:defRPr>
+                </a:lvl5pPr>
+                <a:lvl6pPr marL="2286000" algn="l" defTabSz="914400" rtl="0" eaLnBrk="1" latinLnBrk="0" hangingPunct="1">
+                  <a:defRPr sz="1800" kern="1200">
+                    <a:solidFill>
+                      <a:schemeClr val="tx1"/>
+                    </a:solidFill>
+                    <a:latin typeface="+mn-lt"/>
+                    <a:ea typeface="+mn-ea"/>
+                    <a:cs typeface="+mn-cs"/>
+                  </a:defRPr>
+                </a:lvl6pPr>
+                <a:lvl7pPr marL="2743200" algn="l" defTabSz="914400" rtl="0" eaLnBrk="1" latinLnBrk="0" hangingPunct="1">
+                  <a:defRPr sz="1800" kern="1200">
+                    <a:solidFill>
+                      <a:schemeClr val="tx1"/>
+                    </a:solidFill>
+                    <a:latin typeface="+mn-lt"/>
+                    <a:ea typeface="+mn-ea"/>
+                    <a:cs typeface="+mn-cs"/>
+                  </a:defRPr>
+                </a:lvl7pPr>
+                <a:lvl8pPr marL="3200400" algn="l" defTabSz="914400" rtl="0" eaLnBrk="1" latinLnBrk="0" hangingPunct="1">
+                  <a:defRPr sz="1800" kern="1200">
+                    <a:solidFill>
+                      <a:schemeClr val="tx1"/>
+                    </a:solidFill>
+                    <a:latin typeface="+mn-lt"/>
+                    <a:ea typeface="+mn-ea"/>
+                    <a:cs typeface="+mn-cs"/>
+                  </a:defRPr>
+                </a:lvl8pPr>
+                <a:lvl9pPr marL="3657600" algn="l" defTabSz="914400" rtl="0" eaLnBrk="1" latinLnBrk="0" hangingPunct="1">
+                  <a:defRPr sz="1800" kern="1200">
+                    <a:solidFill>
+                      <a:schemeClr val="tx1"/>
+                    </a:solidFill>
+                    <a:latin typeface="+mn-lt"/>
+                    <a:ea typeface="+mn-ea"/>
+                    <a:cs typeface="+mn-cs"/>
+                  </a:defRPr>
+                </a:lvl9pPr>
+              </a:lstStyle>
+              <a:p>
+                <a:r>
+                  <a:rPr lang="zh-CN" altLang="en-US" sz="2000" dirty="0">
+                    <a:solidFill>
+                      <a:schemeClr val="tx1"/>
+                    </a:solidFill>
+                    <a:latin typeface="微软雅黑" panose="020B0503020204020204" pitchFamily="34" charset="-122"/>
+                    <a:ea typeface="微软雅黑" panose="020B0503020204020204" pitchFamily="34" charset="-122"/>
+                  </a:rPr>
+                  <a:t>设定量化指标</a:t>
+                </a:r>
+                <a:endParaRPr lang="en-US" altLang="zh-CN" sz="2000" dirty="0">
+                  <a:solidFill>
+                    <a:schemeClr val="tx1"/>
+                  </a:solidFill>
+                  <a:latin typeface="微软雅黑" panose="020B0503020204020204" pitchFamily="34" charset="-122"/>
+                  <a:ea typeface="微软雅黑" panose="020B0503020204020204" pitchFamily="34" charset="-122"/>
+                </a:endParaRPr>
+              </a:p>
+              <a:p>
+                <a:r>
+                  <a:rPr lang="en-US" altLang="zh-CN" sz="2000" dirty="0">
+                    <a:solidFill>
+                      <a:schemeClr val="tx1"/>
+                    </a:solidFill>
+                    <a:latin typeface="微软雅黑" panose="020B0503020204020204" pitchFamily="34" charset="-122"/>
+                    <a:ea typeface="微软雅黑" panose="020B0503020204020204" pitchFamily="34" charset="-122"/>
+                  </a:rPr>
+                  <a:t>1.</a:t>
+                </a:r>
+                <a:r>
+                  <a:rPr lang="zh-CN" altLang="en-US" sz="2000" dirty="0">
+                    <a:solidFill>
+                      <a:schemeClr val="tx1"/>
+                    </a:solidFill>
+                    <a:latin typeface="微软雅黑" panose="020B0503020204020204" pitchFamily="34" charset="-122"/>
+                    <a:ea typeface="微软雅黑" panose="020B0503020204020204" pitchFamily="34" charset="-122"/>
+                  </a:rPr>
+                  <a:t>精度值</a:t>
+                </a:r>
+                <a:r>
+                  <a:rPr lang="en-US" altLang="zh-CN" sz="2000" dirty="0">
+                    <a:solidFill>
+                      <a:schemeClr val="tx1"/>
+                    </a:solidFill>
+                    <a:latin typeface="微软雅黑" panose="020B0503020204020204" pitchFamily="34" charset="-122"/>
+                    <a:ea typeface="微软雅黑" panose="020B0503020204020204" pitchFamily="34" charset="-122"/>
+                  </a:rPr>
+                  <a:t>R</a:t>
+                </a:r>
+              </a:p>
+              <a:p>
+                <a:r>
+                  <a:rPr lang="en-US" altLang="zh-CN" sz="2000" dirty="0">
+                    <a:solidFill>
+                      <a:schemeClr val="tx1"/>
+                    </a:solidFill>
+                    <a:latin typeface="微软雅黑" panose="020B0503020204020204" pitchFamily="34" charset="-122"/>
+                    <a:ea typeface="微软雅黑" panose="020B0503020204020204" pitchFamily="34" charset="-122"/>
+                  </a:rPr>
+                  <a:t>2.</a:t>
+                </a:r>
+                <a:r>
+                  <a:rPr lang="zh-CN" altLang="en-US" sz="2000" dirty="0">
+                    <a:solidFill>
+                      <a:schemeClr val="tx1"/>
+                    </a:solidFill>
+                    <a:latin typeface="微软雅黑" panose="020B0503020204020204" pitchFamily="34" charset="-122"/>
+                    <a:ea typeface="微软雅黑" panose="020B0503020204020204" pitchFamily="34" charset="-122"/>
+                  </a:rPr>
+                  <a:t>观测时间</a:t>
+                </a:r>
+                <a:r>
+                  <a:rPr lang="en-US" altLang="zh-CN" sz="2000" dirty="0">
+                    <a:solidFill>
+                      <a:schemeClr val="tx1"/>
+                    </a:solidFill>
+                    <a:latin typeface="微软雅黑" panose="020B0503020204020204" pitchFamily="34" charset="-122"/>
+                    <a:ea typeface="微软雅黑" panose="020B0503020204020204" pitchFamily="34" charset="-122"/>
+                  </a:rPr>
+                  <a:t>T</a:t>
+                </a:r>
+              </a:p>
+              <a:p>
+                <a:r>
+                  <a:rPr lang="en-US" altLang="zh-CN" sz="2000" dirty="0">
+                    <a:solidFill>
+                      <a:schemeClr val="tx1"/>
+                    </a:solidFill>
+                    <a:latin typeface="微软雅黑" panose="020B0503020204020204" pitchFamily="34" charset="-122"/>
+                    <a:ea typeface="微软雅黑" panose="020B0503020204020204" pitchFamily="34" charset="-122"/>
+                  </a:rPr>
+                  <a:t>3.</a:t>
+                </a:r>
+                <a:r>
+                  <a:rPr lang="zh-CN" altLang="en-US" sz="2000" dirty="0">
+                    <a:solidFill>
+                      <a:schemeClr val="tx1"/>
+                    </a:solidFill>
+                    <a:latin typeface="微软雅黑" panose="020B0503020204020204" pitchFamily="34" charset="-122"/>
+                    <a:ea typeface="微软雅黑" panose="020B0503020204020204" pitchFamily="34" charset="-122"/>
+                  </a:rPr>
+                  <a:t>实时系数</a:t>
+                </a:r>
+                <a:r>
+                  <a:rPr lang="en-US" altLang="zh-CN" sz="2000" dirty="0">
+                    <a:solidFill>
+                      <a:schemeClr val="tx1"/>
+                    </a:solidFill>
+                    <a:latin typeface="微软雅黑" panose="020B0503020204020204" pitchFamily="34" charset="-122"/>
+                    <a:ea typeface="微软雅黑" panose="020B0503020204020204" pitchFamily="34" charset="-122"/>
+                  </a:rPr>
+                  <a:t>F=</a:t>
+                </a:r>
+                <a14:m>
+                  <m:oMath xmlns:m="http://schemas.openxmlformats.org/officeDocument/2006/math">
+                    <m:f>
+                      <m:fPr>
+                        <m:ctrlPr>
+                          <a:rPr lang="en-US" altLang="zh-CN" sz="2000" i="1" smtClean="0">
+                            <a:solidFill>
+                              <a:schemeClr val="tx1"/>
+                            </a:solidFill>
+                            <a:latin typeface="Cambria Math" panose="02040503050406030204" pitchFamily="18" charset="0"/>
+                            <a:ea typeface="微软雅黑" panose="020B0503020204020204" pitchFamily="34" charset="-122"/>
+                          </a:rPr>
+                        </m:ctrlPr>
+                      </m:fPr>
+                      <m:num>
+                        <m:r>
+                          <m:rPr>
+                            <m:nor/>
+                          </m:rPr>
+                          <a:rPr lang="zh-CN" altLang="en-US" sz="2000" dirty="0">
+                            <a:solidFill>
+                              <a:schemeClr val="tx1"/>
+                            </a:solidFill>
+                            <a:latin typeface="微软雅黑" panose="020B0503020204020204" pitchFamily="34" charset="-122"/>
+                            <a:ea typeface="微软雅黑" panose="020B0503020204020204" pitchFamily="34" charset="-122"/>
+                          </a:rPr>
+                          <m:t>监控时间</m:t>
+                        </m:r>
+                      </m:num>
+                      <m:den>
+                        <m:r>
+                          <a:rPr lang="zh-CN" altLang="en-US" sz="2000" i="1">
+                            <a:solidFill>
+                              <a:schemeClr val="tx1"/>
+                            </a:solidFill>
+                            <a:latin typeface="Cambria Math" panose="02040503050406030204" pitchFamily="18" charset="0"/>
+                            <a:ea typeface="微软雅黑" panose="020B0503020204020204" pitchFamily="34" charset="-122"/>
+                          </a:rPr>
+                          <m:t>在途时间</m:t>
+                        </m:r>
+                      </m:den>
+                    </m:f>
+                  </m:oMath>
+                </a14:m>
+                <a:endParaRPr lang="zh-CN" altLang="en-US" sz="2000" dirty="0">
+                  <a:solidFill>
+                    <a:schemeClr val="tx1"/>
+                  </a:solidFill>
+                  <a:latin typeface="微软雅黑" panose="020B0503020204020204" pitchFamily="34" charset="-122"/>
+                  <a:ea typeface="微软雅黑" panose="020B0503020204020204" pitchFamily="34" charset="-122"/>
+                </a:endParaRPr>
+              </a:p>
+            </p:txBody>
+          </p:sp>
+        </mc:Choice>
+        <mc:Fallback xmlns="">
+          <p:sp>
+            <p:nvSpPr>
+              <p:cNvPr id="30" name="Text6">
+                <a:extLst>
+                  <a:ext uri="{FF2B5EF4-FFF2-40B4-BE49-F238E27FC236}">
+                    <a16:creationId xmlns:a16="http://schemas.microsoft.com/office/drawing/2014/main" id="{CA614DA0-0D40-4C68-8E8A-15348C9622A0}"/>
+                  </a:ext>
+                </a:extLst>
+              </p:cNvPr>
+              <p:cNvSpPr txBox="1">
+                <a:spLocks noRot="1" noChangeAspect="1" noMove="1" noResize="1" noEditPoints="1" noAdjustHandles="1" noChangeArrowheads="1" noChangeShapeType="1" noTextEdit="1"/>
+              </p:cNvSpPr>
+              <p:nvPr/>
+            </p:nvSpPr>
+            <p:spPr>
+              <a:xfrm>
+                <a:off x="4184511" y="1963912"/>
+                <a:ext cx="2924790" cy="1621051"/>
+              </a:xfrm>
+              <a:prstGeom prst="rect">
+                <a:avLst/>
+              </a:prstGeom>
+              <a:blipFill>
+                <a:blip r:embed="rId3"/>
+                <a:stretch>
+                  <a:fillRect l="-2083" t="-1880"/>
+                </a:stretch>
+              </a:blipFill>
+            </p:spPr>
+            <p:txBody>
+              <a:bodyPr/>
+              <a:lstStyle/>
+              <a:p>
+                <a:r>
+                  <a:rPr lang="zh-CN" altLang="en-US">
+                    <a:noFill/>
+                  </a:rPr>
+                  <a:t> </a:t>
+                </a:r>
+              </a:p>
+            </p:txBody>
+          </p:sp>
+        </mc:Fallback>
+      </mc:AlternateContent>
+      <p:sp>
+        <p:nvSpPr>
+          <p:cNvPr id="31" name="Text6">
+            <a:extLst>
+              <a:ext uri="{FF2B5EF4-FFF2-40B4-BE49-F238E27FC236}">
+                <a16:creationId xmlns:a16="http://schemas.microsoft.com/office/drawing/2014/main" id="{5216854A-4766-4C52-A1B7-E7583CE41F1D}"/>
+              </a:ext>
+            </a:extLst>
+          </p:cNvPr>
+          <p:cNvSpPr txBox="1"/>
+          <p:nvPr/>
+        </p:nvSpPr>
+        <p:spPr>
+          <a:xfrm>
+            <a:off x="7637221" y="4069828"/>
+            <a:ext cx="4220102" cy="1933882"/>
+          </a:xfrm>
+          <a:prstGeom prst="rect">
+            <a:avLst/>
+          </a:prstGeom>
+          <a:noFill/>
+        </p:spPr>
+        <p:txBody>
+          <a:bodyPr wrap="square" rtlCol="0">
+            <a:noAutofit/>
+          </a:bodyPr>
+          <a:lstStyle>
+            <a:defPPr>
+              <a:defRPr lang="en-US"/>
+            </a:defPPr>
+            <a:lvl1pPr marL="0" algn="l" defTabSz="914400" rtl="0" eaLnBrk="1" latinLnBrk="0" hangingPunct="1">
+              <a:defRPr sz="1800" kern="1200">
+                <a:solidFill>
+                  <a:schemeClr val="tx1"/>
+                </a:solidFill>
+                <a:latin typeface="+mn-lt"/>
+                <a:ea typeface="+mn-ea"/>
+                <a:cs typeface="+mn-cs"/>
+              </a:defRPr>
+            </a:lvl1pPr>
+            <a:lvl2pPr marL="457200" algn="l" defTabSz="914400" rtl="0" eaLnBrk="1" latinLnBrk="0" hangingPunct="1">
+              <a:defRPr sz="1800" kern="1200">
+                <a:solidFill>
+                  <a:schemeClr val="tx1"/>
+                </a:solidFill>
+                <a:latin typeface="+mn-lt"/>
+                <a:ea typeface="+mn-ea"/>
+                <a:cs typeface="+mn-cs"/>
+              </a:defRPr>
+            </a:lvl2pPr>
+            <a:lvl3pPr marL="914400" algn="l" defTabSz="914400" rtl="0" eaLnBrk="1" latinLnBrk="0" hangingPunct="1">
+              <a:defRPr sz="1800" kern="1200">
+                <a:solidFill>
+                  <a:schemeClr val="tx1"/>
+                </a:solidFill>
+                <a:latin typeface="+mn-lt"/>
+                <a:ea typeface="+mn-ea"/>
+                <a:cs typeface="+mn-cs"/>
+              </a:defRPr>
+            </a:lvl3pPr>
+            <a:lvl4pPr marL="1371600" algn="l" defTabSz="914400" rtl="0" eaLnBrk="1" latinLnBrk="0" hangingPunct="1">
+              <a:defRPr sz="1800" kern="1200">
+                <a:solidFill>
+                  <a:schemeClr val="tx1"/>
+                </a:solidFill>
+                <a:latin typeface="+mn-lt"/>
+                <a:ea typeface="+mn-ea"/>
+                <a:cs typeface="+mn-cs"/>
+              </a:defRPr>
+            </a:lvl4pPr>
+            <a:lvl5pPr marL="1828800" algn="l" defTabSz="914400" rtl="0" eaLnBrk="1" latinLnBrk="0" hangingPunct="1">
+              <a:defRPr sz="1800" kern="1200">
+                <a:solidFill>
+                  <a:schemeClr val="tx1"/>
+                </a:solidFill>
+                <a:latin typeface="+mn-lt"/>
+                <a:ea typeface="+mn-ea"/>
+                <a:cs typeface="+mn-cs"/>
+              </a:defRPr>
+            </a:lvl5pPr>
+            <a:lvl6pPr marL="2286000" algn="l" defTabSz="914400" rtl="0" eaLnBrk="1" latinLnBrk="0" hangingPunct="1">
+              <a:defRPr sz="1800" kern="1200">
+                <a:solidFill>
+                  <a:schemeClr val="tx1"/>
+                </a:solidFill>
+                <a:latin typeface="+mn-lt"/>
+                <a:ea typeface="+mn-ea"/>
+                <a:cs typeface="+mn-cs"/>
+              </a:defRPr>
+            </a:lvl6pPr>
+            <a:lvl7pPr marL="2743200" algn="l" defTabSz="914400" rtl="0" eaLnBrk="1" latinLnBrk="0" hangingPunct="1">
+              <a:defRPr sz="1800" kern="1200">
+                <a:solidFill>
+                  <a:schemeClr val="tx1"/>
+                </a:solidFill>
+                <a:latin typeface="+mn-lt"/>
+                <a:ea typeface="+mn-ea"/>
+                <a:cs typeface="+mn-cs"/>
+              </a:defRPr>
+            </a:lvl7pPr>
+            <a:lvl8pPr marL="3200400" algn="l" defTabSz="914400" rtl="0" eaLnBrk="1" latinLnBrk="0" hangingPunct="1">
+              <a:defRPr sz="1800" kern="1200">
+                <a:solidFill>
+                  <a:schemeClr val="tx1"/>
+                </a:solidFill>
+                <a:latin typeface="+mn-lt"/>
+                <a:ea typeface="+mn-ea"/>
+                <a:cs typeface="+mn-cs"/>
+              </a:defRPr>
+            </a:lvl8pPr>
+            <a:lvl9pPr marL="3657600" algn="l" defTabSz="914400" rtl="0" eaLnBrk="1" latinLnBrk="0" hangingPunct="1">
+              <a:defRPr sz="1800" kern="1200">
+                <a:solidFill>
+                  <a:schemeClr val="tx1"/>
+                </a:solidFill>
+                <a:latin typeface="+mn-lt"/>
+                <a:ea typeface="+mn-ea"/>
+                <a:cs typeface="+mn-cs"/>
+              </a:defRPr>
+            </a:lvl9pPr>
+          </a:lstStyle>
+          <a:p>
+            <a:r>
+              <a:rPr lang="zh-CN" altLang="en-US" sz="2000" dirty="0">
                 <a:solidFill>
                   <a:srgbClr val="374151"/>
                 </a:solidFill>
                 <a:latin typeface="微软雅黑" panose="020B0503020204020204" pitchFamily="34" charset="-122"/>
                 <a:ea typeface="微软雅黑" panose="020B0503020204020204" pitchFamily="34" charset="-122"/>
               </a:rPr>
-              <a:t>的使用以及李嘉亮所搭建起来的平台。</a:t>
-            </a:r>
+              <a:t>搭建仿真系统</a:t>
+            </a:r>
+            <a:r>
+              <a:rPr lang="en-US" altLang="zh-CN" sz="2000" dirty="0">
+                <a:solidFill>
+                  <a:srgbClr val="374151"/>
+                </a:solidFill>
+                <a:latin typeface="微软雅黑" panose="020B0503020204020204" pitchFamily="34" charset="-122"/>
+                <a:ea typeface="微软雅黑" panose="020B0503020204020204" pitchFamily="34" charset="-122"/>
+              </a:rPr>
+              <a:t>(</a:t>
+            </a:r>
+            <a:r>
+              <a:rPr lang="zh-CN" altLang="en-US" sz="2000" dirty="0">
+                <a:solidFill>
+                  <a:srgbClr val="374151"/>
+                </a:solidFill>
+                <a:latin typeface="微软雅黑" panose="020B0503020204020204" pitchFamily="34" charset="-122"/>
+                <a:ea typeface="微软雅黑" panose="020B0503020204020204" pitchFamily="34" charset="-122"/>
+              </a:rPr>
+              <a:t>基于</a:t>
+            </a:r>
+            <a:r>
+              <a:rPr lang="en-US" altLang="zh-CN" sz="2000" dirty="0">
+                <a:solidFill>
+                  <a:srgbClr val="374151"/>
+                </a:solidFill>
+                <a:latin typeface="微软雅黑" panose="020B0503020204020204" pitchFamily="34" charset="-122"/>
+                <a:ea typeface="微软雅黑" panose="020B0503020204020204" pitchFamily="34" charset="-122"/>
+              </a:rPr>
+              <a:t>hi3861)</a:t>
+            </a:r>
+          </a:p>
+          <a:p>
+            <a:r>
+              <a:rPr lang="zh-CN" altLang="en-US" sz="2000" dirty="0">
+                <a:solidFill>
+                  <a:srgbClr val="374151"/>
+                </a:solidFill>
+                <a:latin typeface="微软雅黑" panose="020B0503020204020204" pitchFamily="34" charset="-122"/>
+                <a:ea typeface="微软雅黑" panose="020B0503020204020204" pitchFamily="34" charset="-122"/>
+              </a:rPr>
+              <a:t>预期效果：</a:t>
+            </a:r>
+            <a:endParaRPr lang="en-US" altLang="zh-CN" sz="2000" dirty="0">
+              <a:solidFill>
+                <a:srgbClr val="374151"/>
+              </a:solidFill>
+              <a:latin typeface="微软雅黑" panose="020B0503020204020204" pitchFamily="34" charset="-122"/>
+              <a:ea typeface="微软雅黑" panose="020B0503020204020204" pitchFamily="34" charset="-122"/>
+            </a:endParaRPr>
+          </a:p>
+          <a:p>
+            <a:r>
+              <a:rPr lang="en-US" altLang="zh-CN" sz="2000" dirty="0">
+                <a:solidFill>
+                  <a:srgbClr val="374151"/>
+                </a:solidFill>
+                <a:latin typeface="微软雅黑" panose="020B0503020204020204" pitchFamily="34" charset="-122"/>
+                <a:ea typeface="微软雅黑" panose="020B0503020204020204" pitchFamily="34" charset="-122"/>
+              </a:rPr>
+              <a:t>1.R=cm</a:t>
+            </a:r>
+            <a:r>
+              <a:rPr lang="zh-CN" altLang="en-US" sz="2000" dirty="0">
+                <a:solidFill>
+                  <a:srgbClr val="374151"/>
+                </a:solidFill>
+                <a:latin typeface="微软雅黑" panose="020B0503020204020204" pitchFamily="34" charset="-122"/>
+                <a:ea typeface="微软雅黑" panose="020B0503020204020204" pitchFamily="34" charset="-122"/>
+              </a:rPr>
+              <a:t>级</a:t>
+            </a:r>
+            <a:endParaRPr lang="en-US" altLang="zh-CN" sz="2000" dirty="0">
+              <a:solidFill>
+                <a:srgbClr val="374151"/>
+              </a:solidFill>
+              <a:latin typeface="微软雅黑" panose="020B0503020204020204" pitchFamily="34" charset="-122"/>
+              <a:ea typeface="微软雅黑" panose="020B0503020204020204" pitchFamily="34" charset="-122"/>
+            </a:endParaRPr>
+          </a:p>
+          <a:p>
+            <a:r>
+              <a:rPr lang="en-US" altLang="zh-CN" sz="2000" dirty="0">
+                <a:solidFill>
+                  <a:srgbClr val="374151"/>
+                </a:solidFill>
+                <a:latin typeface="微软雅黑" panose="020B0503020204020204" pitchFamily="34" charset="-122"/>
+                <a:ea typeface="微软雅黑" panose="020B0503020204020204" pitchFamily="34" charset="-122"/>
+              </a:rPr>
+              <a:t>2.T&lt;1s</a:t>
+            </a:r>
+          </a:p>
+          <a:p>
+            <a:r>
+              <a:rPr lang="en-US" altLang="zh-CN" sz="2000" dirty="0">
+                <a:solidFill>
+                  <a:srgbClr val="374151"/>
+                </a:solidFill>
+                <a:latin typeface="微软雅黑" panose="020B0503020204020204" pitchFamily="34" charset="-122"/>
+                <a:ea typeface="微软雅黑" panose="020B0503020204020204" pitchFamily="34" charset="-122"/>
+              </a:rPr>
+              <a:t>3.F</a:t>
+            </a:r>
+            <a:r>
+              <a:rPr lang="zh-CN" altLang="en-US" sz="2000" dirty="0">
+                <a:solidFill>
+                  <a:srgbClr val="374151"/>
+                </a:solidFill>
+                <a:latin typeface="微软雅黑" panose="020B0503020204020204" pitchFamily="34" charset="-122"/>
+                <a:ea typeface="微软雅黑" panose="020B0503020204020204" pitchFamily="34" charset="-122"/>
+              </a:rPr>
+              <a:t>≈</a:t>
+            </a:r>
+            <a:r>
+              <a:rPr lang="en-US" altLang="zh-CN" sz="2000" dirty="0">
+                <a:solidFill>
+                  <a:srgbClr val="374151"/>
+                </a:solidFill>
+                <a:latin typeface="微软雅黑" panose="020B0503020204020204" pitchFamily="34" charset="-122"/>
+                <a:ea typeface="微软雅黑" panose="020B0503020204020204" pitchFamily="34" charset="-122"/>
+              </a:rPr>
+              <a:t>1</a:t>
+            </a:r>
+          </a:p>
+          <a:p>
+            <a:endParaRPr lang="zh-CN" altLang="en-US" sz="2000" dirty="0">
+              <a:solidFill>
+                <a:srgbClr val="374151"/>
+              </a:solidFill>
+              <a:latin typeface="微软雅黑" panose="020B0503020204020204" pitchFamily="34" charset="-122"/>
+              <a:ea typeface="微软雅黑" panose="020B0503020204020204" pitchFamily="34" charset="-122"/>
+            </a:endParaRPr>
           </a:p>
         </p:txBody>
       </p:sp>
@@ -10219,7 +11571,7 @@
 </p:sld>
 </file>
 
-<file path=ppt/slides/slide4.xml><?xml version="1.0" encoding="utf-8"?>
+<file path=ppt/slides/slide5.xml><?xml version="1.0" encoding="utf-8"?>
 <p:sld xmlns:a="http://schemas.openxmlformats.org/drawingml/2006/main" xmlns:r="http://schemas.openxmlformats.org/officeDocument/2006/relationships" xmlns:p="http://schemas.openxmlformats.org/presentationml/2006/main">
   <p:cSld>
     <p:spTree>
@@ -10571,7 +11923,67 @@
                 <a:latin typeface="微软雅黑" panose="020B0503020204020204" pitchFamily="34" charset="-122"/>
                 <a:ea typeface="微软雅黑" panose="020B0503020204020204" pitchFamily="34" charset="-122"/>
               </a:rPr>
-              <a:t>项目场景图</a:t>
+              <a:t>场景图</a:t>
+            </a:r>
+          </a:p>
+        </p:txBody>
+      </p:sp>
+      <p:sp>
+        <p:nvSpPr>
+          <p:cNvPr id="8" name="椭圆 7">
+            <a:extLst>
+              <a:ext uri="{FF2B5EF4-FFF2-40B4-BE49-F238E27FC236}">
+                <a16:creationId xmlns:a16="http://schemas.microsoft.com/office/drawing/2014/main" id="{DD08C78E-2737-4B8A-A2A6-4F6D630BC917}"/>
+              </a:ext>
+            </a:extLst>
+          </p:cNvPr>
+          <p:cNvSpPr/>
+          <p:nvPr/>
+        </p:nvSpPr>
+        <p:spPr>
+          <a:xfrm>
+            <a:off x="9404350" y="51629"/>
+            <a:ext cx="2489200" cy="670019"/>
+          </a:xfrm>
+          <a:prstGeom prst="ellipse">
+            <a:avLst/>
+          </a:prstGeom>
+          <a:solidFill>
+            <a:schemeClr val="accent5">
+              <a:lumMod val="50000"/>
+            </a:schemeClr>
+          </a:solidFill>
+          <a:ln>
+            <a:noFill/>
+          </a:ln>
+        </p:spPr>
+        <p:style>
+          <a:lnRef idx="2">
+            <a:schemeClr val="accent1">
+              <a:shade val="50000"/>
+            </a:schemeClr>
+          </a:lnRef>
+          <a:fillRef idx="1">
+            <a:schemeClr val="accent1"/>
+          </a:fillRef>
+          <a:effectRef idx="0">
+            <a:schemeClr val="accent1"/>
+          </a:effectRef>
+          <a:fontRef idx="minor">
+            <a:schemeClr val="lt1"/>
+          </a:fontRef>
+        </p:style>
+        <p:txBody>
+          <a:bodyPr rtlCol="0" anchor="ctr"/>
+          <a:lstStyle/>
+          <a:p>
+            <a:pPr algn="ctr"/>
+            <a:r>
+              <a:rPr lang="zh-CN" altLang="en-US" sz="2800" b="1" dirty="0">
+                <a:latin typeface="微软雅黑" panose="020B0503020204020204" pitchFamily="34" charset="-122"/>
+                <a:ea typeface="微软雅黑" panose="020B0503020204020204" pitchFamily="34" charset="-122"/>
+              </a:rPr>
+              <a:t>杜</a:t>
             </a:r>
           </a:p>
         </p:txBody>
@@ -10581,7 +11993,7 @@
           <p:cNvPr id="4" name="图片 3">
             <a:extLst>
               <a:ext uri="{FF2B5EF4-FFF2-40B4-BE49-F238E27FC236}">
-                <a16:creationId xmlns:a16="http://schemas.microsoft.com/office/drawing/2014/main" id="{84D102EB-AEF4-4C79-80C9-B08F52D71D08}"/>
+                <a16:creationId xmlns:a16="http://schemas.microsoft.com/office/drawing/2014/main" id="{015841E3-1C9B-4F17-9C1D-9F255062FED1}"/>
               </a:ext>
             </a:extLst>
           </p:cNvPr>
@@ -10591,7 +12003,7 @@
           <p:nvPr/>
         </p:nvPicPr>
         <p:blipFill>
-          <a:blip r:embed="rId3">
+          <a:blip r:embed="rId8">
             <a:extLst>
               <a:ext uri="{28A0092B-C50C-407E-A947-70E740481C1C}">
                 <a14:useLocalDpi xmlns:a14="http://schemas.microsoft.com/office/drawing/2010/main" val="0"/>
@@ -10604,8 +12016,8 @@
         </p:blipFill>
         <p:spPr>
           <a:xfrm>
-            <a:off x="4030292" y="952847"/>
-            <a:ext cx="8161708" cy="5905153"/>
+            <a:off x="59458" y="1010587"/>
+            <a:ext cx="5184326" cy="5599260"/>
           </a:xfrm>
           <a:prstGeom prst="rect">
             <a:avLst/>
@@ -10614,20 +12026,70 @@
       </p:pic>
       <p:sp>
         <p:nvSpPr>
-          <p:cNvPr id="9" name="Text6">
+          <p:cNvPr id="9" name="文本框 8">
             <a:extLst>
               <a:ext uri="{FF2B5EF4-FFF2-40B4-BE49-F238E27FC236}">
-                <a16:creationId xmlns:a16="http://schemas.microsoft.com/office/drawing/2014/main" id="{D91EAE7F-4204-48C5-B8CA-C484304641BB}"/>
+                <a16:creationId xmlns:a16="http://schemas.microsoft.com/office/drawing/2014/main" id="{F5D9188D-8132-44F8-9A03-3EF6DA16FACB}"/>
               </a:ext>
             </a:extLst>
           </p:cNvPr>
           <p:cNvSpPr txBox="1"/>
-          <p:nvPr/>
+          <p:nvPr>
+            <p:custDataLst>
+              <p:tags r:id="rId1"/>
+            </p:custDataLst>
+          </p:nvPr>
         </p:nvSpPr>
         <p:spPr>
           <a:xfrm>
-            <a:off x="0" y="1020230"/>
-            <a:ext cx="4838700" cy="2068851"/>
+            <a:off x="5053077" y="5462213"/>
+            <a:ext cx="3814392" cy="461665"/>
+          </a:xfrm>
+          <a:prstGeom prst="rect">
+            <a:avLst/>
+          </a:prstGeom>
+          <a:noFill/>
+        </p:spPr>
+        <p:txBody>
+          <a:bodyPr wrap="square" rtlCol="0">
+            <a:spAutoFit/>
+          </a:bodyPr>
+          <a:lstStyle/>
+          <a:p>
+            <a:pPr marL="457200" indent="-457200">
+              <a:buFont typeface="Wingdings" panose="05000000000000000000" pitchFamily="2" charset="2"/>
+              <a:buChar char="l"/>
+            </a:pPr>
+            <a:r>
+              <a:rPr lang="zh-CN" altLang="en-US" sz="2400" b="1" dirty="0">
+                <a:latin typeface="微软雅黑" panose="020B0503020204020204" charset="-122"/>
+                <a:ea typeface="微软雅黑" panose="020B0503020204020204" charset="-122"/>
+              </a:rPr>
+              <a:t>应用价值</a:t>
+            </a:r>
+          </a:p>
+        </p:txBody>
+      </p:sp>
+      <p:sp>
+        <p:nvSpPr>
+          <p:cNvPr id="11" name="文本框 10">
+            <a:extLst>
+              <a:ext uri="{FF2B5EF4-FFF2-40B4-BE49-F238E27FC236}">
+                <a16:creationId xmlns:a16="http://schemas.microsoft.com/office/drawing/2014/main" id="{30D97E3D-080C-4E35-8750-4654E4CBCE73}"/>
+              </a:ext>
+            </a:extLst>
+          </p:cNvPr>
+          <p:cNvSpPr txBox="1"/>
+          <p:nvPr>
+            <p:custDataLst>
+              <p:tags r:id="rId2"/>
+            </p:custDataLst>
+          </p:nvPr>
+        </p:nvSpPr>
+        <p:spPr>
+          <a:xfrm>
+            <a:off x="5053077" y="5868868"/>
+            <a:ext cx="5312850" cy="397994"/>
           </a:xfrm>
           <a:prstGeom prst="rect">
             <a:avLst/>
@@ -10638,109 +12100,518 @@
           <a:bodyPr wrap="square" rtlCol="0">
             <a:noAutofit/>
           </a:bodyPr>
-          <a:lstStyle>
-            <a:defPPr>
-              <a:defRPr lang="en-US"/>
-            </a:defPPr>
-            <a:lvl1pPr marL="0" algn="l" defTabSz="914400" rtl="0" eaLnBrk="1" latinLnBrk="0" hangingPunct="1">
-              <a:defRPr sz="1800" kern="1200">
-                <a:solidFill>
-                  <a:schemeClr val="tx1"/>
-                </a:solidFill>
-                <a:latin typeface="+mn-lt"/>
-                <a:ea typeface="+mn-ea"/>
-                <a:cs typeface="+mn-cs"/>
-              </a:defRPr>
-            </a:lvl1pPr>
-            <a:lvl2pPr marL="457200" algn="l" defTabSz="914400" rtl="0" eaLnBrk="1" latinLnBrk="0" hangingPunct="1">
-              <a:defRPr sz="1800" kern="1200">
-                <a:solidFill>
-                  <a:schemeClr val="tx1"/>
-                </a:solidFill>
-                <a:latin typeface="+mn-lt"/>
-                <a:ea typeface="+mn-ea"/>
-                <a:cs typeface="+mn-cs"/>
-              </a:defRPr>
-            </a:lvl2pPr>
-            <a:lvl3pPr marL="914400" algn="l" defTabSz="914400" rtl="0" eaLnBrk="1" latinLnBrk="0" hangingPunct="1">
-              <a:defRPr sz="1800" kern="1200">
-                <a:solidFill>
-                  <a:schemeClr val="tx1"/>
-                </a:solidFill>
-                <a:latin typeface="+mn-lt"/>
-                <a:ea typeface="+mn-ea"/>
-                <a:cs typeface="+mn-cs"/>
-              </a:defRPr>
-            </a:lvl3pPr>
-            <a:lvl4pPr marL="1371600" algn="l" defTabSz="914400" rtl="0" eaLnBrk="1" latinLnBrk="0" hangingPunct="1">
-              <a:defRPr sz="1800" kern="1200">
-                <a:solidFill>
-                  <a:schemeClr val="tx1"/>
-                </a:solidFill>
-                <a:latin typeface="+mn-lt"/>
-                <a:ea typeface="+mn-ea"/>
-                <a:cs typeface="+mn-cs"/>
-              </a:defRPr>
-            </a:lvl4pPr>
-            <a:lvl5pPr marL="1828800" algn="l" defTabSz="914400" rtl="0" eaLnBrk="1" latinLnBrk="0" hangingPunct="1">
-              <a:defRPr sz="1800" kern="1200">
-                <a:solidFill>
-                  <a:schemeClr val="tx1"/>
-                </a:solidFill>
-                <a:latin typeface="+mn-lt"/>
-                <a:ea typeface="+mn-ea"/>
-                <a:cs typeface="+mn-cs"/>
-              </a:defRPr>
-            </a:lvl5pPr>
-            <a:lvl6pPr marL="2286000" algn="l" defTabSz="914400" rtl="0" eaLnBrk="1" latinLnBrk="0" hangingPunct="1">
-              <a:defRPr sz="1800" kern="1200">
-                <a:solidFill>
-                  <a:schemeClr val="tx1"/>
-                </a:solidFill>
-                <a:latin typeface="+mn-lt"/>
-                <a:ea typeface="+mn-ea"/>
-                <a:cs typeface="+mn-cs"/>
-              </a:defRPr>
-            </a:lvl6pPr>
-            <a:lvl7pPr marL="2743200" algn="l" defTabSz="914400" rtl="0" eaLnBrk="1" latinLnBrk="0" hangingPunct="1">
-              <a:defRPr sz="1800" kern="1200">
-                <a:solidFill>
-                  <a:schemeClr val="tx1"/>
-                </a:solidFill>
-                <a:latin typeface="+mn-lt"/>
-                <a:ea typeface="+mn-ea"/>
-                <a:cs typeface="+mn-cs"/>
-              </a:defRPr>
-            </a:lvl7pPr>
-            <a:lvl8pPr marL="3200400" algn="l" defTabSz="914400" rtl="0" eaLnBrk="1" latinLnBrk="0" hangingPunct="1">
-              <a:defRPr sz="1800" kern="1200">
-                <a:solidFill>
-                  <a:schemeClr val="tx1"/>
-                </a:solidFill>
-                <a:latin typeface="+mn-lt"/>
-                <a:ea typeface="+mn-ea"/>
-                <a:cs typeface="+mn-cs"/>
-              </a:defRPr>
-            </a:lvl8pPr>
-            <a:lvl9pPr marL="3657600" algn="l" defTabSz="914400" rtl="0" eaLnBrk="1" latinLnBrk="0" hangingPunct="1">
-              <a:defRPr sz="1800" kern="1200">
-                <a:solidFill>
-                  <a:schemeClr val="tx1"/>
-                </a:solidFill>
-                <a:latin typeface="+mn-lt"/>
-                <a:ea typeface="+mn-ea"/>
-                <a:cs typeface="+mn-cs"/>
-              </a:defRPr>
-            </a:lvl9pPr>
-          </a:lstStyle>
-          <a:p>
-            <a:r>
-              <a:rPr lang="zh-CN" altLang="en-US" sz="2400" dirty="0">
+          <a:lstStyle/>
+          <a:p>
+            <a:pPr indent="0">
+              <a:buFont typeface="Wingdings" panose="05000000000000000000" pitchFamily="2" charset="2"/>
+              <a:buNone/>
+            </a:pPr>
+            <a:r>
+              <a:rPr lang="zh-CN" altLang="en-US" sz="2000" b="1" dirty="0">
+                <a:latin typeface="微软雅黑" panose="020B0503020204020204" charset="-122"/>
+                <a:ea typeface="微软雅黑" panose="020B0503020204020204" charset="-122"/>
+              </a:rPr>
+              <a:t>为武装押运提供实时的位置信息</a:t>
+            </a:r>
+          </a:p>
+        </p:txBody>
+      </p:sp>
+      <p:sp>
+        <p:nvSpPr>
+          <p:cNvPr id="12" name="文本框 11">
+            <a:extLst>
+              <a:ext uri="{FF2B5EF4-FFF2-40B4-BE49-F238E27FC236}">
+                <a16:creationId xmlns:a16="http://schemas.microsoft.com/office/drawing/2014/main" id="{F5413099-7048-4765-9242-D984E8EE792B}"/>
+              </a:ext>
+            </a:extLst>
+          </p:cNvPr>
+          <p:cNvSpPr txBox="1"/>
+          <p:nvPr/>
+        </p:nvSpPr>
+        <p:spPr>
+          <a:xfrm>
+            <a:off x="5041022" y="2343251"/>
+            <a:ext cx="3814392" cy="461665"/>
+          </a:xfrm>
+          <a:prstGeom prst="rect">
+            <a:avLst/>
+          </a:prstGeom>
+          <a:noFill/>
+        </p:spPr>
+        <p:txBody>
+          <a:bodyPr wrap="square" rtlCol="0">
+            <a:spAutoFit/>
+          </a:bodyPr>
+          <a:lstStyle/>
+          <a:p>
+            <a:pPr marL="457200" indent="-457200">
+              <a:buFont typeface="Wingdings" panose="05000000000000000000" pitchFamily="2" charset="2"/>
+              <a:buChar char="l"/>
+            </a:pPr>
+            <a:r>
+              <a:rPr lang="zh-CN" altLang="en-US" sz="2400" b="1" dirty="0">
+                <a:latin typeface="微软雅黑" panose="020B0503020204020204" charset="-122"/>
+                <a:ea typeface="微软雅黑" panose="020B0503020204020204" charset="-122"/>
+              </a:rPr>
+              <a:t>实体</a:t>
+            </a:r>
+          </a:p>
+        </p:txBody>
+      </p:sp>
+      <p:sp>
+        <p:nvSpPr>
+          <p:cNvPr id="13" name="文本框 12">
+            <a:extLst>
+              <a:ext uri="{FF2B5EF4-FFF2-40B4-BE49-F238E27FC236}">
+                <a16:creationId xmlns:a16="http://schemas.microsoft.com/office/drawing/2014/main" id="{5407BADE-4706-4357-A5D8-373BF2B9629E}"/>
+              </a:ext>
+            </a:extLst>
+          </p:cNvPr>
+          <p:cNvSpPr txBox="1"/>
+          <p:nvPr>
+            <p:custDataLst>
+              <p:tags r:id="rId3"/>
+            </p:custDataLst>
+          </p:nvPr>
+        </p:nvSpPr>
+        <p:spPr>
+          <a:xfrm>
+            <a:off x="5053077" y="2735359"/>
+            <a:ext cx="6767641" cy="2918516"/>
+          </a:xfrm>
+          <a:prstGeom prst="rect">
+            <a:avLst/>
+          </a:prstGeom>
+          <a:noFill/>
+        </p:spPr>
+        <p:txBody>
+          <a:bodyPr wrap="square" rtlCol="0">
+            <a:noAutofit/>
+          </a:bodyPr>
+          <a:lstStyle/>
+          <a:p>
+            <a:pPr indent="0">
+              <a:buFont typeface="Wingdings" panose="05000000000000000000" pitchFamily="2" charset="2"/>
+              <a:buNone/>
+            </a:pPr>
+            <a:r>
+              <a:rPr lang="en-US" altLang="zh-CN" b="1" dirty="0">
+                <a:latin typeface="微软雅黑" panose="020B0503020204020204" charset="-122"/>
+                <a:ea typeface="微软雅黑" panose="020B0503020204020204" charset="-122"/>
+              </a:rPr>
+              <a:t>1.GPS</a:t>
+            </a:r>
+            <a:r>
+              <a:rPr lang="zh-CN" altLang="en-US" b="1" dirty="0">
+                <a:latin typeface="微软雅黑" panose="020B0503020204020204" charset="-122"/>
+                <a:ea typeface="微软雅黑" panose="020B0503020204020204" charset="-122"/>
+              </a:rPr>
+              <a:t>卫星：发送</a:t>
+            </a:r>
+            <a:r>
+              <a:rPr lang="en-US" altLang="zh-CN" b="1" dirty="0">
+                <a:latin typeface="微软雅黑" panose="020B0503020204020204" charset="-122"/>
+                <a:ea typeface="微软雅黑" panose="020B0503020204020204" charset="-122"/>
+              </a:rPr>
+              <a:t>GPS</a:t>
+            </a:r>
+            <a:r>
+              <a:rPr lang="zh-CN" altLang="en-US" b="1" dirty="0">
+                <a:latin typeface="微软雅黑" panose="020B0503020204020204" charset="-122"/>
+                <a:ea typeface="微软雅黑" panose="020B0503020204020204" charset="-122"/>
+              </a:rPr>
+              <a:t>信号给基准站和车载终端</a:t>
+            </a:r>
+            <a:endParaRPr lang="en-US" altLang="zh-CN" b="1" dirty="0">
+              <a:latin typeface="微软雅黑" panose="020B0503020204020204" charset="-122"/>
+              <a:ea typeface="微软雅黑" panose="020B0503020204020204" charset="-122"/>
+            </a:endParaRPr>
+          </a:p>
+          <a:p>
+            <a:pPr indent="0">
+              <a:buFont typeface="Wingdings" panose="05000000000000000000" pitchFamily="2" charset="2"/>
+              <a:buNone/>
+            </a:pPr>
+            <a:endParaRPr lang="zh-CN" altLang="en-US" b="1" dirty="0">
+              <a:latin typeface="微软雅黑" panose="020B0503020204020204" charset="-122"/>
+              <a:ea typeface="微软雅黑" panose="020B0503020204020204" charset="-122"/>
+            </a:endParaRPr>
+          </a:p>
+          <a:p>
+            <a:pPr indent="0">
+              <a:buFont typeface="Wingdings" panose="05000000000000000000" pitchFamily="2" charset="2"/>
+              <a:buNone/>
+            </a:pPr>
+            <a:r>
+              <a:rPr lang="en-US" altLang="zh-CN" b="1" dirty="0">
+                <a:latin typeface="微软雅黑" panose="020B0503020204020204" charset="-122"/>
+                <a:ea typeface="微软雅黑" panose="020B0503020204020204" charset="-122"/>
+                <a:sym typeface="+mn-ea"/>
+              </a:rPr>
+              <a:t>2.</a:t>
+            </a:r>
+            <a:r>
+              <a:rPr lang="zh-CN" altLang="en-US" b="1" dirty="0">
+                <a:latin typeface="微软雅黑" panose="020B0503020204020204" charset="-122"/>
+                <a:ea typeface="微软雅黑" panose="020B0503020204020204" charset="-122"/>
+                <a:sym typeface="+mn-ea"/>
+              </a:rPr>
+              <a:t>基准站：将接收到的</a:t>
+            </a:r>
+            <a:r>
+              <a:rPr lang="en-US" altLang="zh-CN" b="1" dirty="0">
+                <a:latin typeface="微软雅黑" panose="020B0503020204020204" charset="-122"/>
+                <a:ea typeface="微软雅黑" panose="020B0503020204020204" charset="-122"/>
+                <a:sym typeface="+mn-ea"/>
+              </a:rPr>
+              <a:t>GPS</a:t>
+            </a:r>
+            <a:r>
+              <a:rPr lang="zh-CN" altLang="en-US" b="1" dirty="0">
+                <a:latin typeface="微软雅黑" panose="020B0503020204020204" charset="-122"/>
+                <a:ea typeface="微软雅黑" panose="020B0503020204020204" charset="-122"/>
+                <a:sym typeface="+mn-ea"/>
+              </a:rPr>
+              <a:t>信号差分处理后发送给云端服务器</a:t>
+            </a:r>
+            <a:endParaRPr lang="en-US" altLang="zh-CN" b="1" dirty="0">
+              <a:latin typeface="微软雅黑" panose="020B0503020204020204" charset="-122"/>
+              <a:ea typeface="微软雅黑" panose="020B0503020204020204" charset="-122"/>
+              <a:sym typeface="+mn-ea"/>
+            </a:endParaRPr>
+          </a:p>
+          <a:p>
+            <a:pPr indent="0">
+              <a:buFont typeface="Wingdings" panose="05000000000000000000" pitchFamily="2" charset="2"/>
+              <a:buNone/>
+            </a:pPr>
+            <a:endParaRPr lang="en-US" altLang="zh-CN" b="1" dirty="0">
+              <a:latin typeface="微软雅黑" panose="020B0503020204020204" charset="-122"/>
+              <a:ea typeface="微软雅黑" panose="020B0503020204020204" charset="-122"/>
+              <a:sym typeface="+mn-ea"/>
+            </a:endParaRPr>
+          </a:p>
+          <a:p>
+            <a:pPr indent="0">
+              <a:buFont typeface="Wingdings" panose="05000000000000000000" pitchFamily="2" charset="2"/>
+              <a:buNone/>
+            </a:pPr>
+            <a:r>
+              <a:rPr lang="en-US" altLang="zh-CN" b="1" dirty="0">
+                <a:latin typeface="微软雅黑" panose="020B0503020204020204" charset="-122"/>
+                <a:ea typeface="微软雅黑" panose="020B0503020204020204" charset="-122"/>
+                <a:sym typeface="+mn-ea"/>
+              </a:rPr>
+              <a:t>3.</a:t>
+            </a:r>
+            <a:r>
+              <a:rPr lang="zh-CN" altLang="en-US" b="1" dirty="0">
+                <a:latin typeface="微软雅黑" panose="020B0503020204020204" charset="-122"/>
+                <a:ea typeface="微软雅黑" panose="020B0503020204020204" charset="-122"/>
+              </a:rPr>
+              <a:t>车载</a:t>
+            </a:r>
+            <a:r>
+              <a:rPr lang="en-US" altLang="zh-CN" b="1" dirty="0">
+                <a:latin typeface="微软雅黑" panose="020B0503020204020204" charset="-122"/>
+                <a:ea typeface="微软雅黑" panose="020B0503020204020204" charset="-122"/>
+              </a:rPr>
+              <a:t>GPS</a:t>
+            </a:r>
+            <a:r>
+              <a:rPr lang="zh-CN" altLang="en-US" b="1" dirty="0">
+                <a:latin typeface="微软雅黑" panose="020B0503020204020204" charset="-122"/>
+                <a:ea typeface="微软雅黑" panose="020B0503020204020204" charset="-122"/>
+              </a:rPr>
+              <a:t>终端：接受卫星的信号和云端服务器的差分信号，解算出坐标，并将坐标回馈给云端服务器</a:t>
+            </a:r>
+            <a:endParaRPr lang="en-US" altLang="zh-CN" b="1" dirty="0">
+              <a:latin typeface="微软雅黑" panose="020B0503020204020204" charset="-122"/>
+              <a:ea typeface="微软雅黑" panose="020B0503020204020204" charset="-122"/>
+            </a:endParaRPr>
+          </a:p>
+          <a:p>
+            <a:pPr indent="0">
+              <a:buFont typeface="Wingdings" panose="05000000000000000000" pitchFamily="2" charset="2"/>
+              <a:buNone/>
+            </a:pPr>
+            <a:endParaRPr lang="en-US" altLang="zh-CN" b="1" dirty="0">
+              <a:latin typeface="微软雅黑" panose="020B0503020204020204" charset="-122"/>
+              <a:ea typeface="微软雅黑" panose="020B0503020204020204" charset="-122"/>
+            </a:endParaRPr>
+          </a:p>
+          <a:p>
+            <a:pPr indent="0">
+              <a:buFont typeface="Wingdings" panose="05000000000000000000" pitchFamily="2" charset="2"/>
+              <a:buNone/>
+            </a:pPr>
+            <a:r>
+              <a:rPr lang="en-US" altLang="zh-CN" b="1" dirty="0">
+                <a:latin typeface="微软雅黑" panose="020B0503020204020204" charset="-122"/>
+                <a:ea typeface="微软雅黑" panose="020B0503020204020204" charset="-122"/>
+                <a:sym typeface="+mn-ea"/>
+              </a:rPr>
+              <a:t>4.</a:t>
+            </a:r>
+            <a:r>
+              <a:rPr lang="zh-CN" altLang="en-US" b="1" dirty="0">
+                <a:latin typeface="微软雅黑" panose="020B0503020204020204" charset="-122"/>
+                <a:ea typeface="微软雅黑" panose="020B0503020204020204" charset="-122"/>
+                <a:sym typeface="+mn-ea"/>
+              </a:rPr>
+              <a:t>云端服务器：差分处理</a:t>
+            </a:r>
+            <a:r>
+              <a:rPr lang="en-US" altLang="zh-CN" b="1" dirty="0">
+                <a:latin typeface="微软雅黑" panose="020B0503020204020204" charset="-122"/>
+                <a:ea typeface="微软雅黑" panose="020B0503020204020204" charset="-122"/>
+                <a:sym typeface="+mn-ea"/>
+              </a:rPr>
+              <a:t>GPS</a:t>
+            </a:r>
+            <a:r>
+              <a:rPr lang="zh-CN" altLang="en-US" b="1" dirty="0">
+                <a:latin typeface="微软雅黑" panose="020B0503020204020204" charset="-122"/>
+                <a:ea typeface="微软雅黑" panose="020B0503020204020204" charset="-122"/>
+                <a:sym typeface="+mn-ea"/>
+              </a:rPr>
+              <a:t>信号发送给车载</a:t>
+            </a:r>
+            <a:r>
+              <a:rPr lang="en-US" altLang="zh-CN" b="1" dirty="0">
+                <a:latin typeface="微软雅黑" panose="020B0503020204020204" charset="-122"/>
+                <a:ea typeface="微软雅黑" panose="020B0503020204020204" charset="-122"/>
+                <a:sym typeface="+mn-ea"/>
+              </a:rPr>
+              <a:t>GPS</a:t>
+            </a:r>
+            <a:r>
+              <a:rPr lang="zh-CN" altLang="en-US" b="1" dirty="0">
+                <a:latin typeface="微软雅黑" panose="020B0503020204020204" charset="-122"/>
+                <a:ea typeface="微软雅黑" panose="020B0503020204020204" charset="-122"/>
+                <a:sym typeface="+mn-ea"/>
+              </a:rPr>
+              <a:t>终端和将车辆实时位置发送给用户</a:t>
+            </a:r>
+            <a:endParaRPr lang="zh-CN" altLang="en-US" b="1" dirty="0">
+              <a:latin typeface="微软雅黑" panose="020B0503020204020204" charset="-122"/>
+              <a:ea typeface="微软雅黑" panose="020B0503020204020204" charset="-122"/>
+            </a:endParaRPr>
+          </a:p>
+          <a:p>
+            <a:pPr indent="0">
+              <a:buFont typeface="Wingdings" panose="05000000000000000000" pitchFamily="2" charset="2"/>
+              <a:buNone/>
+            </a:pPr>
+            <a:endParaRPr lang="zh-CN" altLang="en-US" sz="2000" b="1" dirty="0">
+              <a:latin typeface="微软雅黑" panose="020B0503020204020204" charset="-122"/>
+              <a:ea typeface="微软雅黑" panose="020B0503020204020204" charset="-122"/>
+            </a:endParaRPr>
+          </a:p>
+        </p:txBody>
+      </p:sp>
+      <p:sp>
+        <p:nvSpPr>
+          <p:cNvPr id="14" name="文本框 13">
+            <a:extLst>
+              <a:ext uri="{FF2B5EF4-FFF2-40B4-BE49-F238E27FC236}">
+                <a16:creationId xmlns:a16="http://schemas.microsoft.com/office/drawing/2014/main" id="{9B5FB4D0-9711-4735-B845-ACA799D940C4}"/>
+              </a:ext>
+            </a:extLst>
+          </p:cNvPr>
+          <p:cNvSpPr txBox="1"/>
+          <p:nvPr>
+            <p:custDataLst>
+              <p:tags r:id="rId4"/>
+            </p:custDataLst>
+          </p:nvPr>
+        </p:nvSpPr>
+        <p:spPr>
+          <a:xfrm>
+            <a:off x="5041022" y="905420"/>
+            <a:ext cx="3814392" cy="461665"/>
+          </a:xfrm>
+          <a:prstGeom prst="rect">
+            <a:avLst/>
+          </a:prstGeom>
+          <a:noFill/>
+        </p:spPr>
+        <p:txBody>
+          <a:bodyPr wrap="square" rtlCol="0">
+            <a:spAutoFit/>
+          </a:bodyPr>
+          <a:lstStyle/>
+          <a:p>
+            <a:pPr marL="457200" indent="-457200">
+              <a:buFont typeface="Wingdings" panose="05000000000000000000" pitchFamily="2" charset="2"/>
+              <a:buChar char="l"/>
+            </a:pPr>
+            <a:r>
+              <a:rPr lang="zh-CN" altLang="en-US" sz="2400" b="1" dirty="0">
+                <a:latin typeface="微软雅黑" panose="020B0503020204020204" charset="-122"/>
+                <a:ea typeface="微软雅黑" panose="020B0503020204020204" charset="-122"/>
+              </a:rPr>
+              <a:t>存在问题</a:t>
+            </a:r>
+          </a:p>
+        </p:txBody>
+      </p:sp>
+      <p:sp>
+        <p:nvSpPr>
+          <p:cNvPr id="15" name="文本框 14">
+            <a:extLst>
+              <a:ext uri="{FF2B5EF4-FFF2-40B4-BE49-F238E27FC236}">
+                <a16:creationId xmlns:a16="http://schemas.microsoft.com/office/drawing/2014/main" id="{E20BF2EF-247E-4475-B7CF-64185E95C580}"/>
+              </a:ext>
+            </a:extLst>
+          </p:cNvPr>
+          <p:cNvSpPr txBox="1"/>
+          <p:nvPr>
+            <p:custDataLst>
+              <p:tags r:id="rId5"/>
+            </p:custDataLst>
+          </p:nvPr>
+        </p:nvSpPr>
+        <p:spPr>
+          <a:xfrm>
+            <a:off x="5041022" y="1357001"/>
+            <a:ext cx="7068720" cy="986250"/>
+          </a:xfrm>
+          <a:prstGeom prst="rect">
+            <a:avLst/>
+          </a:prstGeom>
+          <a:noFill/>
+        </p:spPr>
+        <p:txBody>
+          <a:bodyPr wrap="square" rtlCol="0">
+            <a:noAutofit/>
+          </a:bodyPr>
+          <a:lstStyle/>
+          <a:p>
+            <a:pPr indent="0">
+              <a:buFont typeface="Wingdings" panose="05000000000000000000" pitchFamily="2" charset="2"/>
+              <a:buNone/>
+            </a:pPr>
+            <a:r>
+              <a:rPr lang="en-US" b="1" dirty="0">
+                <a:latin typeface="微软雅黑" panose="020B0503020204020204" charset="-122"/>
+                <a:ea typeface="微软雅黑" panose="020B0503020204020204" charset="-122"/>
+              </a:rPr>
+              <a:t>1</a:t>
+            </a:r>
+            <a:r>
+              <a:rPr lang="zh-CN" altLang="en-US" b="1" dirty="0">
+                <a:latin typeface="微软雅黑" panose="020B0503020204020204" charset="-122"/>
+                <a:ea typeface="微软雅黑" panose="020B0503020204020204" charset="-122"/>
+              </a:rPr>
+              <a:t>、穿越密集的高楼，因多径效应等干扰，定位精度大打折扣</a:t>
+            </a:r>
+          </a:p>
+          <a:p>
+            <a:pPr indent="0">
+              <a:buFont typeface="Wingdings" panose="05000000000000000000" pitchFamily="2" charset="2"/>
+              <a:buNone/>
+            </a:pPr>
+            <a:r>
+              <a:rPr lang="en-US" altLang="zh-CN" b="1" dirty="0">
+                <a:latin typeface="微软雅黑" panose="020B0503020204020204" charset="-122"/>
+                <a:ea typeface="微软雅黑" panose="020B0503020204020204" charset="-122"/>
+              </a:rPr>
+              <a:t>2</a:t>
+            </a:r>
+            <a:r>
+              <a:rPr lang="zh-CN" altLang="en-US" b="1" dirty="0">
+                <a:latin typeface="微软雅黑" panose="020B0503020204020204" charset="-122"/>
+                <a:ea typeface="微软雅黑" panose="020B0503020204020204" charset="-122"/>
+              </a:rPr>
+              <a:t>、进入隧道后由于</a:t>
+            </a:r>
+            <a:r>
+              <a:rPr lang="en-US" altLang="zh-CN" b="1" dirty="0">
+                <a:latin typeface="微软雅黑" panose="020B0503020204020204" charset="-122"/>
+                <a:ea typeface="微软雅黑" panose="020B0503020204020204" charset="-122"/>
+              </a:rPr>
+              <a:t>GPS</a:t>
+            </a:r>
+            <a:r>
+              <a:rPr lang="zh-CN" altLang="en-US" b="1" dirty="0">
+                <a:latin typeface="微软雅黑" panose="020B0503020204020204" charset="-122"/>
+                <a:ea typeface="微软雅黑" panose="020B0503020204020204" charset="-122"/>
+              </a:rPr>
+              <a:t>信号的衰弱，切换到基准定位时延过高</a:t>
+            </a:r>
+          </a:p>
+          <a:p>
+            <a:pPr indent="0">
+              <a:buFont typeface="Wingdings" panose="05000000000000000000" pitchFamily="2" charset="2"/>
+              <a:buNone/>
+            </a:pPr>
+            <a:r>
+              <a:rPr lang="en-US" altLang="zh-CN" b="1" dirty="0">
+                <a:latin typeface="微软雅黑" panose="020B0503020204020204" charset="-122"/>
+                <a:ea typeface="微软雅黑" panose="020B0503020204020204" charset="-122"/>
+              </a:rPr>
+              <a:t>3</a:t>
+            </a:r>
+            <a:r>
+              <a:rPr lang="zh-CN" altLang="en-US" b="1" dirty="0">
+                <a:latin typeface="微软雅黑" panose="020B0503020204020204" charset="-122"/>
+                <a:ea typeface="微软雅黑" panose="020B0503020204020204" charset="-122"/>
+              </a:rPr>
+              <a:t>、过度依赖国外的硬件资源，如</a:t>
+            </a:r>
+            <a:r>
+              <a:rPr lang="en-US" altLang="zh-CN" b="1" dirty="0">
+                <a:latin typeface="微软雅黑" panose="020B0503020204020204" charset="-122"/>
+                <a:ea typeface="微软雅黑" panose="020B0503020204020204" charset="-122"/>
+              </a:rPr>
+              <a:t>GPS</a:t>
+            </a:r>
+            <a:r>
+              <a:rPr lang="zh-CN" altLang="en-US" b="1" dirty="0">
+                <a:latin typeface="微软雅黑" panose="020B0503020204020204" charset="-122"/>
+                <a:ea typeface="微软雅黑" panose="020B0503020204020204" charset="-122"/>
+              </a:rPr>
+              <a:t>卫星</a:t>
+            </a:r>
+          </a:p>
+        </p:txBody>
+      </p:sp>
+      <p:sp>
+        <p:nvSpPr>
+          <p:cNvPr id="18" name="文本框 17">
+            <a:extLst>
+              <a:ext uri="{FF2B5EF4-FFF2-40B4-BE49-F238E27FC236}">
+                <a16:creationId xmlns:a16="http://schemas.microsoft.com/office/drawing/2014/main" id="{1D1F6060-3162-4287-A4AF-B06BB0539B70}"/>
+              </a:ext>
+            </a:extLst>
+          </p:cNvPr>
+          <p:cNvSpPr txBox="1"/>
+          <p:nvPr/>
+        </p:nvSpPr>
+        <p:spPr>
+          <a:xfrm>
+            <a:off x="-21590" y="5949523"/>
+            <a:ext cx="2370147" cy="738664"/>
+          </a:xfrm>
+          <a:prstGeom prst="rect">
+            <a:avLst/>
+          </a:prstGeom>
+          <a:noFill/>
+        </p:spPr>
+        <p:txBody>
+          <a:bodyPr wrap="square">
+            <a:spAutoFit/>
+          </a:bodyPr>
+          <a:lstStyle/>
+          <a:p>
+            <a:r>
+              <a:rPr lang="zh-CN" altLang="en-US" sz="1400" dirty="0">
                 <a:solidFill>
                   <a:srgbClr val="FF0000"/>
                 </a:solidFill>
-                <a:latin typeface="微软雅黑" panose="020B0503020204020204" pitchFamily="34" charset="-122"/>
-                <a:ea typeface="微软雅黑" panose="020B0503020204020204" pitchFamily="34" charset="-122"/>
+                <a:latin typeface="微软雅黑" panose="020B0503020204020204" charset="-122"/>
+                <a:ea typeface="微软雅黑" panose="020B0503020204020204" charset="-122"/>
               </a:rPr>
               <a:t>注：在实际定位中，云端服务器、卫星和基准站的个数通常不止一个</a:t>
             </a:r>
@@ -10760,7 +12631,7 @@
 </p:sld>
 </file>
 
-<file path=ppt/slides/slide5.xml><?xml version="1.0" encoding="utf-8"?>
+<file path=ppt/slides/slide6.xml><?xml version="1.0" encoding="utf-8"?>
 <p:sld xmlns:a="http://schemas.openxmlformats.org/drawingml/2006/main" xmlns:r="http://schemas.openxmlformats.org/officeDocument/2006/relationships" xmlns:p="http://schemas.openxmlformats.org/presentationml/2006/main">
   <p:cSld>
     <p:spTree>
@@ -12705,6 +14576,66 @@
           </a:p>
         </p:txBody>
       </p:sp>
+      <p:sp>
+        <p:nvSpPr>
+          <p:cNvPr id="17" name="椭圆 16">
+            <a:extLst>
+              <a:ext uri="{FF2B5EF4-FFF2-40B4-BE49-F238E27FC236}">
+                <a16:creationId xmlns:a16="http://schemas.microsoft.com/office/drawing/2014/main" id="{6340F54B-F774-489F-AC0D-20B2C020799C}"/>
+              </a:ext>
+            </a:extLst>
+          </p:cNvPr>
+          <p:cNvSpPr/>
+          <p:nvPr/>
+        </p:nvSpPr>
+        <p:spPr>
+          <a:xfrm>
+            <a:off x="9404350" y="51629"/>
+            <a:ext cx="2489200" cy="670019"/>
+          </a:xfrm>
+          <a:prstGeom prst="ellipse">
+            <a:avLst/>
+          </a:prstGeom>
+          <a:solidFill>
+            <a:schemeClr val="accent5">
+              <a:lumMod val="50000"/>
+            </a:schemeClr>
+          </a:solidFill>
+          <a:ln>
+            <a:noFill/>
+          </a:ln>
+        </p:spPr>
+        <p:style>
+          <a:lnRef idx="2">
+            <a:schemeClr val="accent1">
+              <a:shade val="50000"/>
+            </a:schemeClr>
+          </a:lnRef>
+          <a:fillRef idx="1">
+            <a:schemeClr val="accent1"/>
+          </a:fillRef>
+          <a:effectRef idx="0">
+            <a:schemeClr val="accent1"/>
+          </a:effectRef>
+          <a:fontRef idx="minor">
+            <a:schemeClr val="lt1"/>
+          </a:fontRef>
+        </p:style>
+        <p:txBody>
+          <a:bodyPr rtlCol="0" anchor="ctr"/>
+          <a:lstStyle/>
+          <a:p>
+            <a:pPr algn="ctr"/>
+            <a:r>
+              <a:rPr lang="zh-CN" altLang="en-US" sz="2800" b="1" dirty="0">
+                <a:latin typeface="微软雅黑" panose="020B0503020204020204" pitchFamily="34" charset="-122"/>
+                <a:ea typeface="微软雅黑" panose="020B0503020204020204" pitchFamily="34" charset="-122"/>
+              </a:rPr>
+              <a:t>杜</a:t>
+            </a:r>
+          </a:p>
+        </p:txBody>
+      </p:sp>
     </p:spTree>
     <p:extLst>
       <p:ext uri="{BB962C8B-B14F-4D97-AF65-F5344CB8AC3E}">
@@ -12718,7 +14649,7 @@
 </p:sld>
 </file>
 
-<file path=ppt/slides/slide6.xml><?xml version="1.0" encoding="utf-8"?>
+<file path=ppt/slides/slide7.xml><?xml version="1.0" encoding="utf-8"?>
 <p:sld xmlns:a="http://schemas.openxmlformats.org/drawingml/2006/main" xmlns:r="http://schemas.openxmlformats.org/officeDocument/2006/relationships" xmlns:p="http://schemas.openxmlformats.org/presentationml/2006/main">
   <p:cSld>
     <p:spTree>
@@ -13803,6 +15734,66 @@
           </a:p>
         </p:txBody>
       </p:sp>
+      <p:sp>
+        <p:nvSpPr>
+          <p:cNvPr id="20" name="椭圆 19">
+            <a:extLst>
+              <a:ext uri="{FF2B5EF4-FFF2-40B4-BE49-F238E27FC236}">
+                <a16:creationId xmlns:a16="http://schemas.microsoft.com/office/drawing/2014/main" id="{A4778857-BCB2-4C39-86B4-5F6D12FD3BCC}"/>
+              </a:ext>
+            </a:extLst>
+          </p:cNvPr>
+          <p:cNvSpPr/>
+          <p:nvPr/>
+        </p:nvSpPr>
+        <p:spPr>
+          <a:xfrm>
+            <a:off x="9404350" y="51629"/>
+            <a:ext cx="2489200" cy="670019"/>
+          </a:xfrm>
+          <a:prstGeom prst="ellipse">
+            <a:avLst/>
+          </a:prstGeom>
+          <a:solidFill>
+            <a:schemeClr val="accent5">
+              <a:lumMod val="50000"/>
+            </a:schemeClr>
+          </a:solidFill>
+          <a:ln>
+            <a:noFill/>
+          </a:ln>
+        </p:spPr>
+        <p:style>
+          <a:lnRef idx="2">
+            <a:schemeClr val="accent1">
+              <a:shade val="50000"/>
+            </a:schemeClr>
+          </a:lnRef>
+          <a:fillRef idx="1">
+            <a:schemeClr val="accent1"/>
+          </a:fillRef>
+          <a:effectRef idx="0">
+            <a:schemeClr val="accent1"/>
+          </a:effectRef>
+          <a:fontRef idx="minor">
+            <a:schemeClr val="lt1"/>
+          </a:fontRef>
+        </p:style>
+        <p:txBody>
+          <a:bodyPr rtlCol="0" anchor="ctr"/>
+          <a:lstStyle/>
+          <a:p>
+            <a:pPr algn="ctr"/>
+            <a:r>
+              <a:rPr lang="zh-CN" altLang="en-US" sz="2800" b="1" dirty="0">
+                <a:latin typeface="微软雅黑" panose="020B0503020204020204" pitchFamily="34" charset="-122"/>
+                <a:ea typeface="微软雅黑" panose="020B0503020204020204" pitchFamily="34" charset="-122"/>
+              </a:rPr>
+              <a:t>杜</a:t>
+            </a:r>
+          </a:p>
+        </p:txBody>
+      </p:sp>
     </p:spTree>
     <p:extLst>
       <p:ext uri="{BB962C8B-B14F-4D97-AF65-F5344CB8AC3E}">
@@ -13816,7 +15807,7 @@
 </p:sld>
 </file>
 
-<file path=ppt/slides/slide7.xml><?xml version="1.0" encoding="utf-8"?>
+<file path=ppt/slides/slide8.xml><?xml version="1.0" encoding="utf-8"?>
 <p:sld xmlns:a="http://schemas.openxmlformats.org/drawingml/2006/main" xmlns:r="http://schemas.openxmlformats.org/officeDocument/2006/relationships" xmlns:p="http://schemas.openxmlformats.org/presentationml/2006/main">
   <p:cSld>
     <p:spTree>
@@ -15013,6 +17004,66 @@
           </a:p>
         </p:txBody>
       </p:sp>
+      <p:sp>
+        <p:nvSpPr>
+          <p:cNvPr id="26" name="椭圆 25">
+            <a:extLst>
+              <a:ext uri="{FF2B5EF4-FFF2-40B4-BE49-F238E27FC236}">
+                <a16:creationId xmlns:a16="http://schemas.microsoft.com/office/drawing/2014/main" id="{12C43678-C852-4C51-8CEB-A5E06CD0CDE4}"/>
+              </a:ext>
+            </a:extLst>
+          </p:cNvPr>
+          <p:cNvSpPr/>
+          <p:nvPr/>
+        </p:nvSpPr>
+        <p:spPr>
+          <a:xfrm>
+            <a:off x="9404350" y="51629"/>
+            <a:ext cx="2489200" cy="670019"/>
+          </a:xfrm>
+          <a:prstGeom prst="ellipse">
+            <a:avLst/>
+          </a:prstGeom>
+          <a:solidFill>
+            <a:schemeClr val="accent5">
+              <a:lumMod val="50000"/>
+            </a:schemeClr>
+          </a:solidFill>
+          <a:ln>
+            <a:noFill/>
+          </a:ln>
+        </p:spPr>
+        <p:style>
+          <a:lnRef idx="2">
+            <a:schemeClr val="accent1">
+              <a:shade val="50000"/>
+            </a:schemeClr>
+          </a:lnRef>
+          <a:fillRef idx="1">
+            <a:schemeClr val="accent1"/>
+          </a:fillRef>
+          <a:effectRef idx="0">
+            <a:schemeClr val="accent1"/>
+          </a:effectRef>
+          <a:fontRef idx="minor">
+            <a:schemeClr val="lt1"/>
+          </a:fontRef>
+        </p:style>
+        <p:txBody>
+          <a:bodyPr rtlCol="0" anchor="ctr"/>
+          <a:lstStyle/>
+          <a:p>
+            <a:pPr algn="ctr"/>
+            <a:r>
+              <a:rPr lang="zh-CN" altLang="en-US" sz="2800" b="1" dirty="0">
+                <a:latin typeface="微软雅黑" panose="020B0503020204020204" pitchFamily="34" charset="-122"/>
+                <a:ea typeface="微软雅黑" panose="020B0503020204020204" pitchFamily="34" charset="-122"/>
+              </a:rPr>
+              <a:t>杜</a:t>
+            </a:r>
+          </a:p>
+        </p:txBody>
+      </p:sp>
     </p:spTree>
     <p:extLst>
       <p:ext uri="{BB962C8B-B14F-4D97-AF65-F5344CB8AC3E}">
@@ -15026,7 +17077,7 @@
 </p:sld>
 </file>
 
-<file path=ppt/slides/slide8.xml><?xml version="1.0" encoding="utf-8"?>
+<file path=ppt/slides/slide9.xml><?xml version="1.0" encoding="utf-8"?>
 <p:sld xmlns:a="http://schemas.openxmlformats.org/drawingml/2006/main" xmlns:r="http://schemas.openxmlformats.org/officeDocument/2006/relationships" xmlns:p="http://schemas.openxmlformats.org/presentationml/2006/main">
   <p:cSld>
     <p:spTree>
@@ -17918,42 +19969,12 @@
           </a:p>
         </p:txBody>
       </p:sp>
-    </p:spTree>
-    <p:extLst>
-      <p:ext uri="{BB962C8B-B14F-4D97-AF65-F5344CB8AC3E}">
-        <p14:creationId xmlns:p14="http://schemas.microsoft.com/office/powerpoint/2010/main" val="1108545270"/>
-      </p:ext>
-    </p:extLst>
-  </p:cSld>
-  <p:clrMapOvr>
-    <a:masterClrMapping/>
-  </p:clrMapOvr>
-</p:sld>
-</file>
-
-<file path=ppt/slides/slide9.xml><?xml version="1.0" encoding="utf-8"?>
-<p:sld xmlns:a="http://schemas.openxmlformats.org/drawingml/2006/main" xmlns:r="http://schemas.openxmlformats.org/officeDocument/2006/relationships" xmlns:p="http://schemas.openxmlformats.org/presentationml/2006/main">
-  <p:cSld>
-    <p:spTree>
-      <p:nvGrpSpPr>
-        <p:cNvPr id="1" name=""/>
-        <p:cNvGrpSpPr/>
-        <p:nvPr/>
-      </p:nvGrpSpPr>
-      <p:grpSpPr>
-        <a:xfrm>
-          <a:off x="0" y="0"/>
-          <a:ext cx="0" cy="0"/>
-          <a:chOff x="0" y="0"/>
-          <a:chExt cx="0" cy="0"/>
-        </a:xfrm>
-      </p:grpSpPr>
       <p:sp>
         <p:nvSpPr>
-          <p:cNvPr id="6" name="Rectangle 4">
+          <p:cNvPr id="9" name="椭圆 8">
             <a:extLst>
               <a:ext uri="{FF2B5EF4-FFF2-40B4-BE49-F238E27FC236}">
-                <a16:creationId xmlns:a16="http://schemas.microsoft.com/office/drawing/2014/main" id="{15599F48-0252-4392-B7DE-B86F71024601}"/>
+                <a16:creationId xmlns:a16="http://schemas.microsoft.com/office/drawing/2014/main" id="{CAE399D0-719F-4AF5-BEBF-A15740B974E1}"/>
               </a:ext>
             </a:extLst>
           </p:cNvPr>
@@ -17962,10 +19983,10 @@
         </p:nvSpPr>
         <p:spPr>
           <a:xfrm>
-            <a:off x="1225" y="9401"/>
-            <a:ext cx="1080000" cy="828000"/>
+            <a:off x="9404350" y="51629"/>
+            <a:ext cx="2489200" cy="670019"/>
           </a:xfrm>
-          <a:prstGeom prst="rect">
+          <a:prstGeom prst="ellipse">
             <a:avLst/>
           </a:prstGeom>
           <a:solidFill>
@@ -17999,173 +20020,19 @@
           <a:p>
             <a:pPr algn="ctr"/>
             <a:r>
-              <a:rPr lang="en-US" altLang="zh-CN" sz="2800" b="1" dirty="0">
+              <a:rPr lang="zh-CN" altLang="en-US" sz="2800" b="1" dirty="0">
                 <a:latin typeface="微软雅黑" panose="020B0503020204020204" pitchFamily="34" charset="-122"/>
                 <a:ea typeface="微软雅黑" panose="020B0503020204020204" pitchFamily="34" charset="-122"/>
               </a:rPr>
-              <a:t>7</a:t>
-            </a:r>
-          </a:p>
-        </p:txBody>
-      </p:sp>
-      <p:cxnSp>
-        <p:nvCxnSpPr>
-          <p:cNvPr id="7" name="直接连接符 6">
-            <a:extLst>
-              <a:ext uri="{FF2B5EF4-FFF2-40B4-BE49-F238E27FC236}">
-                <a16:creationId xmlns:a16="http://schemas.microsoft.com/office/drawing/2014/main" id="{4346EF14-3FC8-43C0-95BA-83FCCE1F58D2}"/>
-              </a:ext>
-            </a:extLst>
-          </p:cNvPr>
-          <p:cNvCxnSpPr/>
-          <p:nvPr/>
-        </p:nvCxnSpPr>
-        <p:spPr>
-          <a:xfrm flipV="1">
-            <a:off x="-21590" y="826770"/>
-            <a:ext cx="12240000" cy="20955"/>
-          </a:xfrm>
-          <a:prstGeom prst="line">
-            <a:avLst/>
-          </a:prstGeom>
-          <a:ln w="38100">
-            <a:solidFill>
-              <a:schemeClr val="bg2">
-                <a:lumMod val="75000"/>
-              </a:schemeClr>
-            </a:solidFill>
-          </a:ln>
-        </p:spPr>
-        <p:style>
-          <a:lnRef idx="1">
-            <a:schemeClr val="accent1"/>
-          </a:lnRef>
-          <a:fillRef idx="0">
-            <a:schemeClr val="accent1"/>
-          </a:fillRef>
-          <a:effectRef idx="0">
-            <a:schemeClr val="accent1"/>
-          </a:effectRef>
-          <a:fontRef idx="minor">
-            <a:schemeClr val="tx1"/>
-          </a:fontRef>
-        </p:style>
-      </p:cxnSp>
-      <p:sp>
-        <p:nvSpPr>
-          <p:cNvPr id="8" name="文本框 7">
-            <a:extLst>
-              <a:ext uri="{FF2B5EF4-FFF2-40B4-BE49-F238E27FC236}">
-                <a16:creationId xmlns:a16="http://schemas.microsoft.com/office/drawing/2014/main" id="{3E5A1EAC-8741-4543-AC49-5B32051AA819}"/>
-              </a:ext>
-            </a:extLst>
-          </p:cNvPr>
-          <p:cNvSpPr txBox="1"/>
-          <p:nvPr/>
-        </p:nvSpPr>
-        <p:spPr>
-          <a:xfrm>
-            <a:off x="1229322" y="136873"/>
-            <a:ext cx="8486178" cy="584775"/>
-          </a:xfrm>
-          <a:prstGeom prst="rect">
-            <a:avLst/>
-          </a:prstGeom>
-          <a:noFill/>
-        </p:spPr>
-        <p:txBody>
-          <a:bodyPr wrap="square" rtlCol="0">
-            <a:spAutoFit/>
-          </a:bodyPr>
-          <a:lstStyle/>
-          <a:p>
-            <a:r>
-              <a:rPr lang="en-US" altLang="zh-CN" sz="3200" b="1" dirty="0">
-                <a:latin typeface="微软雅黑" panose="020B0503020204020204" pitchFamily="34" charset="-122"/>
-                <a:ea typeface="微软雅黑" panose="020B0503020204020204" pitchFamily="34" charset="-122"/>
-              </a:rPr>
-              <a:t>RTK——</a:t>
-            </a:r>
-            <a:r>
-              <a:rPr lang="zh-CN" altLang="en-US" sz="3200" b="1" dirty="0">
-                <a:latin typeface="微软雅黑" panose="020B0503020204020204" pitchFamily="34" charset="-122"/>
-                <a:ea typeface="微软雅黑" panose="020B0503020204020204" pitchFamily="34" charset="-122"/>
-              </a:rPr>
-              <a:t>解算整周模糊度，基于</a:t>
-            </a:r>
-            <a:r>
-              <a:rPr lang="en-US" altLang="zh-CN" sz="3200" b="1" i="0" dirty="0">
-                <a:solidFill>
-                  <a:srgbClr val="121212"/>
-                </a:solidFill>
-                <a:effectLst/>
-                <a:latin typeface="-apple-system"/>
-              </a:rPr>
-              <a:t>LAMBDA</a:t>
-            </a:r>
-            <a:r>
-              <a:rPr lang="zh-CN" altLang="en-US" sz="3200" b="1" i="0" dirty="0">
-                <a:solidFill>
-                  <a:srgbClr val="121212"/>
-                </a:solidFill>
-                <a:effectLst/>
-                <a:latin typeface="-apple-system"/>
-              </a:rPr>
-              <a:t>算法</a:t>
-            </a:r>
-            <a:endParaRPr lang="zh-CN" altLang="en-US" sz="3200" b="1" dirty="0">
-              <a:latin typeface="微软雅黑" panose="020B0503020204020204" pitchFamily="34" charset="-122"/>
-              <a:ea typeface="微软雅黑" panose="020B0503020204020204" pitchFamily="34" charset="-122"/>
-            </a:endParaRPr>
-          </a:p>
-        </p:txBody>
-      </p:sp>
-      <p:sp>
-        <p:nvSpPr>
-          <p:cNvPr id="9" name="文本框 8">
-            <a:extLst>
-              <a:ext uri="{FF2B5EF4-FFF2-40B4-BE49-F238E27FC236}">
-                <a16:creationId xmlns:a16="http://schemas.microsoft.com/office/drawing/2014/main" id="{692E6B9B-BE5C-48F5-ADB7-DDC1EEC59107}"/>
-              </a:ext>
-            </a:extLst>
-          </p:cNvPr>
-          <p:cNvSpPr txBox="1"/>
-          <p:nvPr/>
-        </p:nvSpPr>
-        <p:spPr>
-          <a:xfrm>
-            <a:off x="0" y="1138907"/>
-            <a:ext cx="11827669" cy="400110"/>
-          </a:xfrm>
-          <a:prstGeom prst="rect">
-            <a:avLst/>
-          </a:prstGeom>
-          <a:noFill/>
-        </p:spPr>
-        <p:txBody>
-          <a:bodyPr wrap="square">
-            <a:spAutoFit/>
-          </a:bodyPr>
-          <a:lstStyle/>
-          <a:p>
-            <a:r>
-              <a:rPr lang="en-US" altLang="zh-CN" sz="2000" dirty="0">
-                <a:latin typeface="微软雅黑" panose="020B0503020204020204" pitchFamily="34" charset="-122"/>
-                <a:ea typeface="微软雅黑" panose="020B0503020204020204" pitchFamily="34" charset="-122"/>
-              </a:rPr>
-              <a:t>XXXXXXXXXXXXXXXXXXXXXXXXXXXXXXXXXX</a:t>
-            </a:r>
-            <a:endParaRPr lang="zh-CN" altLang="en-US" sz="2000" dirty="0">
-              <a:latin typeface="微软雅黑" panose="020B0503020204020204" pitchFamily="34" charset="-122"/>
-              <a:ea typeface="微软雅黑" panose="020B0503020204020204" pitchFamily="34" charset="-122"/>
-            </a:endParaRPr>
+              <a:t>杜</a:t>
+            </a:r>
           </a:p>
         </p:txBody>
       </p:sp>
     </p:spTree>
     <p:extLst>
       <p:ext uri="{BB962C8B-B14F-4D97-AF65-F5344CB8AC3E}">
-        <p14:creationId xmlns:p14="http://schemas.microsoft.com/office/powerpoint/2010/main" val="1604803807"/>
+        <p14:creationId xmlns:p14="http://schemas.microsoft.com/office/powerpoint/2010/main" val="1108545270"/>
       </p:ext>
     </p:extLst>
   </p:cSld>
@@ -18184,6 +20051,36 @@
 <file path=ppt/tags/tag2.xml><?xml version="1.0" encoding="utf-8"?>
 <p:tagLst xmlns:a="http://schemas.openxmlformats.org/drawingml/2006/main" xmlns:r="http://schemas.openxmlformats.org/officeDocument/2006/relationships" xmlns:p="http://schemas.openxmlformats.org/presentationml/2006/main">
   <p:tag name="PA" val="v5.1.1"/>
+</p:tagLst>
+</file>
+
+<file path=ppt/tags/tag3.xml><?xml version="1.0" encoding="utf-8"?>
+<p:tagLst xmlns:a="http://schemas.openxmlformats.org/drawingml/2006/main" xmlns:r="http://schemas.openxmlformats.org/officeDocument/2006/relationships" xmlns:p="http://schemas.openxmlformats.org/presentationml/2006/main">
+  <p:tag name="KSO_WM_BEAUTIFY_FLAG" val=""/>
+</p:tagLst>
+</file>
+
+<file path=ppt/tags/tag4.xml><?xml version="1.0" encoding="utf-8"?>
+<p:tagLst xmlns:a="http://schemas.openxmlformats.org/drawingml/2006/main" xmlns:r="http://schemas.openxmlformats.org/officeDocument/2006/relationships" xmlns:p="http://schemas.openxmlformats.org/presentationml/2006/main">
+  <p:tag name="KSO_WM_BEAUTIFY_FLAG" val=""/>
+</p:tagLst>
+</file>
+
+<file path=ppt/tags/tag5.xml><?xml version="1.0" encoding="utf-8"?>
+<p:tagLst xmlns:a="http://schemas.openxmlformats.org/drawingml/2006/main" xmlns:r="http://schemas.openxmlformats.org/officeDocument/2006/relationships" xmlns:p="http://schemas.openxmlformats.org/presentationml/2006/main">
+  <p:tag name="KSO_WM_BEAUTIFY_FLAG" val=""/>
+</p:tagLst>
+</file>
+
+<file path=ppt/tags/tag6.xml><?xml version="1.0" encoding="utf-8"?>
+<p:tagLst xmlns:a="http://schemas.openxmlformats.org/drawingml/2006/main" xmlns:r="http://schemas.openxmlformats.org/officeDocument/2006/relationships" xmlns:p="http://schemas.openxmlformats.org/presentationml/2006/main">
+  <p:tag name="KSO_WM_BEAUTIFY_FLAG" val=""/>
+</p:tagLst>
+</file>
+
+<file path=ppt/tags/tag7.xml><?xml version="1.0" encoding="utf-8"?>
+<p:tagLst xmlns:a="http://schemas.openxmlformats.org/drawingml/2006/main" xmlns:r="http://schemas.openxmlformats.org/officeDocument/2006/relationships" xmlns:p="http://schemas.openxmlformats.org/presentationml/2006/main">
+  <p:tag name="KSO_WM_BEAUTIFY_FLAG" val=""/>
 </p:tagLst>
 </file>
 
